--- a/GPREC/04_Navigational_Robot_Car-1-Sensors/ZASRobotics_Car-1.pptx
+++ b/GPREC/04_Navigational_Robot_Car-1-Sensors/ZASRobotics_Car-1.pptx
@@ -6,7 +6,7 @@
     <p:sldMasterId id="2147483660" r:id="rId2"/>
   </p:sldMasterIdLst>
   <p:notesMasterIdLst>
-    <p:notesMasterId r:id="rId17"/>
+    <p:notesMasterId r:id="rId20"/>
   </p:notesMasterIdLst>
   <p:sldIdLst>
     <p:sldId id="256" r:id="rId3"/>
@@ -14,15 +14,18 @@
     <p:sldId id="258" r:id="rId5"/>
     <p:sldId id="278" r:id="rId6"/>
     <p:sldId id="262" r:id="rId7"/>
-    <p:sldId id="264" r:id="rId8"/>
-    <p:sldId id="268" r:id="rId9"/>
-    <p:sldId id="269" r:id="rId10"/>
-    <p:sldId id="259" r:id="rId11"/>
-    <p:sldId id="280" r:id="rId12"/>
-    <p:sldId id="273" r:id="rId13"/>
-    <p:sldId id="274" r:id="rId14"/>
-    <p:sldId id="260" r:id="rId15"/>
-    <p:sldId id="275" r:id="rId16"/>
+    <p:sldId id="281" r:id="rId8"/>
+    <p:sldId id="264" r:id="rId9"/>
+    <p:sldId id="268" r:id="rId10"/>
+    <p:sldId id="269" r:id="rId11"/>
+    <p:sldId id="259" r:id="rId12"/>
+    <p:sldId id="280" r:id="rId13"/>
+    <p:sldId id="273" r:id="rId14"/>
+    <p:sldId id="274" r:id="rId15"/>
+    <p:sldId id="260" r:id="rId16"/>
+    <p:sldId id="275" r:id="rId17"/>
+    <p:sldId id="283" r:id="rId18"/>
+    <p:sldId id="282" r:id="rId19"/>
   </p:sldIdLst>
   <p:sldSz cx="12192000" cy="6858000"/>
   <p:notesSz cx="6858000" cy="9144000"/>
@@ -550,6 +553,91 @@
   <p:cSld>
     <p:spTree>
       <p:nvGrpSpPr>
+        <p:cNvPr id="1" name=""/>
+        <p:cNvGrpSpPr/>
+        <p:nvPr/>
+      </p:nvGrpSpPr>
+      <p:grpSpPr bwMode="auto">
+        <a:xfrm>
+          <a:off x="0" y="0"/>
+          <a:ext cx="0" cy="0"/>
+          <a:chOff x="0" y="0"/>
+          <a:chExt cx="0" cy="0"/>
+        </a:xfrm>
+      </p:grpSpPr>
+      <p:sp>
+        <p:nvSpPr>
+          <p:cNvPr id="1193992649" name="Slide Image Placeholder 1"/>
+          <p:cNvSpPr>
+            <a:spLocks noGrp="1" noRot="1" noChangeAspect="1"/>
+          </p:cNvSpPr>
+          <p:nvPr>
+            <p:ph type="sldImg"/>
+          </p:nvPr>
+        </p:nvSpPr>
+        <p:spPr bwMode="auto"/>
+      </p:sp>
+      <p:sp>
+        <p:nvSpPr>
+          <p:cNvPr id="637705578" name="Notes Placeholder 2"/>
+          <p:cNvSpPr>
+            <a:spLocks noGrp="1"/>
+          </p:cNvSpPr>
+          <p:nvPr>
+            <p:ph type="body" idx="1"/>
+          </p:nvPr>
+        </p:nvSpPr>
+        <p:spPr bwMode="auto"/>
+        <p:txBody>
+          <a:bodyPr/>
+          <a:lstStyle/>
+          <a:p>
+            <a:pPr>
+              <a:defRPr/>
+            </a:pPr>
+            <a:endParaRPr/>
+          </a:p>
+        </p:txBody>
+      </p:sp>
+      <p:sp>
+        <p:nvSpPr>
+          <p:cNvPr id="779298884" name="Slide Number Placeholder 3"/>
+          <p:cNvSpPr>
+            <a:spLocks noGrp="1"/>
+          </p:cNvSpPr>
+          <p:nvPr>
+            <p:ph type="sldNum" sz="quarter" idx="10"/>
+          </p:nvPr>
+        </p:nvSpPr>
+        <p:spPr bwMode="auto"/>
+        <p:txBody>
+          <a:bodyPr/>
+          <a:lstStyle/>
+          <a:p>
+            <a:pPr>
+              <a:defRPr/>
+            </a:pPr>
+            <a:fld id="{C0EFFA8F-62AE-87A1-1C9A-B2758EA6294C}" type="slidenum">
+              <a:rPr/>
+              <a:t>10</a:t>
+            </a:fld>
+            <a:endParaRPr/>
+          </a:p>
+        </p:txBody>
+      </p:sp>
+    </p:spTree>
+  </p:cSld>
+  <p:clrMapOvr>
+    <a:masterClrMapping/>
+  </p:clrMapOvr>
+</p:notes>
+</file>
+
+<file path=ppt/notesSlides/notesSlide11.xml><?xml version="1.0" encoding="utf-8"?>
+<p:notes xmlns:a="http://schemas.openxmlformats.org/drawingml/2006/main" xmlns:r="http://schemas.openxmlformats.org/officeDocument/2006/relationships" xmlns:p="http://schemas.openxmlformats.org/presentationml/2006/main">
+  <p:cSld>
+    <p:spTree>
+      <p:nvGrpSpPr>
         <p:cNvPr id="1" name="">
           <a:extLst>
             <a:ext uri="{FF2B5EF4-FFF2-40B4-BE49-F238E27FC236}">
@@ -683,7 +771,7 @@
                 <a:tabLst/>
                 <a:defRPr/>
               </a:pPr>
-              <a:t>10</a:t>
+              <a:t>11</a:t>
             </a:fld>
             <a:endParaRPr kumimoji="0" sz="1200" b="0" i="0" u="none" strike="noStrike" kern="0" cap="none" spc="0" normalizeH="0" baseline="0" noProof="0">
               <a:ln>
@@ -707,91 +795,6 @@
         <p14:creationId xmlns:p14="http://schemas.microsoft.com/office/powerpoint/2010/main" val="1364931914"/>
       </p:ext>
     </p:extLst>
-  </p:cSld>
-  <p:clrMapOvr>
-    <a:masterClrMapping/>
-  </p:clrMapOvr>
-</p:notes>
-</file>
-
-<file path=ppt/notesSlides/notesSlide11.xml><?xml version="1.0" encoding="utf-8"?>
-<p:notes xmlns:a="http://schemas.openxmlformats.org/drawingml/2006/main" xmlns:r="http://schemas.openxmlformats.org/officeDocument/2006/relationships" xmlns:p="http://schemas.openxmlformats.org/presentationml/2006/main">
-  <p:cSld>
-    <p:spTree>
-      <p:nvGrpSpPr>
-        <p:cNvPr id="1" name=""/>
-        <p:cNvGrpSpPr/>
-        <p:nvPr/>
-      </p:nvGrpSpPr>
-      <p:grpSpPr bwMode="auto">
-        <a:xfrm>
-          <a:off x="0" y="0"/>
-          <a:ext cx="0" cy="0"/>
-          <a:chOff x="0" y="0"/>
-          <a:chExt cx="0" cy="0"/>
-        </a:xfrm>
-      </p:grpSpPr>
-      <p:sp>
-        <p:nvSpPr>
-          <p:cNvPr id="613999173" name="Slide Image Placeholder 1"/>
-          <p:cNvSpPr>
-            <a:spLocks noGrp="1" noRot="1" noChangeAspect="1"/>
-          </p:cNvSpPr>
-          <p:nvPr>
-            <p:ph type="sldImg"/>
-          </p:nvPr>
-        </p:nvSpPr>
-        <p:spPr bwMode="auto"/>
-      </p:sp>
-      <p:sp>
-        <p:nvSpPr>
-          <p:cNvPr id="1662990739" name="Notes Placeholder 2"/>
-          <p:cNvSpPr>
-            <a:spLocks noGrp="1"/>
-          </p:cNvSpPr>
-          <p:nvPr>
-            <p:ph type="body" idx="1"/>
-          </p:nvPr>
-        </p:nvSpPr>
-        <p:spPr bwMode="auto"/>
-        <p:txBody>
-          <a:bodyPr/>
-          <a:lstStyle/>
-          <a:p>
-            <a:pPr>
-              <a:defRPr/>
-            </a:pPr>
-            <a:endParaRPr/>
-          </a:p>
-        </p:txBody>
-      </p:sp>
-      <p:sp>
-        <p:nvSpPr>
-          <p:cNvPr id="1469099533" name="Slide Number Placeholder 3"/>
-          <p:cNvSpPr>
-            <a:spLocks noGrp="1"/>
-          </p:cNvSpPr>
-          <p:nvPr>
-            <p:ph type="sldNum" sz="quarter" idx="10"/>
-          </p:nvPr>
-        </p:nvSpPr>
-        <p:spPr bwMode="auto"/>
-        <p:txBody>
-          <a:bodyPr/>
-          <a:lstStyle/>
-          <a:p>
-            <a:pPr>
-              <a:defRPr/>
-            </a:pPr>
-            <a:fld id="{570BF6A5-E3FB-7263-6386-32C983929299}" type="slidenum">
-              <a:rPr/>
-              <a:t>11</a:t>
-            </a:fld>
-            <a:endParaRPr/>
-          </a:p>
-        </p:txBody>
-      </p:sp>
-    </p:spTree>
   </p:cSld>
   <p:clrMapOvr>
     <a:masterClrMapping/>
@@ -818,7 +821,7 @@
       </p:grpSpPr>
       <p:sp>
         <p:nvSpPr>
-          <p:cNvPr id="2" name="Slide Image Placeholder 1"/>
+          <p:cNvPr id="613999173" name="Slide Image Placeholder 1"/>
           <p:cNvSpPr>
             <a:spLocks noGrp="1" noRot="1" noChangeAspect="1"/>
           </p:cNvSpPr>
@@ -830,7 +833,7 @@
       </p:sp>
       <p:sp>
         <p:nvSpPr>
-          <p:cNvPr id="3" name="Notes Placeholder 2"/>
+          <p:cNvPr id="1662990739" name="Notes Placeholder 2"/>
           <p:cNvSpPr>
             <a:spLocks noGrp="1"/>
           </p:cNvSpPr>
@@ -852,7 +855,7 @@
       </p:sp>
       <p:sp>
         <p:nvSpPr>
-          <p:cNvPr id="4" name="Slide Number Placeholder 3"/>
+          <p:cNvPr id="1469099533" name="Slide Number Placeholder 3"/>
           <p:cNvSpPr>
             <a:spLocks noGrp="1"/>
           </p:cNvSpPr>
@@ -868,7 +871,7 @@
             <a:pPr>
               <a:defRPr/>
             </a:pPr>
-            <a:fld id="{231846B9-60F9-C8FA-8131-746DF48D95A0}" type="slidenum">
+            <a:fld id="{570BF6A5-E3FB-7263-6386-32C983929299}" type="slidenum">
               <a:rPr/>
               <a:t>12</a:t>
             </a:fld>
@@ -903,7 +906,7 @@
       </p:grpSpPr>
       <p:sp>
         <p:nvSpPr>
-          <p:cNvPr id="1363721453" name="Slide Image Placeholder 1"/>
+          <p:cNvPr id="2" name="Slide Image Placeholder 1"/>
           <p:cNvSpPr>
             <a:spLocks noGrp="1" noRot="1" noChangeAspect="1"/>
           </p:cNvSpPr>
@@ -915,7 +918,7 @@
       </p:sp>
       <p:sp>
         <p:nvSpPr>
-          <p:cNvPr id="1845759952" name="Notes Placeholder 2"/>
+          <p:cNvPr id="3" name="Notes Placeholder 2"/>
           <p:cNvSpPr>
             <a:spLocks noGrp="1"/>
           </p:cNvSpPr>
@@ -937,7 +940,7 @@
       </p:sp>
       <p:sp>
         <p:nvSpPr>
-          <p:cNvPr id="1759803663" name="Slide Number Placeholder 3"/>
+          <p:cNvPr id="4" name="Slide Number Placeholder 3"/>
           <p:cNvSpPr>
             <a:spLocks noGrp="1"/>
           </p:cNvSpPr>
@@ -953,7 +956,7 @@
             <a:pPr>
               <a:defRPr/>
             </a:pPr>
-            <a:fld id="{C9D377EF-AB0E-4E04-502A-8773159447B2}" type="slidenum">
+            <a:fld id="{231846B9-60F9-C8FA-8131-746DF48D95A0}" type="slidenum">
               <a:rPr/>
               <a:t>13</a:t>
             </a:fld>
@@ -988,7 +991,7 @@
       </p:grpSpPr>
       <p:sp>
         <p:nvSpPr>
-          <p:cNvPr id="563864978" name="Slide Image Placeholder 1"/>
+          <p:cNvPr id="1363721453" name="Slide Image Placeholder 1"/>
           <p:cNvSpPr>
             <a:spLocks noGrp="1" noRot="1" noChangeAspect="1"/>
           </p:cNvSpPr>
@@ -1000,7 +1003,7 @@
       </p:sp>
       <p:sp>
         <p:nvSpPr>
-          <p:cNvPr id="696084192" name="Notes Placeholder 2"/>
+          <p:cNvPr id="1845759952" name="Notes Placeholder 2"/>
           <p:cNvSpPr>
             <a:spLocks noGrp="1"/>
           </p:cNvSpPr>
@@ -1022,7 +1025,7 @@
       </p:sp>
       <p:sp>
         <p:nvSpPr>
-          <p:cNvPr id="1655671864" name="Slide Number Placeholder 3"/>
+          <p:cNvPr id="1759803663" name="Slide Number Placeholder 3"/>
           <p:cNvSpPr>
             <a:spLocks noGrp="1"/>
           </p:cNvSpPr>
@@ -1038,7 +1041,7 @@
             <a:pPr>
               <a:defRPr/>
             </a:pPr>
-            <a:fld id="{B4C837A8-0E34-C67F-E458-1A7A0FFB92D5}" type="slidenum">
+            <a:fld id="{C9D377EF-AB0E-4E04-502A-8773159447B2}" type="slidenum">
               <a:rPr/>
               <a:t>14</a:t>
             </a:fld>
@@ -1047,6 +1050,319 @@
         </p:txBody>
       </p:sp>
     </p:spTree>
+  </p:cSld>
+  <p:clrMapOvr>
+    <a:masterClrMapping/>
+  </p:clrMapOvr>
+</p:notes>
+</file>
+
+<file path=ppt/notesSlides/notesSlide15.xml><?xml version="1.0" encoding="utf-8"?>
+<p:notes xmlns:a="http://schemas.openxmlformats.org/drawingml/2006/main" xmlns:r="http://schemas.openxmlformats.org/officeDocument/2006/relationships" xmlns:p="http://schemas.openxmlformats.org/presentationml/2006/main">
+  <p:cSld>
+    <p:spTree>
+      <p:nvGrpSpPr>
+        <p:cNvPr id="1" name=""/>
+        <p:cNvGrpSpPr/>
+        <p:nvPr/>
+      </p:nvGrpSpPr>
+      <p:grpSpPr bwMode="auto">
+        <a:xfrm>
+          <a:off x="0" y="0"/>
+          <a:ext cx="0" cy="0"/>
+          <a:chOff x="0" y="0"/>
+          <a:chExt cx="0" cy="0"/>
+        </a:xfrm>
+      </p:grpSpPr>
+      <p:sp>
+        <p:nvSpPr>
+          <p:cNvPr id="563864978" name="Slide Image Placeholder 1"/>
+          <p:cNvSpPr>
+            <a:spLocks noGrp="1" noRot="1" noChangeAspect="1"/>
+          </p:cNvSpPr>
+          <p:nvPr>
+            <p:ph type="sldImg"/>
+          </p:nvPr>
+        </p:nvSpPr>
+        <p:spPr bwMode="auto"/>
+      </p:sp>
+      <p:sp>
+        <p:nvSpPr>
+          <p:cNvPr id="696084192" name="Notes Placeholder 2"/>
+          <p:cNvSpPr>
+            <a:spLocks noGrp="1"/>
+          </p:cNvSpPr>
+          <p:nvPr>
+            <p:ph type="body" idx="1"/>
+          </p:nvPr>
+        </p:nvSpPr>
+        <p:spPr bwMode="auto"/>
+        <p:txBody>
+          <a:bodyPr/>
+          <a:lstStyle/>
+          <a:p>
+            <a:pPr>
+              <a:defRPr/>
+            </a:pPr>
+            <a:endParaRPr/>
+          </a:p>
+        </p:txBody>
+      </p:sp>
+      <p:sp>
+        <p:nvSpPr>
+          <p:cNvPr id="1655671864" name="Slide Number Placeholder 3"/>
+          <p:cNvSpPr>
+            <a:spLocks noGrp="1"/>
+          </p:cNvSpPr>
+          <p:nvPr>
+            <p:ph type="sldNum" sz="quarter" idx="10"/>
+          </p:nvPr>
+        </p:nvSpPr>
+        <p:spPr bwMode="auto"/>
+        <p:txBody>
+          <a:bodyPr/>
+          <a:lstStyle/>
+          <a:p>
+            <a:pPr>
+              <a:defRPr/>
+            </a:pPr>
+            <a:fld id="{B4C837A8-0E34-C67F-E458-1A7A0FFB92D5}" type="slidenum">
+              <a:rPr/>
+              <a:t>15</a:t>
+            </a:fld>
+            <a:endParaRPr/>
+          </a:p>
+        </p:txBody>
+      </p:sp>
+    </p:spTree>
+  </p:cSld>
+  <p:clrMapOvr>
+    <a:masterClrMapping/>
+  </p:clrMapOvr>
+</p:notes>
+</file>
+
+<file path=ppt/notesSlides/notesSlide16.xml><?xml version="1.0" encoding="utf-8"?>
+<p:notes xmlns:a="http://schemas.openxmlformats.org/drawingml/2006/main" xmlns:r="http://schemas.openxmlformats.org/officeDocument/2006/relationships" xmlns:p="http://schemas.openxmlformats.org/presentationml/2006/main">
+  <p:cSld>
+    <p:spTree>
+      <p:nvGrpSpPr>
+        <p:cNvPr id="1" name="">
+          <a:extLst>
+            <a:ext uri="{FF2B5EF4-FFF2-40B4-BE49-F238E27FC236}">
+              <a16:creationId xmlns:a16="http://schemas.microsoft.com/office/drawing/2014/main" id="{33D0C8C5-F8E2-F7DD-63B2-36F4C46DB246}"/>
+            </a:ext>
+          </a:extLst>
+        </p:cNvPr>
+        <p:cNvGrpSpPr/>
+        <p:nvPr/>
+      </p:nvGrpSpPr>
+      <p:grpSpPr bwMode="auto">
+        <a:xfrm>
+          <a:off x="0" y="0"/>
+          <a:ext cx="0" cy="0"/>
+          <a:chOff x="0" y="0"/>
+          <a:chExt cx="0" cy="0"/>
+        </a:xfrm>
+      </p:grpSpPr>
+      <p:sp>
+        <p:nvSpPr>
+          <p:cNvPr id="563864978" name="Slide Image Placeholder 1">
+            <a:extLst>
+              <a:ext uri="{FF2B5EF4-FFF2-40B4-BE49-F238E27FC236}">
+                <a16:creationId xmlns:a16="http://schemas.microsoft.com/office/drawing/2014/main" id="{45E6FDBE-C3C0-892D-773E-658CA53371CE}"/>
+              </a:ext>
+            </a:extLst>
+          </p:cNvPr>
+          <p:cNvSpPr>
+            <a:spLocks noGrp="1" noRot="1" noChangeAspect="1"/>
+          </p:cNvSpPr>
+          <p:nvPr>
+            <p:ph type="sldImg"/>
+          </p:nvPr>
+        </p:nvSpPr>
+        <p:spPr bwMode="auto"/>
+      </p:sp>
+      <p:sp>
+        <p:nvSpPr>
+          <p:cNvPr id="696084192" name="Notes Placeholder 2">
+            <a:extLst>
+              <a:ext uri="{FF2B5EF4-FFF2-40B4-BE49-F238E27FC236}">
+                <a16:creationId xmlns:a16="http://schemas.microsoft.com/office/drawing/2014/main" id="{0665A151-B54F-500B-B415-1745E90A3528}"/>
+              </a:ext>
+            </a:extLst>
+          </p:cNvPr>
+          <p:cNvSpPr>
+            <a:spLocks noGrp="1"/>
+          </p:cNvSpPr>
+          <p:nvPr>
+            <p:ph type="body" idx="1"/>
+          </p:nvPr>
+        </p:nvSpPr>
+        <p:spPr bwMode="auto"/>
+        <p:txBody>
+          <a:bodyPr/>
+          <a:lstStyle/>
+          <a:p>
+            <a:pPr>
+              <a:defRPr/>
+            </a:pPr>
+            <a:endParaRPr/>
+          </a:p>
+        </p:txBody>
+      </p:sp>
+      <p:sp>
+        <p:nvSpPr>
+          <p:cNvPr id="1655671864" name="Slide Number Placeholder 3">
+            <a:extLst>
+              <a:ext uri="{FF2B5EF4-FFF2-40B4-BE49-F238E27FC236}">
+                <a16:creationId xmlns:a16="http://schemas.microsoft.com/office/drawing/2014/main" id="{6D975023-CCE1-9AA6-D562-630F06A822AC}"/>
+              </a:ext>
+            </a:extLst>
+          </p:cNvPr>
+          <p:cNvSpPr>
+            <a:spLocks noGrp="1"/>
+          </p:cNvSpPr>
+          <p:nvPr>
+            <p:ph type="sldNum" sz="quarter" idx="10"/>
+          </p:nvPr>
+        </p:nvSpPr>
+        <p:spPr bwMode="auto"/>
+        <p:txBody>
+          <a:bodyPr/>
+          <a:lstStyle/>
+          <a:p>
+            <a:pPr>
+              <a:defRPr/>
+            </a:pPr>
+            <a:fld id="{B4C837A8-0E34-C67F-E458-1A7A0FFB92D5}" type="slidenum">
+              <a:rPr/>
+              <a:t>16</a:t>
+            </a:fld>
+            <a:endParaRPr/>
+          </a:p>
+        </p:txBody>
+      </p:sp>
+    </p:spTree>
+    <p:extLst>
+      <p:ext uri="{BB962C8B-B14F-4D97-AF65-F5344CB8AC3E}">
+        <p14:creationId xmlns:p14="http://schemas.microsoft.com/office/powerpoint/2010/main" val="4078595789"/>
+      </p:ext>
+    </p:extLst>
+  </p:cSld>
+  <p:clrMapOvr>
+    <a:masterClrMapping/>
+  </p:clrMapOvr>
+</p:notes>
+</file>
+
+<file path=ppt/notesSlides/notesSlide17.xml><?xml version="1.0" encoding="utf-8"?>
+<p:notes xmlns:a="http://schemas.openxmlformats.org/drawingml/2006/main" xmlns:r="http://schemas.openxmlformats.org/officeDocument/2006/relationships" xmlns:p="http://schemas.openxmlformats.org/presentationml/2006/main">
+  <p:cSld>
+    <p:spTree>
+      <p:nvGrpSpPr>
+        <p:cNvPr id="1" name="">
+          <a:extLst>
+            <a:ext uri="{FF2B5EF4-FFF2-40B4-BE49-F238E27FC236}">
+              <a16:creationId xmlns:a16="http://schemas.microsoft.com/office/drawing/2014/main" id="{63128332-7742-F226-EF66-C6DDF23B6EB9}"/>
+            </a:ext>
+          </a:extLst>
+        </p:cNvPr>
+        <p:cNvGrpSpPr/>
+        <p:nvPr/>
+      </p:nvGrpSpPr>
+      <p:grpSpPr bwMode="auto">
+        <a:xfrm>
+          <a:off x="0" y="0"/>
+          <a:ext cx="0" cy="0"/>
+          <a:chOff x="0" y="0"/>
+          <a:chExt cx="0" cy="0"/>
+        </a:xfrm>
+      </p:grpSpPr>
+      <p:sp>
+        <p:nvSpPr>
+          <p:cNvPr id="1193992649" name="Slide Image Placeholder 1">
+            <a:extLst>
+              <a:ext uri="{FF2B5EF4-FFF2-40B4-BE49-F238E27FC236}">
+                <a16:creationId xmlns:a16="http://schemas.microsoft.com/office/drawing/2014/main" id="{92BAC43D-F455-3B3E-AB4C-CD250B70C2EE}"/>
+              </a:ext>
+            </a:extLst>
+          </p:cNvPr>
+          <p:cNvSpPr>
+            <a:spLocks noGrp="1" noRot="1" noChangeAspect="1"/>
+          </p:cNvSpPr>
+          <p:nvPr>
+            <p:ph type="sldImg"/>
+          </p:nvPr>
+        </p:nvSpPr>
+        <p:spPr bwMode="auto"/>
+      </p:sp>
+      <p:sp>
+        <p:nvSpPr>
+          <p:cNvPr id="637705578" name="Notes Placeholder 2">
+            <a:extLst>
+              <a:ext uri="{FF2B5EF4-FFF2-40B4-BE49-F238E27FC236}">
+                <a16:creationId xmlns:a16="http://schemas.microsoft.com/office/drawing/2014/main" id="{C6A05EBA-53C4-1807-C86D-7EE5B97D2821}"/>
+              </a:ext>
+            </a:extLst>
+          </p:cNvPr>
+          <p:cNvSpPr>
+            <a:spLocks noGrp="1"/>
+          </p:cNvSpPr>
+          <p:nvPr>
+            <p:ph type="body" idx="1"/>
+          </p:nvPr>
+        </p:nvSpPr>
+        <p:spPr bwMode="auto"/>
+        <p:txBody>
+          <a:bodyPr/>
+          <a:lstStyle/>
+          <a:p>
+            <a:pPr>
+              <a:defRPr/>
+            </a:pPr>
+            <a:endParaRPr/>
+          </a:p>
+        </p:txBody>
+      </p:sp>
+      <p:sp>
+        <p:nvSpPr>
+          <p:cNvPr id="779298884" name="Slide Number Placeholder 3">
+            <a:extLst>
+              <a:ext uri="{FF2B5EF4-FFF2-40B4-BE49-F238E27FC236}">
+                <a16:creationId xmlns:a16="http://schemas.microsoft.com/office/drawing/2014/main" id="{F945F792-0C85-494B-D64F-C205605377FD}"/>
+              </a:ext>
+            </a:extLst>
+          </p:cNvPr>
+          <p:cNvSpPr>
+            <a:spLocks noGrp="1"/>
+          </p:cNvSpPr>
+          <p:nvPr>
+            <p:ph type="sldNum" sz="quarter" idx="10"/>
+          </p:nvPr>
+        </p:nvSpPr>
+        <p:spPr bwMode="auto"/>
+        <p:txBody>
+          <a:bodyPr/>
+          <a:lstStyle/>
+          <a:p>
+            <a:pPr>
+              <a:defRPr/>
+            </a:pPr>
+            <a:fld id="{C0EFFA8F-62AE-87A1-1C9A-B2758EA6294C}" type="slidenum">
+              <a:rPr/>
+              <a:t>17</a:t>
+            </a:fld>
+            <a:endParaRPr/>
+          </a:p>
+        </p:txBody>
+      </p:sp>
+    </p:spTree>
+    <p:extLst>
+      <p:ext uri="{BB962C8B-B14F-4D97-AF65-F5344CB8AC3E}">
+        <p14:creationId xmlns:p14="http://schemas.microsoft.com/office/powerpoint/2010/main" val="2906055779"/>
+      </p:ext>
+    </p:extLst>
   </p:cSld>
   <p:clrMapOvr>
     <a:masterClrMapping/>
@@ -1483,7 +1799,13 @@
   <p:cSld>
     <p:spTree>
       <p:nvGrpSpPr>
-        <p:cNvPr id="1" name=""/>
+        <p:cNvPr id="1" name="">
+          <a:extLst>
+            <a:ext uri="{FF2B5EF4-FFF2-40B4-BE49-F238E27FC236}">
+              <a16:creationId xmlns:a16="http://schemas.microsoft.com/office/drawing/2014/main" id="{B93E24A1-B409-7574-744D-931D571B5957}"/>
+            </a:ext>
+          </a:extLst>
+        </p:cNvPr>
         <p:cNvGrpSpPr/>
         <p:nvPr/>
       </p:nvGrpSpPr>
@@ -1497,7 +1819,13 @@
       </p:grpSpPr>
       <p:sp>
         <p:nvSpPr>
-          <p:cNvPr id="2" name="Slide Image Placeholder 1"/>
+          <p:cNvPr id="2" name="Slide Image Placeholder 1">
+            <a:extLst>
+              <a:ext uri="{FF2B5EF4-FFF2-40B4-BE49-F238E27FC236}">
+                <a16:creationId xmlns:a16="http://schemas.microsoft.com/office/drawing/2014/main" id="{ABF9C48C-55A4-7C71-98B9-605B71E52523}"/>
+              </a:ext>
+            </a:extLst>
+          </p:cNvPr>
           <p:cNvSpPr>
             <a:spLocks noGrp="1" noRot="1" noChangeAspect="1"/>
           </p:cNvSpPr>
@@ -1509,7 +1837,13 @@
       </p:sp>
       <p:sp>
         <p:nvSpPr>
-          <p:cNvPr id="3" name="Notes Placeholder 2"/>
+          <p:cNvPr id="3" name="Notes Placeholder 2">
+            <a:extLst>
+              <a:ext uri="{FF2B5EF4-FFF2-40B4-BE49-F238E27FC236}">
+                <a16:creationId xmlns:a16="http://schemas.microsoft.com/office/drawing/2014/main" id="{BCFAA77F-D851-5936-57D8-3FD47F3CC5D5}"/>
+              </a:ext>
+            </a:extLst>
+          </p:cNvPr>
           <p:cNvSpPr>
             <a:spLocks noGrp="1"/>
           </p:cNvSpPr>
@@ -1531,7 +1865,13 @@
       </p:sp>
       <p:sp>
         <p:nvSpPr>
-          <p:cNvPr id="4" name="Slide Number Placeholder 3"/>
+          <p:cNvPr id="4" name="Slide Number Placeholder 3">
+            <a:extLst>
+              <a:ext uri="{FF2B5EF4-FFF2-40B4-BE49-F238E27FC236}">
+                <a16:creationId xmlns:a16="http://schemas.microsoft.com/office/drawing/2014/main" id="{F316FF2C-82A5-C1B7-2114-AFC7753E942E}"/>
+              </a:ext>
+            </a:extLst>
+          </p:cNvPr>
           <p:cNvSpPr>
             <a:spLocks noGrp="1"/>
           </p:cNvSpPr>
@@ -1547,7 +1887,7 @@
             <a:pPr>
               <a:defRPr/>
             </a:pPr>
-            <a:fld id="{DF7C8939-3E88-5189-4BFF-33566C64303D}" type="slidenum">
+            <a:fld id="{AE9BFFD2-D2A5-E4FC-DCEE-980CA958B203}" type="slidenum">
               <a:rPr/>
               <a:t>6</a:t>
             </a:fld>
@@ -1556,6 +1896,11 @@
         </p:txBody>
       </p:sp>
     </p:spTree>
+    <p:extLst>
+      <p:ext uri="{BB962C8B-B14F-4D97-AF65-F5344CB8AC3E}">
+        <p14:creationId xmlns:p14="http://schemas.microsoft.com/office/powerpoint/2010/main" val="3865366286"/>
+      </p:ext>
+    </p:extLst>
   </p:cSld>
   <p:clrMapOvr>
     <a:masterClrMapping/>
@@ -1632,7 +1977,7 @@
             <a:pPr>
               <a:defRPr/>
             </a:pPr>
-            <a:fld id="{F0CA908F-7FAB-24C7-0710-DFC59F62181A}" type="slidenum">
+            <a:fld id="{DF7C8939-3E88-5189-4BFF-33566C64303D}" type="slidenum">
               <a:rPr/>
               <a:t>7</a:t>
             </a:fld>
@@ -1667,7 +2012,7 @@
       </p:grpSpPr>
       <p:sp>
         <p:nvSpPr>
-          <p:cNvPr id="904896031" name="Slide Image Placeholder 1"/>
+          <p:cNvPr id="2" name="Slide Image Placeholder 1"/>
           <p:cNvSpPr>
             <a:spLocks noGrp="1" noRot="1" noChangeAspect="1"/>
           </p:cNvSpPr>
@@ -1679,7 +2024,7 @@
       </p:sp>
       <p:sp>
         <p:nvSpPr>
-          <p:cNvPr id="1901550936" name="Notes Placeholder 2"/>
+          <p:cNvPr id="3" name="Notes Placeholder 2"/>
           <p:cNvSpPr>
             <a:spLocks noGrp="1"/>
           </p:cNvSpPr>
@@ -1701,7 +2046,7 @@
       </p:sp>
       <p:sp>
         <p:nvSpPr>
-          <p:cNvPr id="287352113" name="Slide Number Placeholder 3"/>
+          <p:cNvPr id="4" name="Slide Number Placeholder 3"/>
           <p:cNvSpPr>
             <a:spLocks noGrp="1"/>
           </p:cNvSpPr>
@@ -1717,7 +2062,7 @@
             <a:pPr>
               <a:defRPr/>
             </a:pPr>
-            <a:fld id="{45506443-09A2-4C7E-0FEA-8DC0CE5C92D5}" type="slidenum">
+            <a:fld id="{F0CA908F-7FAB-24C7-0710-DFC59F62181A}" type="slidenum">
               <a:rPr/>
               <a:t>8</a:t>
             </a:fld>
@@ -1752,7 +2097,7 @@
       </p:grpSpPr>
       <p:sp>
         <p:nvSpPr>
-          <p:cNvPr id="1193992649" name="Slide Image Placeholder 1"/>
+          <p:cNvPr id="904896031" name="Slide Image Placeholder 1"/>
           <p:cNvSpPr>
             <a:spLocks noGrp="1" noRot="1" noChangeAspect="1"/>
           </p:cNvSpPr>
@@ -1764,7 +2109,7 @@
       </p:sp>
       <p:sp>
         <p:nvSpPr>
-          <p:cNvPr id="637705578" name="Notes Placeholder 2"/>
+          <p:cNvPr id="1901550936" name="Notes Placeholder 2"/>
           <p:cNvSpPr>
             <a:spLocks noGrp="1"/>
           </p:cNvSpPr>
@@ -1786,7 +2131,7 @@
       </p:sp>
       <p:sp>
         <p:nvSpPr>
-          <p:cNvPr id="779298884" name="Slide Number Placeholder 3"/>
+          <p:cNvPr id="287352113" name="Slide Number Placeholder 3"/>
           <p:cNvSpPr>
             <a:spLocks noGrp="1"/>
           </p:cNvSpPr>
@@ -1802,7 +2147,7 @@
             <a:pPr>
               <a:defRPr/>
             </a:pPr>
-            <a:fld id="{C0EFFA8F-62AE-87A1-1C9A-B2758EA6294C}" type="slidenum">
+            <a:fld id="{45506443-09A2-4C7E-0FEA-8DC0CE5C92D5}" type="slidenum">
               <a:rPr/>
               <a:t>9</a:t>
             </a:fld>
@@ -7997,9 +8342,7 @@
             <a:r>
               <a:rPr lang="en-GB" b="1" dirty="0">
                 <a:solidFill>
-                  <a:schemeClr val="accent4">
-                    <a:lumMod val="75000"/>
-                  </a:schemeClr>
+                  <a:schemeClr val="accent4"/>
                 </a:solidFill>
                 <a:latin typeface="Calibri" panose="020F0502020204030204" pitchFamily="34" charset="0"/>
                 <a:ea typeface="Calibri" panose="020F0502020204030204" pitchFamily="34" charset="0"/>
@@ -8010,9 +8353,7 @@
             <a:br>
               <a:rPr lang="en-GB" b="1" dirty="0">
                 <a:solidFill>
-                  <a:schemeClr val="accent4">
-                    <a:lumMod val="75000"/>
-                  </a:schemeClr>
+                  <a:schemeClr val="accent4"/>
                 </a:solidFill>
                 <a:latin typeface="Calibri" panose="020F0502020204030204" pitchFamily="34" charset="0"/>
                 <a:ea typeface="Calibri" panose="020F0502020204030204" pitchFamily="34" charset="0"/>
@@ -8156,6 +8497,891 @@
 </file>
 
 <file path=ppt/slides/slide10.xml><?xml version="1.0" encoding="utf-8"?>
+<p:sld xmlns:a="http://schemas.openxmlformats.org/drawingml/2006/main" xmlns:r="http://schemas.openxmlformats.org/officeDocument/2006/relationships" xmlns:p="http://schemas.openxmlformats.org/presentationml/2006/main" showMasterPhAnim="0">
+  <p:cSld>
+    <p:bg>
+      <p:bgPr>
+        <a:solidFill>
+          <a:schemeClr val="tx2"/>
+        </a:solidFill>
+        <a:effectLst/>
+      </p:bgPr>
+    </p:bg>
+    <p:spTree>
+      <p:nvGrpSpPr>
+        <p:cNvPr id="1" name=""/>
+        <p:cNvGrpSpPr/>
+        <p:nvPr/>
+      </p:nvGrpSpPr>
+      <p:grpSpPr bwMode="auto">
+        <a:xfrm>
+          <a:off x="0" y="0"/>
+          <a:ext cx="0" cy="0"/>
+          <a:chOff x="0" y="0"/>
+          <a:chExt cx="0" cy="0"/>
+        </a:xfrm>
+      </p:grpSpPr>
+      <p:sp>
+        <p:nvSpPr>
+          <p:cNvPr id="1917826978" name="Title 1"/>
+          <p:cNvSpPr>
+            <a:spLocks noGrp="1"/>
+          </p:cNvSpPr>
+          <p:nvPr>
+            <p:ph type="title"/>
+          </p:nvPr>
+        </p:nvSpPr>
+        <p:spPr bwMode="auto">
+          <a:xfrm>
+            <a:off x="0" y="1"/>
+            <a:ext cx="6128278" cy="1020050"/>
+          </a:xfrm>
+        </p:spPr>
+        <p:txBody>
+          <a:bodyPr vert="horz" lIns="91440" tIns="45720" rIns="91440" bIns="45720" rtlCol="0" anchor="ctr">
+            <a:normAutofit fontScale="90000"/>
+          </a:bodyPr>
+          <a:lstStyle/>
+          <a:p>
+            <a:r>
+              <a:rPr lang="en-GB" sz="4000" b="1" dirty="0">
+                <a:solidFill>
+                  <a:schemeClr val="accent4"/>
+                </a:solidFill>
+                <a:latin typeface="Calibri" panose="020F0502020204030204" pitchFamily="34" charset="0"/>
+                <a:ea typeface="Calibri" panose="020F0502020204030204" pitchFamily="34" charset="0"/>
+                <a:cs typeface="Calibri" panose="020F0502020204030204" pitchFamily="34" charset="0"/>
+              </a:rPr>
+              <a:t>IR Sensor Calibration Steps</a:t>
+            </a:r>
+            <a:br>
+              <a:rPr lang="en-GB" sz="4000" b="1" dirty="0">
+                <a:solidFill>
+                  <a:schemeClr val="accent4"/>
+                </a:solidFill>
+                <a:latin typeface="Calibri" panose="020F0502020204030204" pitchFamily="34" charset="0"/>
+                <a:ea typeface="Calibri" panose="020F0502020204030204" pitchFamily="34" charset="0"/>
+                <a:cs typeface="Calibri" panose="020F0502020204030204" pitchFamily="34" charset="0"/>
+              </a:rPr>
+            </a:br>
+            <a:r>
+              <a:rPr lang="en-GB" sz="4000" b="1" dirty="0">
+                <a:solidFill>
+                  <a:schemeClr val="accent4"/>
+                </a:solidFill>
+                <a:latin typeface="Calibri" panose="020F0502020204030204" pitchFamily="34" charset="0"/>
+                <a:ea typeface="Calibri" panose="020F0502020204030204" pitchFamily="34" charset="0"/>
+                <a:cs typeface="Calibri" panose="020F0502020204030204" pitchFamily="34" charset="0"/>
+              </a:rPr>
+              <a:t>(Wall Following Module)</a:t>
+            </a:r>
+            <a:endParaRPr sz="4000" b="1" dirty="0">
+              <a:solidFill>
+                <a:schemeClr val="accent4"/>
+              </a:solidFill>
+              <a:latin typeface="Calibri" panose="020F0502020204030204" pitchFamily="34" charset="0"/>
+              <a:ea typeface="Calibri" panose="020F0502020204030204" pitchFamily="34" charset="0"/>
+              <a:cs typeface="Calibri" panose="020F0502020204030204" pitchFamily="34" charset="0"/>
+            </a:endParaRPr>
+          </a:p>
+        </p:txBody>
+      </p:sp>
+      <p:pic>
+        <p:nvPicPr>
+          <p:cNvPr id="259882132" name="Picture 1"/>
+          <p:cNvPicPr>
+            <a:picLocks noChangeAspect="1"/>
+          </p:cNvPicPr>
+          <p:nvPr/>
+        </p:nvPicPr>
+        <p:blipFill>
+          <a:blip r:embed="rId3"/>
+          <a:stretch/>
+        </p:blipFill>
+        <p:spPr bwMode="auto">
+          <a:xfrm>
+            <a:off x="10080966" y="0"/>
+            <a:ext cx="2100150" cy="566056"/>
+          </a:xfrm>
+          <a:prstGeom prst="rect">
+            <a:avLst/>
+          </a:prstGeom>
+        </p:spPr>
+      </p:pic>
+      <p:sp>
+        <p:nvSpPr>
+          <p:cNvPr id="4" name="TextBox 2">
+            <a:extLst>
+              <a:ext uri="{FF2B5EF4-FFF2-40B4-BE49-F238E27FC236}">
+                <a16:creationId xmlns:a16="http://schemas.microsoft.com/office/drawing/2014/main" id="{EE4F3A82-B1D7-260A-BD33-743F1FD8F5EC}"/>
+              </a:ext>
+            </a:extLst>
+          </p:cNvPr>
+          <p:cNvSpPr txBox="1"/>
+          <p:nvPr/>
+        </p:nvSpPr>
+        <p:spPr bwMode="auto">
+          <a:xfrm>
+            <a:off x="255089" y="1323857"/>
+            <a:ext cx="7265136" cy="5632311"/>
+          </a:xfrm>
+          <a:prstGeom prst="rect">
+            <a:avLst/>
+          </a:prstGeom>
+          <a:noFill/>
+        </p:spPr>
+        <p:txBody>
+          <a:bodyPr wrap="square" rtlCol="0">
+            <a:spAutoFit/>
+          </a:bodyPr>
+          <a:lstStyle/>
+          <a:p>
+            <a:pPr marL="342900" marR="0" lvl="0" indent="-342900" algn="l" defTabSz="914400">
+              <a:lnSpc>
+                <a:spcPct val="100000"/>
+              </a:lnSpc>
+              <a:spcBef>
+                <a:spcPts val="0"/>
+              </a:spcBef>
+              <a:spcAft>
+                <a:spcPts val="0"/>
+              </a:spcAft>
+              <a:buClrTx/>
+              <a:buSzTx/>
+              <a:buFont typeface="+mj-lt"/>
+              <a:buAutoNum type="arabicPeriod"/>
+              <a:defRPr/>
+            </a:pPr>
+            <a:endParaRPr lang="en-GB" sz="2000" b="1" i="0" u="none" strike="noStrike" cap="none" spc="0" dirty="0">
+              <a:ln>
+                <a:noFill/>
+              </a:ln>
+              <a:solidFill>
+                <a:prstClr val="white"/>
+              </a:solidFill>
+              <a:latin typeface="Calibri Light" panose="020F0302020204030204" pitchFamily="34" charset="0"/>
+              <a:ea typeface="Calibri Light" panose="020F0302020204030204" pitchFamily="34" charset="0"/>
+              <a:cs typeface="Calibri Light" panose="020F0302020204030204" pitchFamily="34" charset="0"/>
+            </a:endParaRPr>
+          </a:p>
+          <a:p>
+            <a:pPr marL="342900" marR="0" lvl="0" indent="-342900" algn="l" defTabSz="914400">
+              <a:lnSpc>
+                <a:spcPct val="100000"/>
+              </a:lnSpc>
+              <a:spcBef>
+                <a:spcPts val="0"/>
+              </a:spcBef>
+              <a:spcAft>
+                <a:spcPts val="0"/>
+              </a:spcAft>
+              <a:buClrTx/>
+              <a:buSzTx/>
+              <a:buFont typeface="+mj-lt"/>
+              <a:buAutoNum type="arabicPeriod"/>
+              <a:defRPr/>
+            </a:pPr>
+            <a:r>
+              <a:rPr lang="en-GB" sz="2000" b="1" dirty="0">
+                <a:solidFill>
+                  <a:prstClr val="white"/>
+                </a:solidFill>
+                <a:latin typeface="Calibri Light" panose="020F0302020204030204" pitchFamily="34" charset="0"/>
+                <a:ea typeface="Calibri Light" panose="020F0302020204030204" pitchFamily="34" charset="0"/>
+                <a:cs typeface="Calibri Light" panose="020F0302020204030204" pitchFamily="34" charset="0"/>
+              </a:rPr>
+              <a:t>Slide Switch S2 (on Motor Controller Board) to Power ON the ‘Wall Following Module’.</a:t>
+            </a:r>
+          </a:p>
+          <a:p>
+            <a:pPr marL="342900" marR="0" lvl="0" indent="-342900" algn="l" defTabSz="914400">
+              <a:lnSpc>
+                <a:spcPct val="100000"/>
+              </a:lnSpc>
+              <a:spcBef>
+                <a:spcPts val="0"/>
+              </a:spcBef>
+              <a:spcAft>
+                <a:spcPts val="0"/>
+              </a:spcAft>
+              <a:buClrTx/>
+              <a:buSzTx/>
+              <a:buFont typeface="+mj-lt"/>
+              <a:buAutoNum type="arabicPeriod"/>
+              <a:defRPr/>
+            </a:pPr>
+            <a:r>
+              <a:rPr lang="en-GB" sz="2000" b="1" dirty="0">
+                <a:solidFill>
+                  <a:prstClr val="white"/>
+                </a:solidFill>
+                <a:latin typeface="Calibri Light" panose="020F0302020204030204" pitchFamily="34" charset="0"/>
+                <a:ea typeface="Calibri Light" panose="020F0302020204030204" pitchFamily="34" charset="0"/>
+                <a:cs typeface="Calibri Light" panose="020F0302020204030204" pitchFamily="34" charset="0"/>
+              </a:rPr>
+              <a:t>‘Power LED’  of the ‘Wall Following Module’ will be ON </a:t>
+            </a:r>
+          </a:p>
+          <a:p>
+            <a:pPr marL="342900" marR="0" lvl="0" indent="-342900" algn="l" defTabSz="914400">
+              <a:lnSpc>
+                <a:spcPct val="100000"/>
+              </a:lnSpc>
+              <a:spcBef>
+                <a:spcPts val="0"/>
+              </a:spcBef>
+              <a:spcAft>
+                <a:spcPts val="0"/>
+              </a:spcAft>
+              <a:buClrTx/>
+              <a:buSzTx/>
+              <a:buFont typeface="+mj-lt"/>
+              <a:buAutoNum type="arabicPeriod"/>
+              <a:defRPr/>
+            </a:pPr>
+            <a:r>
+              <a:rPr lang="en-GB" sz="2000" b="1" i="0" u="none" strike="noStrike" cap="none" spc="0" dirty="0">
+                <a:ln>
+                  <a:noFill/>
+                </a:ln>
+                <a:solidFill>
+                  <a:prstClr val="white"/>
+                </a:solidFill>
+                <a:latin typeface="Calibri Light" panose="020F0302020204030204" pitchFamily="34" charset="0"/>
+                <a:ea typeface="Calibri Light" panose="020F0302020204030204" pitchFamily="34" charset="0"/>
+                <a:cs typeface="Calibri Light" panose="020F0302020204030204" pitchFamily="34" charset="0"/>
+              </a:rPr>
+              <a:t>Turn all the knobs of  </a:t>
+            </a:r>
+            <a:r>
+              <a:rPr lang="en-GB" sz="2000" b="1" dirty="0">
+                <a:solidFill>
+                  <a:prstClr val="white"/>
+                </a:solidFill>
+                <a:latin typeface="Calibri Light" panose="020F0302020204030204" pitchFamily="34" charset="0"/>
+                <a:ea typeface="Calibri Light" panose="020F0302020204030204" pitchFamily="34" charset="0"/>
+                <a:cs typeface="Calibri Light" panose="020F0302020204030204" pitchFamily="34" charset="0"/>
+              </a:rPr>
+              <a:t>blue potentiometers </a:t>
+            </a:r>
+            <a:r>
+              <a:rPr lang="en-GB" sz="2000" b="1" i="0" u="none" strike="noStrike" cap="none" spc="0" dirty="0">
+                <a:ln>
+                  <a:noFill/>
+                </a:ln>
+                <a:solidFill>
+                  <a:prstClr val="white"/>
+                </a:solidFill>
+                <a:latin typeface="Calibri Light" panose="020F0302020204030204" pitchFamily="34" charset="0"/>
+                <a:ea typeface="Calibri Light" panose="020F0302020204030204" pitchFamily="34" charset="0"/>
+                <a:cs typeface="Calibri Light" panose="020F0302020204030204" pitchFamily="34" charset="0"/>
+              </a:rPr>
+              <a:t>‘clockwise/anticlockwise’ fully. </a:t>
+            </a:r>
+          </a:p>
+          <a:p>
+            <a:pPr marL="342900" marR="0" lvl="0" indent="-342900" algn="l" defTabSz="914400">
+              <a:lnSpc>
+                <a:spcPct val="100000"/>
+              </a:lnSpc>
+              <a:spcBef>
+                <a:spcPts val="0"/>
+              </a:spcBef>
+              <a:spcAft>
+                <a:spcPts val="0"/>
+              </a:spcAft>
+              <a:buClrTx/>
+              <a:buSzTx/>
+              <a:buFont typeface="+mj-lt"/>
+              <a:buAutoNum type="arabicPeriod"/>
+              <a:defRPr/>
+            </a:pPr>
+            <a:r>
+              <a:rPr lang="en-GB" sz="2000" b="1" dirty="0">
+                <a:solidFill>
+                  <a:prstClr val="white"/>
+                </a:solidFill>
+                <a:latin typeface="Calibri Light" panose="020F0302020204030204" pitchFamily="34" charset="0"/>
+                <a:ea typeface="Calibri Light" panose="020F0302020204030204" pitchFamily="34" charset="0"/>
+                <a:cs typeface="Calibri Light" panose="020F0302020204030204" pitchFamily="34" charset="0"/>
+              </a:rPr>
+              <a:t>All the LEDs (L, C1, C2, R) are all will be OFF/ON (same state)</a:t>
+            </a:r>
+          </a:p>
+          <a:p>
+            <a:pPr marL="342900" marR="0" lvl="0" indent="-342900" algn="l" defTabSz="914400">
+              <a:lnSpc>
+                <a:spcPct val="100000"/>
+              </a:lnSpc>
+              <a:spcBef>
+                <a:spcPts val="0"/>
+              </a:spcBef>
+              <a:spcAft>
+                <a:spcPts val="0"/>
+              </a:spcAft>
+              <a:buClrTx/>
+              <a:buSzTx/>
+              <a:buFont typeface="+mj-lt"/>
+              <a:buAutoNum type="arabicPeriod"/>
+              <a:defRPr/>
+            </a:pPr>
+            <a:r>
+              <a:rPr lang="en-GB" sz="2000" b="1" dirty="0">
+                <a:solidFill>
+                  <a:prstClr val="white"/>
+                </a:solidFill>
+                <a:latin typeface="Calibri Light" panose="020F0302020204030204" pitchFamily="34" charset="0"/>
+                <a:ea typeface="Calibri Light" panose="020F0302020204030204" pitchFamily="34" charset="0"/>
+                <a:cs typeface="Calibri Light" panose="020F0302020204030204" pitchFamily="34" charset="0"/>
+              </a:rPr>
+              <a:t>All four IR modules (Left, Centre Left, Centre Right, Right)                                                                                                        have to be individually calibrated</a:t>
+            </a:r>
+          </a:p>
+          <a:p>
+            <a:pPr marL="342900" marR="0" lvl="0" indent="-342900" algn="l" defTabSz="914400">
+              <a:lnSpc>
+                <a:spcPct val="100000"/>
+              </a:lnSpc>
+              <a:spcBef>
+                <a:spcPts val="0"/>
+              </a:spcBef>
+              <a:spcAft>
+                <a:spcPts val="0"/>
+              </a:spcAft>
+              <a:buClrTx/>
+              <a:buSzTx/>
+              <a:buFont typeface="+mj-lt"/>
+              <a:buAutoNum type="arabicPeriod"/>
+              <a:defRPr/>
+            </a:pPr>
+            <a:r>
+              <a:rPr lang="en-GB" sz="2000" b="1" dirty="0">
+                <a:solidFill>
+                  <a:prstClr val="white"/>
+                </a:solidFill>
+                <a:latin typeface="Calibri Light" panose="020F0302020204030204" pitchFamily="34" charset="0"/>
+                <a:ea typeface="Calibri Light" panose="020F0302020204030204" pitchFamily="34" charset="0"/>
+                <a:cs typeface="Calibri Light" panose="020F0302020204030204" pitchFamily="34" charset="0"/>
+              </a:rPr>
+              <a:t>To calibrate one (For example: Centre Left IR Module),  keep obstruction at the ‘required’ distance and turn the appropriate blue knob until the C1 LED is </a:t>
+            </a:r>
+            <a:r>
+              <a:rPr lang="en-GB" sz="2000" b="1" dirty="0">
+                <a:solidFill>
+                  <a:srgbClr val="FF0000"/>
+                </a:solidFill>
+                <a:latin typeface="Calibri Light" panose="020F0302020204030204" pitchFamily="34" charset="0"/>
+                <a:ea typeface="Calibri Light" panose="020F0302020204030204" pitchFamily="34" charset="0"/>
+                <a:cs typeface="Calibri Light" panose="020F0302020204030204" pitchFamily="34" charset="0"/>
+              </a:rPr>
+              <a:t>‘just’ </a:t>
+            </a:r>
+            <a:r>
+              <a:rPr lang="en-GB" sz="2000" b="1" dirty="0">
+                <a:solidFill>
+                  <a:prstClr val="white"/>
+                </a:solidFill>
+                <a:latin typeface="Calibri Light" panose="020F0302020204030204" pitchFamily="34" charset="0"/>
+                <a:ea typeface="Calibri Light" panose="020F0302020204030204" pitchFamily="34" charset="0"/>
+                <a:cs typeface="Calibri Light" panose="020F0302020204030204" pitchFamily="34" charset="0"/>
+              </a:rPr>
+              <a:t>ON.</a:t>
+            </a:r>
+          </a:p>
+          <a:p>
+            <a:pPr marL="342900" marR="0" lvl="0" indent="-342900" algn="l" defTabSz="914400">
+              <a:lnSpc>
+                <a:spcPct val="100000"/>
+              </a:lnSpc>
+              <a:spcBef>
+                <a:spcPts val="0"/>
+              </a:spcBef>
+              <a:spcAft>
+                <a:spcPts val="0"/>
+              </a:spcAft>
+              <a:buClrTx/>
+              <a:buSzTx/>
+              <a:buFont typeface="+mj-lt"/>
+              <a:buAutoNum type="arabicPeriod"/>
+              <a:defRPr/>
+            </a:pPr>
+            <a:r>
+              <a:rPr lang="en-GB" sz="2000" b="1" dirty="0">
+                <a:solidFill>
+                  <a:prstClr val="white"/>
+                </a:solidFill>
+                <a:latin typeface="Calibri Light" panose="020F0302020204030204" pitchFamily="34" charset="0"/>
+                <a:ea typeface="Calibri Light" panose="020F0302020204030204" pitchFamily="34" charset="0"/>
+                <a:cs typeface="Calibri Light" panose="020F0302020204030204" pitchFamily="34" charset="0"/>
+              </a:rPr>
+              <a:t>Remove the hand. C1 LED will be OFF. Now Centre Left IR module is calibrated.</a:t>
+            </a:r>
+          </a:p>
+          <a:p>
+            <a:pPr marL="342900" marR="0" lvl="0" indent="-342900" algn="l" defTabSz="914400">
+              <a:lnSpc>
+                <a:spcPct val="100000"/>
+              </a:lnSpc>
+              <a:spcBef>
+                <a:spcPts val="0"/>
+              </a:spcBef>
+              <a:spcAft>
+                <a:spcPts val="0"/>
+              </a:spcAft>
+              <a:buClrTx/>
+              <a:buSzTx/>
+              <a:buFont typeface="+mj-lt"/>
+              <a:buAutoNum type="arabicPeriod"/>
+              <a:defRPr/>
+            </a:pPr>
+            <a:r>
+              <a:rPr lang="en-GB" sz="2000" b="1" dirty="0">
+                <a:solidFill>
+                  <a:prstClr val="white"/>
+                </a:solidFill>
+                <a:latin typeface="Calibri Light" panose="020F0302020204030204" pitchFamily="34" charset="0"/>
+                <a:ea typeface="Calibri Light" panose="020F0302020204030204" pitchFamily="34" charset="0"/>
+                <a:cs typeface="Calibri Light" panose="020F0302020204030204" pitchFamily="34" charset="0"/>
+              </a:rPr>
+              <a:t>Repeat the above steps to all the other IR modules to calibrate to required distance. </a:t>
+            </a:r>
+          </a:p>
+          <a:p>
+            <a:pPr marR="0" lvl="0" algn="l" defTabSz="914400">
+              <a:lnSpc>
+                <a:spcPct val="100000"/>
+              </a:lnSpc>
+              <a:spcBef>
+                <a:spcPts val="0"/>
+              </a:spcBef>
+              <a:spcAft>
+                <a:spcPts val="0"/>
+              </a:spcAft>
+              <a:buClrTx/>
+              <a:buSzTx/>
+              <a:defRPr/>
+            </a:pPr>
+            <a:endParaRPr lang="en-GB" sz="2000" b="1" dirty="0">
+              <a:solidFill>
+                <a:prstClr val="white"/>
+              </a:solidFill>
+              <a:latin typeface="Calibri Light" panose="020F0302020204030204" pitchFamily="34" charset="0"/>
+              <a:ea typeface="Calibri Light" panose="020F0302020204030204" pitchFamily="34" charset="0"/>
+              <a:cs typeface="Calibri Light" panose="020F0302020204030204" pitchFamily="34" charset="0"/>
+            </a:endParaRPr>
+          </a:p>
+          <a:p>
+            <a:pPr marL="342900" marR="0" lvl="0" indent="-342900" algn="l" defTabSz="914400">
+              <a:lnSpc>
+                <a:spcPct val="100000"/>
+              </a:lnSpc>
+              <a:spcBef>
+                <a:spcPts val="0"/>
+              </a:spcBef>
+              <a:spcAft>
+                <a:spcPts val="0"/>
+              </a:spcAft>
+              <a:buClrTx/>
+              <a:buSzTx/>
+              <a:buFont typeface="+mj-lt"/>
+              <a:buAutoNum type="arabicPeriod"/>
+              <a:defRPr/>
+            </a:pPr>
+            <a:endParaRPr lang="en-GB" sz="2000" b="1" i="0" u="none" strike="noStrike" cap="none" spc="0" dirty="0">
+              <a:ln>
+                <a:noFill/>
+              </a:ln>
+              <a:solidFill>
+                <a:prstClr val="white"/>
+              </a:solidFill>
+              <a:latin typeface="Calibri Light" panose="020F0302020204030204" pitchFamily="34" charset="0"/>
+              <a:ea typeface="Calibri Light" panose="020F0302020204030204" pitchFamily="34" charset="0"/>
+              <a:cs typeface="Calibri Light" panose="020F0302020204030204" pitchFamily="34" charset="0"/>
+            </a:endParaRPr>
+          </a:p>
+        </p:txBody>
+      </p:sp>
+      <p:pic>
+        <p:nvPicPr>
+          <p:cNvPr id="6" name="Picture 5">
+            <a:extLst>
+              <a:ext uri="{FF2B5EF4-FFF2-40B4-BE49-F238E27FC236}">
+                <a16:creationId xmlns:a16="http://schemas.microsoft.com/office/drawing/2014/main" id="{558E9CEA-DBFF-B83F-0EEA-1DC71097E15D}"/>
+              </a:ext>
+            </a:extLst>
+          </p:cNvPr>
+          <p:cNvPicPr>
+            <a:picLocks noChangeAspect="1"/>
+          </p:cNvPicPr>
+          <p:nvPr/>
+        </p:nvPicPr>
+        <p:blipFill>
+          <a:blip r:embed="rId4" cstate="print">
+            <a:extLst>
+              <a:ext uri="{28A0092B-C50C-407E-A947-70E740481C1C}">
+                <a14:useLocalDpi xmlns:a14="http://schemas.microsoft.com/office/drawing/2010/main" val="0"/>
+              </a:ext>
+            </a:extLst>
+          </a:blip>
+          <a:stretch>
+            <a:fillRect/>
+          </a:stretch>
+        </p:blipFill>
+        <p:spPr>
+          <a:xfrm rot="5400000">
+            <a:off x="7824609" y="468451"/>
+            <a:ext cx="2402805" cy="1710813"/>
+          </a:xfrm>
+          <a:prstGeom prst="rect">
+            <a:avLst/>
+          </a:prstGeom>
+        </p:spPr>
+      </p:pic>
+      <p:pic>
+        <p:nvPicPr>
+          <p:cNvPr id="8" name="Picture 7">
+            <a:extLst>
+              <a:ext uri="{FF2B5EF4-FFF2-40B4-BE49-F238E27FC236}">
+                <a16:creationId xmlns:a16="http://schemas.microsoft.com/office/drawing/2014/main" id="{03E3D71A-492B-F5DE-0F4B-4CB16B32BAF6}"/>
+              </a:ext>
+            </a:extLst>
+          </p:cNvPr>
+          <p:cNvPicPr>
+            <a:picLocks noChangeAspect="1"/>
+          </p:cNvPicPr>
+          <p:nvPr/>
+        </p:nvPicPr>
+        <p:blipFill>
+          <a:blip r:embed="rId5"/>
+          <a:stretch>
+            <a:fillRect/>
+          </a:stretch>
+        </p:blipFill>
+        <p:spPr>
+          <a:xfrm>
+            <a:off x="7619999" y="2626634"/>
+            <a:ext cx="3043084" cy="1994191"/>
+          </a:xfrm>
+          <a:prstGeom prst="rect">
+            <a:avLst/>
+          </a:prstGeom>
+        </p:spPr>
+      </p:pic>
+      <p:pic>
+        <p:nvPicPr>
+          <p:cNvPr id="10" name="Picture 9">
+            <a:extLst>
+              <a:ext uri="{FF2B5EF4-FFF2-40B4-BE49-F238E27FC236}">
+                <a16:creationId xmlns:a16="http://schemas.microsoft.com/office/drawing/2014/main" id="{13039356-81A7-9677-F43C-8A4DF426B4CB}"/>
+              </a:ext>
+            </a:extLst>
+          </p:cNvPr>
+          <p:cNvPicPr>
+            <a:picLocks noChangeAspect="1"/>
+          </p:cNvPicPr>
+          <p:nvPr/>
+        </p:nvPicPr>
+        <p:blipFill>
+          <a:blip r:embed="rId6"/>
+          <a:stretch>
+            <a:fillRect/>
+          </a:stretch>
+        </p:blipFill>
+        <p:spPr>
+          <a:xfrm>
+            <a:off x="7619999" y="4736117"/>
+            <a:ext cx="3043084" cy="2001364"/>
+          </a:xfrm>
+          <a:prstGeom prst="rect">
+            <a:avLst/>
+          </a:prstGeom>
+        </p:spPr>
+      </p:pic>
+      <p:cxnSp>
+        <p:nvCxnSpPr>
+          <p:cNvPr id="12" name="Straight Arrow Connector 11">
+            <a:extLst>
+              <a:ext uri="{FF2B5EF4-FFF2-40B4-BE49-F238E27FC236}">
+                <a16:creationId xmlns:a16="http://schemas.microsoft.com/office/drawing/2014/main" id="{98E3F388-DCEC-13F5-E0FC-A82AC2111514}"/>
+              </a:ext>
+            </a:extLst>
+          </p:cNvPr>
+          <p:cNvCxnSpPr/>
+          <p:nvPr/>
+        </p:nvCxnSpPr>
+        <p:spPr bwMode="auto">
+          <a:xfrm flipH="1">
+            <a:off x="7536423" y="1160206"/>
+            <a:ext cx="1302777" cy="0"/>
+          </a:xfrm>
+          <a:prstGeom prst="straightConnector1">
+            <a:avLst/>
+          </a:prstGeom>
+          <a:ln w="28575">
+            <a:solidFill>
+              <a:schemeClr val="accent4">
+                <a:lumMod val="75000"/>
+              </a:schemeClr>
+            </a:solidFill>
+            <a:tailEnd type="triangle"/>
+          </a:ln>
+        </p:spPr>
+        <p:style>
+          <a:lnRef idx="2">
+            <a:schemeClr val="accent1"/>
+          </a:lnRef>
+          <a:fillRef idx="0">
+            <a:schemeClr val="accent1"/>
+          </a:fillRef>
+          <a:effectRef idx="1">
+            <a:schemeClr val="accent1"/>
+          </a:effectRef>
+          <a:fontRef idx="minor">
+            <a:schemeClr val="tx1"/>
+          </a:fontRef>
+        </p:style>
+      </p:cxnSp>
+      <p:sp>
+        <p:nvSpPr>
+          <p:cNvPr id="13" name="TextBox 12">
+            <a:extLst>
+              <a:ext uri="{FF2B5EF4-FFF2-40B4-BE49-F238E27FC236}">
+                <a16:creationId xmlns:a16="http://schemas.microsoft.com/office/drawing/2014/main" id="{2E8E70D6-62AE-0FDC-0403-7D959DA81C72}"/>
+              </a:ext>
+            </a:extLst>
+          </p:cNvPr>
+          <p:cNvSpPr txBox="1"/>
+          <p:nvPr/>
+        </p:nvSpPr>
+        <p:spPr bwMode="auto">
+          <a:xfrm>
+            <a:off x="6327826" y="987288"/>
+            <a:ext cx="1308371" cy="369332"/>
+          </a:xfrm>
+          <a:prstGeom prst="rect">
+            <a:avLst/>
+          </a:prstGeom>
+          <a:noFill/>
+        </p:spPr>
+        <p:txBody>
+          <a:bodyPr wrap="none" rtlCol="0">
+            <a:spAutoFit/>
+          </a:bodyPr>
+          <a:lstStyle/>
+          <a:p>
+            <a:r>
+              <a:rPr lang="en-GB" b="1" dirty="0">
+                <a:solidFill>
+                  <a:schemeClr val="accent3">
+                    <a:lumMod val="25000"/>
+                    <a:lumOff val="75000"/>
+                  </a:schemeClr>
+                </a:solidFill>
+              </a:rPr>
+              <a:t>Power LED</a:t>
+            </a:r>
+          </a:p>
+        </p:txBody>
+      </p:sp>
+      <p:cxnSp>
+        <p:nvCxnSpPr>
+          <p:cNvPr id="14" name="Straight Arrow Connector 13">
+            <a:extLst>
+              <a:ext uri="{FF2B5EF4-FFF2-40B4-BE49-F238E27FC236}">
+                <a16:creationId xmlns:a16="http://schemas.microsoft.com/office/drawing/2014/main" id="{D4F61886-204B-AE4B-210B-0C64D5742E36}"/>
+              </a:ext>
+            </a:extLst>
+          </p:cNvPr>
+          <p:cNvCxnSpPr>
+            <a:cxnSpLocks/>
+          </p:cNvCxnSpPr>
+          <p:nvPr/>
+        </p:nvCxnSpPr>
+        <p:spPr bwMode="auto">
+          <a:xfrm>
+            <a:off x="9264446" y="5814639"/>
+            <a:ext cx="1659193" cy="173206"/>
+          </a:xfrm>
+          <a:prstGeom prst="straightConnector1">
+            <a:avLst/>
+          </a:prstGeom>
+          <a:ln w="28575">
+            <a:solidFill>
+              <a:schemeClr val="accent4">
+                <a:lumMod val="75000"/>
+              </a:schemeClr>
+            </a:solidFill>
+            <a:tailEnd type="triangle"/>
+          </a:ln>
+        </p:spPr>
+        <p:style>
+          <a:lnRef idx="2">
+            <a:schemeClr val="accent1"/>
+          </a:lnRef>
+          <a:fillRef idx="0">
+            <a:schemeClr val="accent1"/>
+          </a:fillRef>
+          <a:effectRef idx="1">
+            <a:schemeClr val="accent1"/>
+          </a:effectRef>
+          <a:fontRef idx="minor">
+            <a:schemeClr val="tx1"/>
+          </a:fontRef>
+        </p:style>
+      </p:cxnSp>
+      <p:sp>
+        <p:nvSpPr>
+          <p:cNvPr id="17" name="TextBox 16">
+            <a:extLst>
+              <a:ext uri="{FF2B5EF4-FFF2-40B4-BE49-F238E27FC236}">
+                <a16:creationId xmlns:a16="http://schemas.microsoft.com/office/drawing/2014/main" id="{1F605D26-6E3F-7712-DCF2-27EF51E64F75}"/>
+              </a:ext>
+            </a:extLst>
+          </p:cNvPr>
+          <p:cNvSpPr txBox="1"/>
+          <p:nvPr/>
+        </p:nvSpPr>
+        <p:spPr bwMode="auto">
+          <a:xfrm>
+            <a:off x="10746659" y="5993331"/>
+            <a:ext cx="1385316" cy="369332"/>
+          </a:xfrm>
+          <a:prstGeom prst="rect">
+            <a:avLst/>
+          </a:prstGeom>
+          <a:noFill/>
+        </p:spPr>
+        <p:txBody>
+          <a:bodyPr wrap="none" rtlCol="0">
+            <a:spAutoFit/>
+          </a:bodyPr>
+          <a:lstStyle/>
+          <a:p>
+            <a:r>
+              <a:rPr lang="en-GB" b="1" dirty="0">
+                <a:solidFill>
+                  <a:schemeClr val="accent3">
+                    <a:lumMod val="25000"/>
+                    <a:lumOff val="75000"/>
+                  </a:schemeClr>
+                </a:solidFill>
+              </a:rPr>
+              <a:t>Left C1 LED</a:t>
+            </a:r>
+          </a:p>
+        </p:txBody>
+      </p:sp>
+      <p:sp>
+        <p:nvSpPr>
+          <p:cNvPr id="18" name="TextBox 17">
+            <a:extLst>
+              <a:ext uri="{FF2B5EF4-FFF2-40B4-BE49-F238E27FC236}">
+                <a16:creationId xmlns:a16="http://schemas.microsoft.com/office/drawing/2014/main" id="{4AB4E983-14A0-11B6-6039-40C04E08C900}"/>
+              </a:ext>
+            </a:extLst>
+          </p:cNvPr>
+          <p:cNvSpPr txBox="1"/>
+          <p:nvPr/>
+        </p:nvSpPr>
+        <p:spPr>
+          <a:xfrm>
+            <a:off x="8642555" y="3569109"/>
+            <a:ext cx="511277" cy="215444"/>
+          </a:xfrm>
+          <a:prstGeom prst="rect">
+            <a:avLst/>
+          </a:prstGeom>
+          <a:noFill/>
+          <a:ln w="38100">
+            <a:solidFill>
+              <a:schemeClr val="accent4">
+                <a:lumMod val="75000"/>
+              </a:schemeClr>
+            </a:solidFill>
+          </a:ln>
+        </p:spPr>
+        <p:txBody>
+          <a:bodyPr wrap="square" rtlCol="0">
+            <a:spAutoFit/>
+          </a:bodyPr>
+          <a:lstStyle/>
+          <a:p>
+            <a:endParaRPr lang="en-GB" sz="800" dirty="0"/>
+          </a:p>
+        </p:txBody>
+      </p:sp>
+      <p:sp>
+        <p:nvSpPr>
+          <p:cNvPr id="19" name="Date Placeholder 18">
+            <a:extLst>
+              <a:ext uri="{FF2B5EF4-FFF2-40B4-BE49-F238E27FC236}">
+                <a16:creationId xmlns:a16="http://schemas.microsoft.com/office/drawing/2014/main" id="{02C6A295-B423-CB37-E042-2D2D589E0CE0}"/>
+              </a:ext>
+            </a:extLst>
+          </p:cNvPr>
+          <p:cNvSpPr>
+            <a:spLocks noGrp="1"/>
+          </p:cNvSpPr>
+          <p:nvPr>
+            <p:ph type="dt" sz="half" idx="10"/>
+          </p:nvPr>
+        </p:nvSpPr>
+        <p:spPr/>
+        <p:txBody>
+          <a:bodyPr/>
+          <a:lstStyle/>
+          <a:p>
+            <a:pPr>
+              <a:defRPr/>
+            </a:pPr>
+            <a:r>
+              <a:rPr lang="en-GB"/>
+              <a:t>07/12/2025</a:t>
+            </a:r>
+          </a:p>
+        </p:txBody>
+      </p:sp>
+      <p:sp>
+        <p:nvSpPr>
+          <p:cNvPr id="20" name="Slide Number Placeholder 19">
+            <a:extLst>
+              <a:ext uri="{FF2B5EF4-FFF2-40B4-BE49-F238E27FC236}">
+                <a16:creationId xmlns:a16="http://schemas.microsoft.com/office/drawing/2014/main" id="{7B217DF5-4973-BE18-2211-1E7B85B1F610}"/>
+              </a:ext>
+            </a:extLst>
+          </p:cNvPr>
+          <p:cNvSpPr>
+            <a:spLocks noGrp="1"/>
+          </p:cNvSpPr>
+          <p:nvPr>
+            <p:ph type="sldNum" sz="quarter" idx="12"/>
+          </p:nvPr>
+        </p:nvSpPr>
+        <p:spPr/>
+        <p:txBody>
+          <a:bodyPr/>
+          <a:lstStyle/>
+          <a:p>
+            <a:pPr>
+              <a:defRPr/>
+            </a:pPr>
+            <a:fld id="{23CA24EA-A87A-4979-940E-A83EA2C27DA6}" type="slidenum">
+              <a:rPr lang="en-GB" smtClean="0"/>
+              <a:t>10</a:t>
+            </a:fld>
+            <a:endParaRPr lang="en-GB"/>
+          </a:p>
+        </p:txBody>
+      </p:sp>
+    </p:spTree>
+  </p:cSld>
+  <p:clrMapOvr>
+    <a:masterClrMapping/>
+  </p:clrMapOvr>
+</p:sld>
+</file>
+
+<file path=ppt/slides/slide11.xml><?xml version="1.0" encoding="utf-8"?>
 <p:sld xmlns:a="http://schemas.openxmlformats.org/drawingml/2006/main" xmlns:r="http://schemas.openxmlformats.org/officeDocument/2006/relationships" xmlns:p="http://schemas.openxmlformats.org/presentationml/2006/main" showMasterPhAnim="0">
   <p:cSld>
     <p:bg>
@@ -8217,7 +9443,7 @@
             <a:r>
               <a:rPr lang="en-GB" sz="4000" b="1" dirty="0">
                 <a:solidFill>
-                  <a:srgbClr val="FF3300"/>
+                  <a:schemeClr val="accent4"/>
                 </a:solidFill>
                 <a:latin typeface="Calibri" panose="020F0502020204030204" pitchFamily="34" charset="0"/>
                 <a:ea typeface="Calibri" panose="020F0502020204030204" pitchFamily="34" charset="0"/>
@@ -8227,7 +9453,7 @@
             </a:r>
             <a:endParaRPr sz="4000" b="1" dirty="0">
               <a:solidFill>
-                <a:srgbClr val="FF3300"/>
+                <a:schemeClr val="accent4"/>
               </a:solidFill>
               <a:latin typeface="Calibri" panose="020F0502020204030204" pitchFamily="34" charset="0"/>
               <a:ea typeface="Calibri" panose="020F0502020204030204" pitchFamily="34" charset="0"/>
@@ -8278,8 +9504,8 @@
         </p:nvSpPr>
         <p:spPr bwMode="auto">
           <a:xfrm>
-            <a:off x="271287" y="1323857"/>
-            <a:ext cx="7265136" cy="1569660"/>
+            <a:off x="193578" y="973392"/>
+            <a:ext cx="5940670" cy="2677656"/>
           </a:xfrm>
           <a:prstGeom prst="rect">
             <a:avLst/>
@@ -8357,10 +9583,10 @@
                 <a:ea typeface="Calibri Light" panose="020F0302020204030204" pitchFamily="34" charset="0"/>
                 <a:cs typeface="Calibri Light" panose="020F0302020204030204" pitchFamily="34" charset="0"/>
               </a:rPr>
-              <a:t>We can check the c</a:t>
-            </a:r>
-            <a:r>
-              <a:rPr lang="en-GB" sz="2400" b="1" dirty="0" err="1">
+              <a:t>We can check the </a:t>
+            </a:r>
+            <a:r>
+              <a:rPr lang="en-GB" sz="2400" b="1" dirty="0">
                 <a:solidFill>
                   <a:prstClr val="white"/>
                 </a:solidFill>
@@ -8368,18 +9594,61 @@
                 <a:ea typeface="Calibri Light" panose="020F0302020204030204" pitchFamily="34" charset="0"/>
                 <a:cs typeface="Calibri Light" panose="020F0302020204030204" pitchFamily="34" charset="0"/>
               </a:rPr>
-              <a:t>alibration</a:t>
+              <a:t>IR sensors values in the </a:t>
             </a:r>
             <a:r>
               <a:rPr lang="en-GB" sz="2400" b="1" dirty="0">
                 <a:solidFill>
-                  <a:prstClr val="white"/>
+                  <a:schemeClr val="accent5">
+                    <a:lumMod val="75000"/>
+                  </a:schemeClr>
                 </a:solidFill>
                 <a:latin typeface="Calibri Light" panose="020F0302020204030204" pitchFamily="34" charset="0"/>
                 <a:ea typeface="Calibri Light" panose="020F0302020204030204" pitchFamily="34" charset="0"/>
                 <a:cs typeface="Calibri Light" panose="020F0302020204030204" pitchFamily="34" charset="0"/>
               </a:rPr>
-              <a:t> values of IR sensors in the Serial Monitor by using the following code.</a:t>
+              <a:t>Serial Monitor </a:t>
+            </a:r>
+            <a:r>
+              <a:rPr lang="en-GB" sz="2400" b="1" dirty="0">
+                <a:solidFill>
+                  <a:prstClr val="white"/>
+                </a:solidFill>
+                <a:latin typeface="Calibri Light" panose="020F0302020204030204" pitchFamily="34" charset="0"/>
+                <a:ea typeface="Calibri Light" panose="020F0302020204030204" pitchFamily="34" charset="0"/>
+                <a:cs typeface="Calibri Light" panose="020F0302020204030204" pitchFamily="34" charset="0"/>
+              </a:rPr>
+              <a:t>by using the following code. </a:t>
+            </a:r>
+          </a:p>
+          <a:p>
+            <a:pPr marL="0" marR="0" lvl="0" indent="0" algn="l" defTabSz="914400" eaLnBrk="1" fontAlgn="auto" latinLnBrk="0" hangingPunct="1">
+              <a:lnSpc>
+                <a:spcPct val="100000"/>
+              </a:lnSpc>
+              <a:spcBef>
+                <a:spcPts val="0"/>
+              </a:spcBef>
+              <a:spcAft>
+                <a:spcPts val="0"/>
+              </a:spcAft>
+              <a:buClrTx/>
+              <a:buSzTx/>
+              <a:buFontTx/>
+              <a:buNone/>
+              <a:tabLst/>
+              <a:defRPr/>
+            </a:pPr>
+            <a:r>
+              <a:rPr lang="en-GB" sz="2400" b="1" dirty="0">
+                <a:solidFill>
+                  <a:prstClr val="white"/>
+                </a:solidFill>
+                <a:latin typeface="Calibri Light" panose="020F0302020204030204" pitchFamily="34" charset="0"/>
+                <a:ea typeface="Calibri Light" panose="020F0302020204030204" pitchFamily="34" charset="0"/>
+                <a:cs typeface="Calibri Light" panose="020F0302020204030204" pitchFamily="34" charset="0"/>
+              </a:rPr>
+              <a:t>Note: If the sensor is calibrated properly the sensor readings toggle between 0 and 1 with/without  obstruction.</a:t>
             </a:r>
             <a:endParaRPr kumimoji="0" lang="en-GB" sz="2400" b="1" i="0" u="none" strike="noStrike" kern="0" cap="none" spc="0" normalizeH="0" baseline="0" noProof="0" dirty="0">
               <a:ln>
@@ -8833,7 +10102,7 @@
         </p:nvSpPr>
         <p:spPr>
           <a:xfrm>
-            <a:off x="395750" y="3076495"/>
+            <a:off x="361026" y="3727264"/>
             <a:ext cx="6218902" cy="923330"/>
           </a:xfrm>
           <a:prstGeom prst="rect">
@@ -8879,8 +10148,8 @@
         </p:nvSpPr>
         <p:spPr bwMode="auto">
           <a:xfrm>
-            <a:off x="1406270" y="4149230"/>
-            <a:ext cx="3851530" cy="2588251"/>
+            <a:off x="3632881" y="4987163"/>
+            <a:ext cx="3185932" cy="2001364"/>
           </a:xfrm>
           <a:prstGeom prst="flowChartPunchedTape">
             <a:avLst/>
@@ -9003,7 +10272,7 @@
             </a:pPr>
             <a:fld id="{23CA24EA-A87A-4979-940E-A83EA2C27DA6}" type="slidenum">
               <a:rPr lang="en-GB" smtClean="0"/>
-              <a:t>10</a:t>
+              <a:t>11</a:t>
             </a:fld>
             <a:endParaRPr lang="en-GB"/>
           </a:p>
@@ -9015,311 +10284,6 @@
         <p14:creationId xmlns:p14="http://schemas.microsoft.com/office/powerpoint/2010/main" val="9621484"/>
       </p:ext>
     </p:extLst>
-  </p:cSld>
-  <p:clrMapOvr>
-    <a:masterClrMapping/>
-  </p:clrMapOvr>
-</p:sld>
-</file>
-
-<file path=ppt/slides/slide11.xml><?xml version="1.0" encoding="utf-8"?>
-<p:sld xmlns:a="http://schemas.openxmlformats.org/drawingml/2006/main" xmlns:r="http://schemas.openxmlformats.org/officeDocument/2006/relationships" xmlns:p="http://schemas.openxmlformats.org/presentationml/2006/main" showMasterPhAnim="0">
-  <p:cSld>
-    <p:bg>
-      <p:bgPr>
-        <a:solidFill>
-          <a:schemeClr val="tx2"/>
-        </a:solidFill>
-        <a:effectLst/>
-      </p:bgPr>
-    </p:bg>
-    <p:spTree>
-      <p:nvGrpSpPr>
-        <p:cNvPr id="1" name=""/>
-        <p:cNvGrpSpPr/>
-        <p:nvPr/>
-      </p:nvGrpSpPr>
-      <p:grpSpPr bwMode="auto">
-        <a:xfrm>
-          <a:off x="0" y="0"/>
-          <a:ext cx="0" cy="0"/>
-          <a:chOff x="0" y="0"/>
-          <a:chExt cx="0" cy="0"/>
-        </a:xfrm>
-      </p:grpSpPr>
-      <p:sp>
-        <p:nvSpPr>
-          <p:cNvPr id="270891443" name="Title 1"/>
-          <p:cNvSpPr>
-            <a:spLocks noGrp="1"/>
-          </p:cNvSpPr>
-          <p:nvPr>
-            <p:ph type="title"/>
-          </p:nvPr>
-        </p:nvSpPr>
-        <p:spPr bwMode="auto">
-          <a:xfrm>
-            <a:off x="0" y="1"/>
-            <a:ext cx="7177548" cy="985360"/>
-          </a:xfrm>
-        </p:spPr>
-        <p:txBody>
-          <a:bodyPr vert="horz" lIns="91440" tIns="45720" rIns="91440" bIns="45720" rtlCol="0" anchor="ctr">
-            <a:normAutofit/>
-          </a:bodyPr>
-          <a:lstStyle/>
-          <a:p>
-            <a:r>
-              <a:rPr lang="en-GB" sz="4000" b="1" dirty="0">
-                <a:solidFill>
-                  <a:srgbClr val="FF3300"/>
-                </a:solidFill>
-                <a:latin typeface="Calibri" panose="020F0502020204030204" pitchFamily="34" charset="0"/>
-                <a:ea typeface="Calibri" panose="020F0502020204030204" pitchFamily="34" charset="0"/>
-                <a:cs typeface="Calibri" panose="020F0502020204030204" pitchFamily="34" charset="0"/>
-              </a:rPr>
-              <a:t>Lab 2 : IR Obstruction Avoidance</a:t>
-            </a:r>
-            <a:endParaRPr sz="4000" b="1" dirty="0">
-              <a:solidFill>
-                <a:srgbClr val="FF3300"/>
-              </a:solidFill>
-              <a:latin typeface="Calibri" panose="020F0502020204030204" pitchFamily="34" charset="0"/>
-              <a:ea typeface="Calibri" panose="020F0502020204030204" pitchFamily="34" charset="0"/>
-              <a:cs typeface="Calibri" panose="020F0502020204030204" pitchFamily="34" charset="0"/>
-            </a:endParaRPr>
-          </a:p>
-        </p:txBody>
-      </p:sp>
-      <p:sp>
-        <p:nvSpPr>
-          <p:cNvPr id="1977818073" name="Content Placeholder 2"/>
-          <p:cNvSpPr>
-            <a:spLocks noGrp="1"/>
-          </p:cNvSpPr>
-          <p:nvPr>
-            <p:ph idx="1"/>
-          </p:nvPr>
-        </p:nvSpPr>
-        <p:spPr bwMode="auto">
-          <a:xfrm>
-            <a:off x="660161" y="1269302"/>
-            <a:ext cx="10515600" cy="4677144"/>
-          </a:xfrm>
-        </p:spPr>
-        <p:txBody>
-          <a:bodyPr vertOverflow="overflow" horzOverflow="overflow" vert="horz" wrap="square" lIns="91440" tIns="45720" rIns="91440" bIns="45720" numCol="1" spcCol="0" rtlCol="0" fromWordArt="0" anchor="t" anchorCtr="0" forceAA="0" compatLnSpc="0">
-            <a:normAutofit/>
-          </a:bodyPr>
-          <a:lstStyle/>
-          <a:p>
-            <a:pPr marL="0" indent="0">
-              <a:buFont typeface="Arial"/>
-              <a:buNone/>
-              <a:defRPr/>
-            </a:pPr>
-            <a:endParaRPr/>
-          </a:p>
-          <a:p>
-            <a:pPr marL="0" indent="0">
-              <a:buFont typeface="Arial"/>
-              <a:buNone/>
-              <a:defRPr/>
-            </a:pPr>
-            <a:endParaRPr/>
-          </a:p>
-        </p:txBody>
-      </p:sp>
-      <p:pic>
-        <p:nvPicPr>
-          <p:cNvPr id="1456360328" name="Picture 1"/>
-          <p:cNvPicPr>
-            <a:picLocks noChangeAspect="1"/>
-          </p:cNvPicPr>
-          <p:nvPr/>
-        </p:nvPicPr>
-        <p:blipFill>
-          <a:blip r:embed="rId3"/>
-          <a:stretch/>
-        </p:blipFill>
-        <p:spPr bwMode="auto">
-          <a:xfrm>
-            <a:off x="10080966" y="0"/>
-            <a:ext cx="2100150" cy="566056"/>
-          </a:xfrm>
-          <a:prstGeom prst="rect">
-            <a:avLst/>
-          </a:prstGeom>
-        </p:spPr>
-      </p:pic>
-      <p:sp>
-        <p:nvSpPr>
-          <p:cNvPr id="1076202697" name="TextBox 3"/>
-          <p:cNvSpPr txBox="1"/>
-          <p:nvPr/>
-        </p:nvSpPr>
-        <p:spPr bwMode="auto">
-          <a:xfrm>
-            <a:off x="660161" y="1020634"/>
-            <a:ext cx="9996953" cy="1569660"/>
-          </a:xfrm>
-          <a:prstGeom prst="rect">
-            <a:avLst/>
-          </a:prstGeom>
-          <a:noFill/>
-        </p:spPr>
-        <p:txBody>
-          <a:bodyPr wrap="square">
-            <a:spAutoFit/>
-          </a:bodyPr>
-          <a:lstStyle/>
-          <a:p>
-            <a:pPr marL="342900" lvl="0" indent="-342900">
-              <a:buFont typeface="Arial"/>
-              <a:buChar char="•"/>
-              <a:defRPr/>
-            </a:pPr>
-            <a:r>
-              <a:rPr lang="en-GB" sz="2400" dirty="0">
-                <a:solidFill>
-                  <a:prstClr val="white"/>
-                </a:solidFill>
-                <a:latin typeface="Calibri Light" panose="020F0302020204030204" pitchFamily="34" charset="0"/>
-                <a:ea typeface="Calibri Light" panose="020F0302020204030204" pitchFamily="34" charset="0"/>
-                <a:cs typeface="Calibri Light" panose="020F0302020204030204" pitchFamily="34" charset="0"/>
-              </a:rPr>
-              <a:t>The purpose of this exercise is to test IR sensor calibration for Obstacle Avoidance or Edge Following</a:t>
-            </a:r>
-            <a:endParaRPr dirty="0">
-              <a:latin typeface="Calibri Light" panose="020F0302020204030204" pitchFamily="34" charset="0"/>
-              <a:ea typeface="Calibri Light" panose="020F0302020204030204" pitchFamily="34" charset="0"/>
-              <a:cs typeface="Calibri Light" panose="020F0302020204030204" pitchFamily="34" charset="0"/>
-            </a:endParaRPr>
-          </a:p>
-          <a:p>
-            <a:pPr lvl="0">
-              <a:defRPr/>
-            </a:pPr>
-            <a:endParaRPr lang="en-GB" sz="2400" dirty="0">
-              <a:solidFill>
-                <a:prstClr val="white"/>
-              </a:solidFill>
-              <a:latin typeface="Calibri Light" panose="020F0302020204030204" pitchFamily="34" charset="0"/>
-              <a:ea typeface="Calibri Light" panose="020F0302020204030204" pitchFamily="34" charset="0"/>
-              <a:cs typeface="Calibri Light" panose="020F0302020204030204" pitchFamily="34" charset="0"/>
-            </a:endParaRPr>
-          </a:p>
-          <a:p>
-            <a:pPr marL="342900" lvl="0" indent="-342900">
-              <a:buFont typeface="Arial"/>
-              <a:buChar char="•"/>
-              <a:defRPr/>
-            </a:pPr>
-            <a:r>
-              <a:rPr lang="en-GB" sz="2400" dirty="0">
-                <a:solidFill>
-                  <a:prstClr val="white"/>
-                </a:solidFill>
-                <a:latin typeface="Calibri Light" panose="020F0302020204030204" pitchFamily="34" charset="0"/>
-                <a:ea typeface="Calibri Light" panose="020F0302020204030204" pitchFamily="34" charset="0"/>
-                <a:cs typeface="Calibri Light" panose="020F0302020204030204" pitchFamily="34" charset="0"/>
-              </a:rPr>
-              <a:t>Also to get familiarity with the usage of the test zig (boundary wall fence)</a:t>
-            </a:r>
-            <a:endParaRPr dirty="0">
-              <a:latin typeface="Calibri Light" panose="020F0302020204030204" pitchFamily="34" charset="0"/>
-              <a:ea typeface="Calibri Light" panose="020F0302020204030204" pitchFamily="34" charset="0"/>
-              <a:cs typeface="Calibri Light" panose="020F0302020204030204" pitchFamily="34" charset="0"/>
-            </a:endParaRPr>
-          </a:p>
-        </p:txBody>
-      </p:sp>
-      <p:pic>
-        <p:nvPicPr>
-          <p:cNvPr id="805404085" name="Picture 5"/>
-          <p:cNvPicPr>
-            <a:picLocks noChangeAspect="1"/>
-          </p:cNvPicPr>
-          <p:nvPr/>
-        </p:nvPicPr>
-        <p:blipFill>
-          <a:blip r:embed="rId4"/>
-          <a:stretch/>
-        </p:blipFill>
-        <p:spPr bwMode="auto">
-          <a:xfrm>
-            <a:off x="1714500" y="2696617"/>
-            <a:ext cx="8763000" cy="3953075"/>
-          </a:xfrm>
-          <a:prstGeom prst="rect">
-            <a:avLst/>
-          </a:prstGeom>
-        </p:spPr>
-      </p:pic>
-      <p:sp>
-        <p:nvSpPr>
-          <p:cNvPr id="2" name="Date Placeholder 1">
-            <a:extLst>
-              <a:ext uri="{FF2B5EF4-FFF2-40B4-BE49-F238E27FC236}">
-                <a16:creationId xmlns:a16="http://schemas.microsoft.com/office/drawing/2014/main" id="{DED6B28D-77D6-4545-D069-67EB857E1F14}"/>
-              </a:ext>
-            </a:extLst>
-          </p:cNvPr>
-          <p:cNvSpPr>
-            <a:spLocks noGrp="1"/>
-          </p:cNvSpPr>
-          <p:nvPr>
-            <p:ph type="dt" sz="half" idx="10"/>
-          </p:nvPr>
-        </p:nvSpPr>
-        <p:spPr/>
-        <p:txBody>
-          <a:bodyPr/>
-          <a:lstStyle/>
-          <a:p>
-            <a:pPr>
-              <a:defRPr/>
-            </a:pPr>
-            <a:r>
-              <a:rPr lang="en-GB"/>
-              <a:t>07/12/2025</a:t>
-            </a:r>
-          </a:p>
-        </p:txBody>
-      </p:sp>
-      <p:sp>
-        <p:nvSpPr>
-          <p:cNvPr id="3" name="Slide Number Placeholder 2">
-            <a:extLst>
-              <a:ext uri="{FF2B5EF4-FFF2-40B4-BE49-F238E27FC236}">
-                <a16:creationId xmlns:a16="http://schemas.microsoft.com/office/drawing/2014/main" id="{054026F1-AA00-E41D-7D31-E239D9008358}"/>
-              </a:ext>
-            </a:extLst>
-          </p:cNvPr>
-          <p:cNvSpPr>
-            <a:spLocks noGrp="1"/>
-          </p:cNvSpPr>
-          <p:nvPr>
-            <p:ph type="sldNum" sz="quarter" idx="12"/>
-          </p:nvPr>
-        </p:nvSpPr>
-        <p:spPr/>
-        <p:txBody>
-          <a:bodyPr/>
-          <a:lstStyle/>
-          <a:p>
-            <a:pPr>
-              <a:defRPr/>
-            </a:pPr>
-            <a:fld id="{23CA24EA-A87A-4979-940E-A83EA2C27DA6}" type="slidenum">
-              <a:rPr lang="en-GB" smtClean="0"/>
-              <a:t>11</a:t>
-            </a:fld>
-            <a:endParaRPr lang="en-GB"/>
-          </a:p>
-        </p:txBody>
-      </p:sp>
-    </p:spTree>
   </p:cSld>
   <p:clrMapOvr>
     <a:masterClrMapping/>
@@ -9354,7 +10318,7 @@
       </p:grpSpPr>
       <p:sp>
         <p:nvSpPr>
-          <p:cNvPr id="168950861" name="Title 1"/>
+          <p:cNvPr id="270891443" name="Title 1"/>
           <p:cNvSpPr>
             <a:spLocks noGrp="1"/>
           </p:cNvSpPr>
@@ -9364,8 +10328,8 @@
         </p:nvSpPr>
         <p:spPr bwMode="auto">
           <a:xfrm>
-            <a:off x="1" y="0"/>
-            <a:ext cx="7069394" cy="1325563"/>
+            <a:off x="0" y="1"/>
+            <a:ext cx="7177548" cy="985360"/>
           </a:xfrm>
         </p:spPr>
         <p:txBody>
@@ -9377,7 +10341,7 @@
             <a:r>
               <a:rPr lang="en-GB" sz="4000" b="1" dirty="0">
                 <a:solidFill>
-                  <a:srgbClr val="FF3300"/>
+                  <a:schemeClr val="accent4"/>
                 </a:solidFill>
                 <a:latin typeface="Calibri" panose="020F0502020204030204" pitchFamily="34" charset="0"/>
                 <a:ea typeface="Calibri" panose="020F0502020204030204" pitchFamily="34" charset="0"/>
@@ -9387,7 +10351,7 @@
             </a:r>
             <a:endParaRPr sz="4000" b="1" dirty="0">
               <a:solidFill>
-                <a:srgbClr val="FF3300"/>
+                <a:schemeClr val="accent4"/>
               </a:solidFill>
               <a:latin typeface="Calibri" panose="020F0502020204030204" pitchFamily="34" charset="0"/>
               <a:ea typeface="Calibri" panose="020F0502020204030204" pitchFamily="34" charset="0"/>
@@ -9396,9 +10360,48 @@
           </a:p>
         </p:txBody>
       </p:sp>
+      <p:sp>
+        <p:nvSpPr>
+          <p:cNvPr id="1977818073" name="Content Placeholder 2"/>
+          <p:cNvSpPr>
+            <a:spLocks noGrp="1"/>
+          </p:cNvSpPr>
+          <p:nvPr>
+            <p:ph idx="1"/>
+          </p:nvPr>
+        </p:nvSpPr>
+        <p:spPr bwMode="auto">
+          <a:xfrm>
+            <a:off x="660161" y="1269302"/>
+            <a:ext cx="10515600" cy="4677144"/>
+          </a:xfrm>
+        </p:spPr>
+        <p:txBody>
+          <a:bodyPr vertOverflow="overflow" horzOverflow="overflow" vert="horz" wrap="square" lIns="91440" tIns="45720" rIns="91440" bIns="45720" numCol="1" spcCol="0" rtlCol="0" fromWordArt="0" anchor="t" anchorCtr="0" forceAA="0" compatLnSpc="0">
+            <a:normAutofit/>
+          </a:bodyPr>
+          <a:lstStyle/>
+          <a:p>
+            <a:pPr marL="0" indent="0">
+              <a:buFont typeface="Arial"/>
+              <a:buNone/>
+              <a:defRPr/>
+            </a:pPr>
+            <a:endParaRPr/>
+          </a:p>
+          <a:p>
+            <a:pPr marL="0" indent="0">
+              <a:buFont typeface="Arial"/>
+              <a:buNone/>
+              <a:defRPr/>
+            </a:pPr>
+            <a:endParaRPr/>
+          </a:p>
+        </p:txBody>
+      </p:sp>
       <p:pic>
         <p:nvPicPr>
-          <p:cNvPr id="1108645543" name="Picture 4"/>
+          <p:cNvPr id="1456360328" name="Picture 1"/>
           <p:cNvPicPr>
             <a:picLocks noChangeAspect="1"/>
           </p:cNvPicPr>
@@ -9420,107 +10423,19 @@
       </p:pic>
       <p:sp>
         <p:nvSpPr>
-          <p:cNvPr id="1485423380" name="Flowchart: Punched Tape 8"/>
-          <p:cNvSpPr/>
+          <p:cNvPr id="1076202697" name="TextBox 3"/>
+          <p:cNvSpPr txBox="1"/>
           <p:nvPr/>
         </p:nvSpPr>
         <p:spPr bwMode="auto">
           <a:xfrm>
-            <a:off x="6821737" y="2527790"/>
-            <a:ext cx="3851530" cy="2588251"/>
-          </a:xfrm>
-          <a:prstGeom prst="flowChartPunchedTape">
-            <a:avLst/>
-          </a:prstGeom>
-          <a:solidFill>
-            <a:schemeClr val="accent4"/>
-          </a:solidFill>
-          <a:ln>
-            <a:noFill/>
-          </a:ln>
-        </p:spPr>
-        <p:style>
-          <a:lnRef idx="2">
-            <a:schemeClr val="accent1">
-              <a:shade val="15000"/>
-            </a:schemeClr>
-          </a:lnRef>
-          <a:fillRef idx="1">
-            <a:schemeClr val="accent1"/>
-          </a:fillRef>
-          <a:effectRef idx="0">
-            <a:schemeClr val="accent1"/>
-          </a:effectRef>
-          <a:fontRef idx="minor">
-            <a:schemeClr val="lt1"/>
-          </a:fontRef>
-        </p:style>
-        <p:txBody>
-          <a:bodyPr rtlCol="0" anchor="ctr"/>
-          <a:lstStyle/>
-          <a:p>
-            <a:pPr marL="0" marR="0" lvl="0" indent="0" algn="ctr" defTabSz="914400">
-              <a:lnSpc>
-                <a:spcPct val="100000"/>
-              </a:lnSpc>
-              <a:spcBef>
-                <a:spcPts val="0"/>
-              </a:spcBef>
-              <a:spcAft>
-                <a:spcPts val="0"/>
-              </a:spcAft>
-              <a:buClrTx/>
-              <a:buSzTx/>
-              <a:buFontTx/>
-              <a:buNone/>
-              <a:defRPr/>
-            </a:pPr>
-            <a:r>
-              <a:rPr lang="en-GB" sz="2400" b="0" i="0" u="none" strike="noStrike" cap="none" spc="0" dirty="0">
-                <a:ln>
-                  <a:noFill/>
-                </a:ln>
-                <a:solidFill>
-                  <a:prstClr val="white"/>
-                </a:solidFill>
-                <a:latin typeface="Aptos"/>
-                <a:ea typeface="+mn-ea"/>
-                <a:cs typeface="+mn-cs"/>
-              </a:rPr>
-              <a:t>IR Sensor is Very Sensitive to Infrared Light from the Sun so Avoid Direct/Indirect Sun Light if Possible</a:t>
-            </a:r>
-            <a:endParaRPr dirty="0"/>
-          </a:p>
-        </p:txBody>
-      </p:sp>
-      <p:sp>
-        <p:nvSpPr>
-          <p:cNvPr id="3" name="TextBox 2">
-            <a:extLst>
-              <a:ext uri="{FF2B5EF4-FFF2-40B4-BE49-F238E27FC236}">
-                <a16:creationId xmlns:a16="http://schemas.microsoft.com/office/drawing/2014/main" id="{30DDD9D5-1377-39F3-6A87-F0934E5C1333}"/>
-              </a:ext>
-            </a:extLst>
-          </p:cNvPr>
-          <p:cNvSpPr txBox="1"/>
-          <p:nvPr/>
-        </p:nvSpPr>
-        <p:spPr>
-          <a:xfrm>
-            <a:off x="474406" y="5934670"/>
-            <a:ext cx="6218902" cy="923330"/>
+            <a:off x="660161" y="1020634"/>
+            <a:ext cx="9996953" cy="1569660"/>
           </a:xfrm>
           <a:prstGeom prst="rect">
             <a:avLst/>
           </a:prstGeom>
           <a:noFill/>
-          <a:ln w="28575">
-            <a:solidFill>
-              <a:schemeClr val="accent4">
-                <a:lumMod val="75000"/>
-              </a:schemeClr>
-            </a:solidFill>
-          </a:ln>
         </p:spPr>
         <p:txBody>
           <a:bodyPr wrap="square">
@@ -9528,250 +10443,94 @@
           </a:bodyPr>
           <a:lstStyle/>
           <a:p>
-            <a:r>
-              <a:rPr lang="en-GB" dirty="0">
-                <a:solidFill>
-                  <a:schemeClr val="bg1"/>
-                </a:solidFill>
-              </a:rPr>
-              <a:t>https://github.com/info-zas/Training/tree/main/GPREC/04_Navigational_Robot_Car-1-Sensors/01_Code/03_Car1_IR_Obstruction_Avoidance</a:t>
-            </a:r>
-          </a:p>
-        </p:txBody>
-      </p:sp>
-      <p:sp>
-        <p:nvSpPr>
-          <p:cNvPr id="5" name="TextBox 4">
-            <a:extLst>
-              <a:ext uri="{FF2B5EF4-FFF2-40B4-BE49-F238E27FC236}">
-                <a16:creationId xmlns:a16="http://schemas.microsoft.com/office/drawing/2014/main" id="{EBFDC15B-D9E7-66CD-213D-950D1AF24E5A}"/>
-              </a:ext>
-            </a:extLst>
-          </p:cNvPr>
-          <p:cNvSpPr txBox="1"/>
+            <a:pPr marL="342900" lvl="0" indent="-342900">
+              <a:buFont typeface="Arial"/>
+              <a:buChar char="•"/>
+              <a:defRPr/>
+            </a:pPr>
+            <a:r>
+              <a:rPr lang="en-GB" sz="2400" dirty="0">
+                <a:solidFill>
+                  <a:prstClr val="white"/>
+                </a:solidFill>
+                <a:latin typeface="Calibri Light" panose="020F0302020204030204" pitchFamily="34" charset="0"/>
+                <a:ea typeface="Calibri Light" panose="020F0302020204030204" pitchFamily="34" charset="0"/>
+                <a:cs typeface="Calibri Light" panose="020F0302020204030204" pitchFamily="34" charset="0"/>
+              </a:rPr>
+              <a:t>The purpose of this exercise is to test IR sensor calibration for Obstacle Avoidance or Edge Following</a:t>
+            </a:r>
+            <a:endParaRPr dirty="0">
+              <a:latin typeface="Calibri Light" panose="020F0302020204030204" pitchFamily="34" charset="0"/>
+              <a:ea typeface="Calibri Light" panose="020F0302020204030204" pitchFamily="34" charset="0"/>
+              <a:cs typeface="Calibri Light" panose="020F0302020204030204" pitchFamily="34" charset="0"/>
+            </a:endParaRPr>
+          </a:p>
+          <a:p>
+            <a:pPr lvl="0">
+              <a:defRPr/>
+            </a:pPr>
+            <a:endParaRPr lang="en-GB" sz="2400" dirty="0">
+              <a:solidFill>
+                <a:prstClr val="white"/>
+              </a:solidFill>
+              <a:latin typeface="Calibri Light" panose="020F0302020204030204" pitchFamily="34" charset="0"/>
+              <a:ea typeface="Calibri Light" panose="020F0302020204030204" pitchFamily="34" charset="0"/>
+              <a:cs typeface="Calibri Light" panose="020F0302020204030204" pitchFamily="34" charset="0"/>
+            </a:endParaRPr>
+          </a:p>
+          <a:p>
+            <a:pPr marL="342900" lvl="0" indent="-342900">
+              <a:buFont typeface="Arial"/>
+              <a:buChar char="•"/>
+              <a:defRPr/>
+            </a:pPr>
+            <a:r>
+              <a:rPr lang="en-GB" sz="2400" dirty="0">
+                <a:solidFill>
+                  <a:prstClr val="white"/>
+                </a:solidFill>
+                <a:latin typeface="Calibri Light" panose="020F0302020204030204" pitchFamily="34" charset="0"/>
+                <a:ea typeface="Calibri Light" panose="020F0302020204030204" pitchFamily="34" charset="0"/>
+                <a:cs typeface="Calibri Light" panose="020F0302020204030204" pitchFamily="34" charset="0"/>
+              </a:rPr>
+              <a:t>Also to get familiarity with the usage of the test zig (boundary wall fence)</a:t>
+            </a:r>
+            <a:endParaRPr dirty="0">
+              <a:latin typeface="Calibri Light" panose="020F0302020204030204" pitchFamily="34" charset="0"/>
+              <a:ea typeface="Calibri Light" panose="020F0302020204030204" pitchFamily="34" charset="0"/>
+              <a:cs typeface="Calibri Light" panose="020F0302020204030204" pitchFamily="34" charset="0"/>
+            </a:endParaRPr>
+          </a:p>
+        </p:txBody>
+      </p:sp>
+      <p:pic>
+        <p:nvPicPr>
+          <p:cNvPr id="805404085" name="Picture 5"/>
+          <p:cNvPicPr>
+            <a:picLocks noChangeAspect="1"/>
+          </p:cNvPicPr>
           <p:nvPr/>
-        </p:nvSpPr>
-        <p:spPr>
+        </p:nvPicPr>
+        <p:blipFill>
+          <a:blip r:embed="rId4"/>
+          <a:stretch/>
+        </p:blipFill>
+        <p:spPr bwMode="auto">
           <a:xfrm>
-            <a:off x="612058" y="1028343"/>
-            <a:ext cx="3232354" cy="4801314"/>
+            <a:off x="1714500" y="2696617"/>
+            <a:ext cx="8763000" cy="3953075"/>
           </a:xfrm>
           <a:prstGeom prst="rect">
             <a:avLst/>
           </a:prstGeom>
-          <a:noFill/>
-          <a:ln w="38100">
-            <a:solidFill>
-              <a:schemeClr val="accent3">
-                <a:lumMod val="50000"/>
-                <a:lumOff val="50000"/>
-              </a:schemeClr>
-            </a:solidFill>
-          </a:ln>
         </p:spPr>
-        <p:txBody>
-          <a:bodyPr wrap="square">
-            <a:spAutoFit/>
-          </a:bodyPr>
-          <a:lstStyle/>
-          <a:p>
-            <a:r>
-              <a:rPr lang="en-GB" dirty="0">
-                <a:solidFill>
-                  <a:schemeClr val="bg1"/>
-                </a:solidFill>
-              </a:rPr>
-              <a:t>setup()</a:t>
-            </a:r>
-          </a:p>
-          <a:p>
-            <a:r>
-              <a:rPr lang="en-GB" dirty="0">
-                <a:solidFill>
-                  <a:schemeClr val="bg1"/>
-                </a:solidFill>
-              </a:rPr>
-              <a:t>  start Serial</a:t>
-            </a:r>
-          </a:p>
-          <a:p>
-            <a:r>
-              <a:rPr lang="en-GB" dirty="0">
-                <a:solidFill>
-                  <a:schemeClr val="bg1"/>
-                </a:solidFill>
-              </a:rPr>
-              <a:t>  set all motor pins as OUTPUT</a:t>
-            </a:r>
-          </a:p>
-          <a:p>
-            <a:r>
-              <a:rPr lang="en-GB" dirty="0">
-                <a:solidFill>
-                  <a:schemeClr val="bg1"/>
-                </a:solidFill>
-              </a:rPr>
-              <a:t>  set IR pins A1, A2 as INPUT</a:t>
-            </a:r>
-          </a:p>
-          <a:p>
-            <a:endParaRPr lang="en-GB" dirty="0">
-              <a:solidFill>
-                <a:schemeClr val="bg1"/>
-              </a:solidFill>
-            </a:endParaRPr>
-          </a:p>
-          <a:p>
-            <a:r>
-              <a:rPr lang="en-GB" dirty="0">
-                <a:solidFill>
-                  <a:schemeClr val="bg1"/>
-                </a:solidFill>
-              </a:rPr>
-              <a:t>loop()</a:t>
-            </a:r>
-          </a:p>
-          <a:p>
-            <a:r>
-              <a:rPr lang="en-GB" dirty="0">
-                <a:solidFill>
-                  <a:schemeClr val="bg1"/>
-                </a:solidFill>
-              </a:rPr>
-              <a:t>  set motor speeds (PWM)</a:t>
-            </a:r>
-          </a:p>
-          <a:p>
-            <a:endParaRPr lang="en-GB" dirty="0">
-              <a:solidFill>
-                <a:schemeClr val="bg1"/>
-              </a:solidFill>
-            </a:endParaRPr>
-          </a:p>
-          <a:p>
-            <a:r>
-              <a:rPr lang="en-GB" dirty="0">
-                <a:solidFill>
-                  <a:schemeClr val="bg1"/>
-                </a:solidFill>
-              </a:rPr>
-              <a:t>  read ir1 = </a:t>
-            </a:r>
-            <a:r>
-              <a:rPr lang="en-GB" dirty="0" err="1">
-                <a:solidFill>
-                  <a:schemeClr val="bg1"/>
-                </a:solidFill>
-              </a:rPr>
-              <a:t>digitalRead</a:t>
-            </a:r>
-            <a:r>
-              <a:rPr lang="en-GB" dirty="0">
-                <a:solidFill>
-                  <a:schemeClr val="bg1"/>
-                </a:solidFill>
-              </a:rPr>
-              <a:t>(A1)</a:t>
-            </a:r>
-          </a:p>
-          <a:p>
-            <a:r>
-              <a:rPr lang="en-GB" dirty="0">
-                <a:solidFill>
-                  <a:schemeClr val="bg1"/>
-                </a:solidFill>
-              </a:rPr>
-              <a:t>  read ir2 = </a:t>
-            </a:r>
-            <a:r>
-              <a:rPr lang="en-GB" dirty="0" err="1">
-                <a:solidFill>
-                  <a:schemeClr val="bg1"/>
-                </a:solidFill>
-              </a:rPr>
-              <a:t>digitalRead</a:t>
-            </a:r>
-            <a:r>
-              <a:rPr lang="en-GB" dirty="0">
-                <a:solidFill>
-                  <a:schemeClr val="bg1"/>
-                </a:solidFill>
-              </a:rPr>
-              <a:t>(A2)</a:t>
-            </a:r>
-          </a:p>
-          <a:p>
-            <a:endParaRPr lang="en-GB" dirty="0">
-              <a:solidFill>
-                <a:schemeClr val="bg1"/>
-              </a:solidFill>
-            </a:endParaRPr>
-          </a:p>
-          <a:p>
-            <a:r>
-              <a:rPr lang="en-GB" dirty="0">
-                <a:solidFill>
-                  <a:schemeClr val="bg1"/>
-                </a:solidFill>
-              </a:rPr>
-              <a:t>  print ir1, ir2</a:t>
-            </a:r>
-          </a:p>
-          <a:p>
-            <a:endParaRPr lang="en-GB" dirty="0">
-              <a:solidFill>
-                <a:schemeClr val="bg1"/>
-              </a:solidFill>
-            </a:endParaRPr>
-          </a:p>
-          <a:p>
-            <a:r>
-              <a:rPr lang="en-GB" dirty="0">
-                <a:solidFill>
-                  <a:schemeClr val="bg1"/>
-                </a:solidFill>
-              </a:rPr>
-              <a:t>  if ir1 == 0 AND ir2 == 0:</a:t>
-            </a:r>
-          </a:p>
-          <a:p>
-            <a:r>
-              <a:rPr lang="en-GB" dirty="0">
-                <a:solidFill>
-                  <a:schemeClr val="bg1"/>
-                </a:solidFill>
-              </a:rPr>
-              <a:t>        forward()</a:t>
-            </a:r>
-          </a:p>
-          <a:p>
-            <a:r>
-              <a:rPr lang="en-GB" dirty="0">
-                <a:solidFill>
-                  <a:schemeClr val="bg1"/>
-                </a:solidFill>
-              </a:rPr>
-              <a:t>  else:</a:t>
-            </a:r>
-          </a:p>
-          <a:p>
-            <a:r>
-              <a:rPr lang="en-GB" dirty="0">
-                <a:solidFill>
-                  <a:schemeClr val="bg1"/>
-                </a:solidFill>
-              </a:rPr>
-              <a:t>        stop()</a:t>
-            </a:r>
-          </a:p>
-        </p:txBody>
-      </p:sp>
-      <p:sp>
-        <p:nvSpPr>
-          <p:cNvPr id="6" name="Date Placeholder 5">
+      </p:pic>
+      <p:sp>
+        <p:nvSpPr>
+          <p:cNvPr id="2" name="Date Placeholder 1">
             <a:extLst>
               <a:ext uri="{FF2B5EF4-FFF2-40B4-BE49-F238E27FC236}">
-                <a16:creationId xmlns:a16="http://schemas.microsoft.com/office/drawing/2014/main" id="{B77DCE8B-46B2-B8BC-6481-480C7ECC93D8}"/>
+                <a16:creationId xmlns:a16="http://schemas.microsoft.com/office/drawing/2014/main" id="{DED6B28D-77D6-4545-D069-67EB857E1F14}"/>
               </a:ext>
             </a:extLst>
           </p:cNvPr>
@@ -9799,10 +10558,10 @@
       </p:sp>
       <p:sp>
         <p:nvSpPr>
-          <p:cNvPr id="7" name="Slide Number Placeholder 6">
+          <p:cNvPr id="3" name="Slide Number Placeholder 2">
             <a:extLst>
               <a:ext uri="{FF2B5EF4-FFF2-40B4-BE49-F238E27FC236}">
-                <a16:creationId xmlns:a16="http://schemas.microsoft.com/office/drawing/2014/main" id="{49025838-1A80-4925-300C-675F5229CBF3}"/>
+                <a16:creationId xmlns:a16="http://schemas.microsoft.com/office/drawing/2014/main" id="{054026F1-AA00-E41D-7D31-E239D9008358}"/>
               </a:ext>
             </a:extLst>
           </p:cNvPr>
@@ -9821,7 +10580,7 @@
             <a:pPr>
               <a:defRPr/>
             </a:pPr>
-            <a:fld id="{09FCE3CD-8E5B-4FEB-BC1E-3D61BE3CC713}" type="slidenum">
+            <a:fld id="{23CA24EA-A87A-4979-940E-A83EA2C27DA6}" type="slidenum">
               <a:rPr lang="en-GB" smtClean="0"/>
               <a:t>12</a:t>
             </a:fld>
@@ -9864,6 +10623,516 @@
       </p:grpSpPr>
       <p:sp>
         <p:nvSpPr>
+          <p:cNvPr id="168950861" name="Title 1"/>
+          <p:cNvSpPr>
+            <a:spLocks noGrp="1"/>
+          </p:cNvSpPr>
+          <p:nvPr>
+            <p:ph type="title"/>
+          </p:nvPr>
+        </p:nvSpPr>
+        <p:spPr bwMode="auto">
+          <a:xfrm>
+            <a:off x="1" y="0"/>
+            <a:ext cx="7069394" cy="1325563"/>
+          </a:xfrm>
+        </p:spPr>
+        <p:txBody>
+          <a:bodyPr vert="horz" lIns="91440" tIns="45720" rIns="91440" bIns="45720" rtlCol="0" anchor="ctr">
+            <a:normAutofit/>
+          </a:bodyPr>
+          <a:lstStyle/>
+          <a:p>
+            <a:r>
+              <a:rPr lang="en-GB" sz="4000" b="1" dirty="0">
+                <a:solidFill>
+                  <a:schemeClr val="accent4"/>
+                </a:solidFill>
+                <a:latin typeface="Calibri" panose="020F0502020204030204" pitchFamily="34" charset="0"/>
+                <a:ea typeface="Calibri" panose="020F0502020204030204" pitchFamily="34" charset="0"/>
+                <a:cs typeface="Calibri" panose="020F0502020204030204" pitchFamily="34" charset="0"/>
+              </a:rPr>
+              <a:t>Lab 2 : IR Obstruction Avoidance</a:t>
+            </a:r>
+            <a:endParaRPr sz="4000" b="1" dirty="0">
+              <a:solidFill>
+                <a:schemeClr val="accent4"/>
+              </a:solidFill>
+              <a:latin typeface="Calibri" panose="020F0502020204030204" pitchFamily="34" charset="0"/>
+              <a:ea typeface="Calibri" panose="020F0502020204030204" pitchFamily="34" charset="0"/>
+              <a:cs typeface="Calibri" panose="020F0502020204030204" pitchFamily="34" charset="0"/>
+            </a:endParaRPr>
+          </a:p>
+        </p:txBody>
+      </p:sp>
+      <p:pic>
+        <p:nvPicPr>
+          <p:cNvPr id="1108645543" name="Picture 4"/>
+          <p:cNvPicPr>
+            <a:picLocks noChangeAspect="1"/>
+          </p:cNvPicPr>
+          <p:nvPr/>
+        </p:nvPicPr>
+        <p:blipFill>
+          <a:blip r:embed="rId3"/>
+          <a:stretch/>
+        </p:blipFill>
+        <p:spPr bwMode="auto">
+          <a:xfrm>
+            <a:off x="10080966" y="0"/>
+            <a:ext cx="2100150" cy="566056"/>
+          </a:xfrm>
+          <a:prstGeom prst="rect">
+            <a:avLst/>
+          </a:prstGeom>
+        </p:spPr>
+      </p:pic>
+      <p:sp>
+        <p:nvSpPr>
+          <p:cNvPr id="1485423380" name="Flowchart: Punched Tape 8"/>
+          <p:cNvSpPr/>
+          <p:nvPr/>
+        </p:nvSpPr>
+        <p:spPr bwMode="auto">
+          <a:xfrm>
+            <a:off x="6821737" y="2527790"/>
+            <a:ext cx="3851530" cy="2588251"/>
+          </a:xfrm>
+          <a:prstGeom prst="flowChartPunchedTape">
+            <a:avLst/>
+          </a:prstGeom>
+          <a:solidFill>
+            <a:schemeClr val="accent4"/>
+          </a:solidFill>
+          <a:ln>
+            <a:noFill/>
+          </a:ln>
+        </p:spPr>
+        <p:style>
+          <a:lnRef idx="2">
+            <a:schemeClr val="accent1">
+              <a:shade val="15000"/>
+            </a:schemeClr>
+          </a:lnRef>
+          <a:fillRef idx="1">
+            <a:schemeClr val="accent1"/>
+          </a:fillRef>
+          <a:effectRef idx="0">
+            <a:schemeClr val="accent1"/>
+          </a:effectRef>
+          <a:fontRef idx="minor">
+            <a:schemeClr val="lt1"/>
+          </a:fontRef>
+        </p:style>
+        <p:txBody>
+          <a:bodyPr rtlCol="0" anchor="ctr"/>
+          <a:lstStyle/>
+          <a:p>
+            <a:pPr marL="0" marR="0" lvl="0" indent="0" algn="ctr" defTabSz="914400">
+              <a:lnSpc>
+                <a:spcPct val="100000"/>
+              </a:lnSpc>
+              <a:spcBef>
+                <a:spcPts val="0"/>
+              </a:spcBef>
+              <a:spcAft>
+                <a:spcPts val="0"/>
+              </a:spcAft>
+              <a:buClrTx/>
+              <a:buSzTx/>
+              <a:buFontTx/>
+              <a:buNone/>
+              <a:defRPr/>
+            </a:pPr>
+            <a:r>
+              <a:rPr lang="en-GB" sz="2400" b="0" i="0" u="none" strike="noStrike" cap="none" spc="0" dirty="0">
+                <a:ln>
+                  <a:noFill/>
+                </a:ln>
+                <a:solidFill>
+                  <a:prstClr val="white"/>
+                </a:solidFill>
+                <a:latin typeface="Aptos"/>
+                <a:ea typeface="+mn-ea"/>
+                <a:cs typeface="+mn-cs"/>
+              </a:rPr>
+              <a:t>IR Sensor is Very Sensitive to Infrared Light from the Sun so Avoid Direct/Indirect Sun Light if Possible</a:t>
+            </a:r>
+            <a:endParaRPr dirty="0"/>
+          </a:p>
+        </p:txBody>
+      </p:sp>
+      <p:sp>
+        <p:nvSpPr>
+          <p:cNvPr id="3" name="TextBox 2">
+            <a:extLst>
+              <a:ext uri="{FF2B5EF4-FFF2-40B4-BE49-F238E27FC236}">
+                <a16:creationId xmlns:a16="http://schemas.microsoft.com/office/drawing/2014/main" id="{30DDD9D5-1377-39F3-6A87-F0934E5C1333}"/>
+              </a:ext>
+            </a:extLst>
+          </p:cNvPr>
+          <p:cNvSpPr txBox="1"/>
+          <p:nvPr/>
+        </p:nvSpPr>
+        <p:spPr>
+          <a:xfrm>
+            <a:off x="474406" y="5934670"/>
+            <a:ext cx="6218902" cy="923330"/>
+          </a:xfrm>
+          <a:prstGeom prst="rect">
+            <a:avLst/>
+          </a:prstGeom>
+          <a:noFill/>
+          <a:ln w="28575">
+            <a:solidFill>
+              <a:schemeClr val="accent4">
+                <a:lumMod val="75000"/>
+              </a:schemeClr>
+            </a:solidFill>
+          </a:ln>
+        </p:spPr>
+        <p:txBody>
+          <a:bodyPr wrap="square">
+            <a:spAutoFit/>
+          </a:bodyPr>
+          <a:lstStyle/>
+          <a:p>
+            <a:r>
+              <a:rPr lang="en-GB" dirty="0">
+                <a:solidFill>
+                  <a:schemeClr val="bg1"/>
+                </a:solidFill>
+              </a:rPr>
+              <a:t>https://github.com/info-zas/Training/tree/main/GPREC/04_Navigational_Robot_Car-1-Sensors/01_Code/03_Car1_IR_Obstruction_Avoidance</a:t>
+            </a:r>
+          </a:p>
+        </p:txBody>
+      </p:sp>
+      <p:sp>
+        <p:nvSpPr>
+          <p:cNvPr id="5" name="TextBox 4">
+            <a:extLst>
+              <a:ext uri="{FF2B5EF4-FFF2-40B4-BE49-F238E27FC236}">
+                <a16:creationId xmlns:a16="http://schemas.microsoft.com/office/drawing/2014/main" id="{EBFDC15B-D9E7-66CD-213D-950D1AF24E5A}"/>
+              </a:ext>
+            </a:extLst>
+          </p:cNvPr>
+          <p:cNvSpPr txBox="1"/>
+          <p:nvPr/>
+        </p:nvSpPr>
+        <p:spPr>
+          <a:xfrm>
+            <a:off x="612058" y="1028343"/>
+            <a:ext cx="3232354" cy="4801314"/>
+          </a:xfrm>
+          <a:prstGeom prst="rect">
+            <a:avLst/>
+          </a:prstGeom>
+          <a:noFill/>
+          <a:ln w="38100">
+            <a:solidFill>
+              <a:schemeClr val="accent3">
+                <a:lumMod val="50000"/>
+                <a:lumOff val="50000"/>
+              </a:schemeClr>
+            </a:solidFill>
+          </a:ln>
+        </p:spPr>
+        <p:txBody>
+          <a:bodyPr wrap="square">
+            <a:spAutoFit/>
+          </a:bodyPr>
+          <a:lstStyle/>
+          <a:p>
+            <a:r>
+              <a:rPr lang="en-GB" dirty="0">
+                <a:solidFill>
+                  <a:schemeClr val="bg1"/>
+                </a:solidFill>
+              </a:rPr>
+              <a:t>setup()</a:t>
+            </a:r>
+          </a:p>
+          <a:p>
+            <a:r>
+              <a:rPr lang="en-GB" dirty="0">
+                <a:solidFill>
+                  <a:schemeClr val="bg1"/>
+                </a:solidFill>
+              </a:rPr>
+              <a:t>  start Serial</a:t>
+            </a:r>
+          </a:p>
+          <a:p>
+            <a:r>
+              <a:rPr lang="en-GB" dirty="0">
+                <a:solidFill>
+                  <a:schemeClr val="bg1"/>
+                </a:solidFill>
+              </a:rPr>
+              <a:t>  set all motor pins as OUTPUT</a:t>
+            </a:r>
+          </a:p>
+          <a:p>
+            <a:r>
+              <a:rPr lang="en-GB" dirty="0">
+                <a:solidFill>
+                  <a:schemeClr val="bg1"/>
+                </a:solidFill>
+              </a:rPr>
+              <a:t>  set IR pins A1, A2 as INPUT</a:t>
+            </a:r>
+          </a:p>
+          <a:p>
+            <a:endParaRPr lang="en-GB" dirty="0">
+              <a:solidFill>
+                <a:schemeClr val="bg1"/>
+              </a:solidFill>
+            </a:endParaRPr>
+          </a:p>
+          <a:p>
+            <a:r>
+              <a:rPr lang="en-GB" dirty="0">
+                <a:solidFill>
+                  <a:schemeClr val="bg1"/>
+                </a:solidFill>
+              </a:rPr>
+              <a:t>loop()</a:t>
+            </a:r>
+          </a:p>
+          <a:p>
+            <a:r>
+              <a:rPr lang="en-GB" dirty="0">
+                <a:solidFill>
+                  <a:schemeClr val="bg1"/>
+                </a:solidFill>
+              </a:rPr>
+              <a:t>  set motor speeds (PWM)</a:t>
+            </a:r>
+          </a:p>
+          <a:p>
+            <a:endParaRPr lang="en-GB" dirty="0">
+              <a:solidFill>
+                <a:schemeClr val="bg1"/>
+              </a:solidFill>
+            </a:endParaRPr>
+          </a:p>
+          <a:p>
+            <a:r>
+              <a:rPr lang="en-GB" dirty="0">
+                <a:solidFill>
+                  <a:schemeClr val="bg1"/>
+                </a:solidFill>
+              </a:rPr>
+              <a:t>  read ir1 = </a:t>
+            </a:r>
+            <a:r>
+              <a:rPr lang="en-GB" dirty="0" err="1">
+                <a:solidFill>
+                  <a:schemeClr val="bg1"/>
+                </a:solidFill>
+              </a:rPr>
+              <a:t>digitalRead</a:t>
+            </a:r>
+            <a:r>
+              <a:rPr lang="en-GB" dirty="0">
+                <a:solidFill>
+                  <a:schemeClr val="bg1"/>
+                </a:solidFill>
+              </a:rPr>
+              <a:t>(A1)</a:t>
+            </a:r>
+          </a:p>
+          <a:p>
+            <a:r>
+              <a:rPr lang="en-GB" dirty="0">
+                <a:solidFill>
+                  <a:schemeClr val="bg1"/>
+                </a:solidFill>
+              </a:rPr>
+              <a:t>  read ir2 = </a:t>
+            </a:r>
+            <a:r>
+              <a:rPr lang="en-GB" dirty="0" err="1">
+                <a:solidFill>
+                  <a:schemeClr val="bg1"/>
+                </a:solidFill>
+              </a:rPr>
+              <a:t>digitalRead</a:t>
+            </a:r>
+            <a:r>
+              <a:rPr lang="en-GB" dirty="0">
+                <a:solidFill>
+                  <a:schemeClr val="bg1"/>
+                </a:solidFill>
+              </a:rPr>
+              <a:t>(A2)</a:t>
+            </a:r>
+          </a:p>
+          <a:p>
+            <a:endParaRPr lang="en-GB" dirty="0">
+              <a:solidFill>
+                <a:schemeClr val="bg1"/>
+              </a:solidFill>
+            </a:endParaRPr>
+          </a:p>
+          <a:p>
+            <a:r>
+              <a:rPr lang="en-GB" dirty="0">
+                <a:solidFill>
+                  <a:schemeClr val="bg1"/>
+                </a:solidFill>
+              </a:rPr>
+              <a:t>  print ir1, ir2</a:t>
+            </a:r>
+          </a:p>
+          <a:p>
+            <a:endParaRPr lang="en-GB" dirty="0">
+              <a:solidFill>
+                <a:schemeClr val="bg1"/>
+              </a:solidFill>
+            </a:endParaRPr>
+          </a:p>
+          <a:p>
+            <a:r>
+              <a:rPr lang="en-GB" dirty="0">
+                <a:solidFill>
+                  <a:schemeClr val="bg1"/>
+                </a:solidFill>
+              </a:rPr>
+              <a:t>  if ir1 == 0 AND ir2 == 0:</a:t>
+            </a:r>
+          </a:p>
+          <a:p>
+            <a:r>
+              <a:rPr lang="en-GB" dirty="0">
+                <a:solidFill>
+                  <a:schemeClr val="bg1"/>
+                </a:solidFill>
+              </a:rPr>
+              <a:t>        forward()</a:t>
+            </a:r>
+          </a:p>
+          <a:p>
+            <a:r>
+              <a:rPr lang="en-GB" dirty="0">
+                <a:solidFill>
+                  <a:schemeClr val="bg1"/>
+                </a:solidFill>
+              </a:rPr>
+              <a:t>  else:</a:t>
+            </a:r>
+          </a:p>
+          <a:p>
+            <a:r>
+              <a:rPr lang="en-GB" dirty="0">
+                <a:solidFill>
+                  <a:schemeClr val="bg1"/>
+                </a:solidFill>
+              </a:rPr>
+              <a:t>        stop()</a:t>
+            </a:r>
+          </a:p>
+        </p:txBody>
+      </p:sp>
+      <p:sp>
+        <p:nvSpPr>
+          <p:cNvPr id="6" name="Date Placeholder 5">
+            <a:extLst>
+              <a:ext uri="{FF2B5EF4-FFF2-40B4-BE49-F238E27FC236}">
+                <a16:creationId xmlns:a16="http://schemas.microsoft.com/office/drawing/2014/main" id="{B77DCE8B-46B2-B8BC-6481-480C7ECC93D8}"/>
+              </a:ext>
+            </a:extLst>
+          </p:cNvPr>
+          <p:cNvSpPr>
+            <a:spLocks noGrp="1"/>
+          </p:cNvSpPr>
+          <p:nvPr>
+            <p:ph type="dt" sz="half" idx="10"/>
+          </p:nvPr>
+        </p:nvSpPr>
+        <p:spPr/>
+        <p:txBody>
+          <a:bodyPr/>
+          <a:lstStyle/>
+          <a:p>
+            <a:pPr>
+              <a:defRPr/>
+            </a:pPr>
+            <a:r>
+              <a:rPr lang="en-GB"/>
+              <a:t>07/12/2025</a:t>
+            </a:r>
+          </a:p>
+        </p:txBody>
+      </p:sp>
+      <p:sp>
+        <p:nvSpPr>
+          <p:cNvPr id="7" name="Slide Number Placeholder 6">
+            <a:extLst>
+              <a:ext uri="{FF2B5EF4-FFF2-40B4-BE49-F238E27FC236}">
+                <a16:creationId xmlns:a16="http://schemas.microsoft.com/office/drawing/2014/main" id="{49025838-1A80-4925-300C-675F5229CBF3}"/>
+              </a:ext>
+            </a:extLst>
+          </p:cNvPr>
+          <p:cNvSpPr>
+            <a:spLocks noGrp="1"/>
+          </p:cNvSpPr>
+          <p:nvPr>
+            <p:ph type="sldNum" sz="quarter" idx="12"/>
+          </p:nvPr>
+        </p:nvSpPr>
+        <p:spPr/>
+        <p:txBody>
+          <a:bodyPr/>
+          <a:lstStyle/>
+          <a:p>
+            <a:pPr>
+              <a:defRPr/>
+            </a:pPr>
+            <a:fld id="{09FCE3CD-8E5B-4FEB-BC1E-3D61BE3CC713}" type="slidenum">
+              <a:rPr lang="en-GB" smtClean="0"/>
+              <a:t>13</a:t>
+            </a:fld>
+            <a:endParaRPr lang="en-GB"/>
+          </a:p>
+        </p:txBody>
+      </p:sp>
+    </p:spTree>
+  </p:cSld>
+  <p:clrMapOvr>
+    <a:masterClrMapping/>
+  </p:clrMapOvr>
+</p:sld>
+</file>
+
+<file path=ppt/slides/slide14.xml><?xml version="1.0" encoding="utf-8"?>
+<p:sld xmlns:a="http://schemas.openxmlformats.org/drawingml/2006/main" xmlns:r="http://schemas.openxmlformats.org/officeDocument/2006/relationships" xmlns:p="http://schemas.openxmlformats.org/presentationml/2006/main" showMasterPhAnim="0">
+  <p:cSld>
+    <p:bg>
+      <p:bgPr>
+        <a:solidFill>
+          <a:schemeClr val="tx2"/>
+        </a:solidFill>
+        <a:effectLst/>
+      </p:bgPr>
+    </p:bg>
+    <p:spTree>
+      <p:nvGrpSpPr>
+        <p:cNvPr id="1" name=""/>
+        <p:cNvGrpSpPr/>
+        <p:nvPr/>
+      </p:nvGrpSpPr>
+      <p:grpSpPr bwMode="auto">
+        <a:xfrm>
+          <a:off x="0" y="0"/>
+          <a:ext cx="0" cy="0"/>
+          <a:chOff x="0" y="0"/>
+          <a:chExt cx="0" cy="0"/>
+        </a:xfrm>
+      </p:grpSpPr>
+      <p:sp>
+        <p:nvSpPr>
           <p:cNvPr id="2024940672" name="Title 1"/>
           <p:cNvSpPr>
             <a:spLocks noGrp="1"/>
@@ -9887,7 +11156,7 @@
             <a:r>
               <a:rPr lang="en-GB" sz="4000" b="1" dirty="0">
                 <a:solidFill>
-                  <a:srgbClr val="FF3300"/>
+                  <a:schemeClr val="accent4"/>
                 </a:solidFill>
                 <a:latin typeface="Calibri" panose="020F0502020204030204" pitchFamily="34" charset="0"/>
                 <a:ea typeface="Calibri" panose="020F0502020204030204" pitchFamily="34" charset="0"/>
@@ -9897,7 +11166,7 @@
             </a:r>
             <a:endParaRPr sz="4000" b="1" dirty="0">
               <a:solidFill>
-                <a:srgbClr val="FF3300"/>
+                <a:schemeClr val="accent4"/>
               </a:solidFill>
               <a:latin typeface="Calibri" panose="020F0502020204030204" pitchFamily="34" charset="0"/>
               <a:ea typeface="Calibri" panose="020F0502020204030204" pitchFamily="34" charset="0"/>
@@ -10415,7 +11684,7 @@
             </a:pPr>
             <a:fld id="{23CA24EA-A87A-4979-940E-A83EA2C27DA6}" type="slidenum">
               <a:rPr lang="en-GB" smtClean="0"/>
-              <a:t>13</a:t>
+              <a:t>14</a:t>
             </a:fld>
             <a:endParaRPr lang="en-GB"/>
           </a:p>
@@ -10465,7 +11734,7 @@
 </p:sld>
 </file>
 
-<file path=ppt/slides/slide14.xml><?xml version="1.0" encoding="utf-8"?>
+<file path=ppt/slides/slide15.xml><?xml version="1.0" encoding="utf-8"?>
 <p:sld xmlns:a="http://schemas.openxmlformats.org/drawingml/2006/main" xmlns:r="http://schemas.openxmlformats.org/officeDocument/2006/relationships" xmlns:p="http://schemas.openxmlformats.org/presentationml/2006/main" showMasterPhAnim="0">
   <p:cSld>
     <p:bg>
@@ -10515,7 +11784,7 @@
             <a:r>
               <a:rPr lang="en-GB" sz="4000" b="1" dirty="0">
                 <a:solidFill>
-                  <a:srgbClr val="FF3300"/>
+                  <a:schemeClr val="accent4"/>
                 </a:solidFill>
                 <a:latin typeface="Calibri" panose="020F0502020204030204" pitchFamily="34" charset="0"/>
                 <a:ea typeface="Calibri" panose="020F0502020204030204" pitchFamily="34" charset="0"/>
@@ -10525,7 +11794,7 @@
             </a:r>
             <a:endParaRPr sz="4000" b="1" dirty="0">
               <a:solidFill>
-                <a:srgbClr val="FF3300"/>
+                <a:schemeClr val="accent4"/>
               </a:solidFill>
               <a:latin typeface="Calibri" panose="020F0502020204030204" pitchFamily="34" charset="0"/>
               <a:ea typeface="Calibri" panose="020F0502020204030204" pitchFamily="34" charset="0"/>
@@ -10701,13 +11970,2308 @@
             </a:pPr>
             <a:fld id="{23CA24EA-A87A-4979-940E-A83EA2C27DA6}" type="slidenum">
               <a:rPr lang="en-GB" smtClean="0"/>
-              <a:t>14</a:t>
+              <a:t>15</a:t>
             </a:fld>
             <a:endParaRPr lang="en-GB"/>
           </a:p>
         </p:txBody>
       </p:sp>
     </p:spTree>
+  </p:cSld>
+  <p:clrMapOvr>
+    <a:masterClrMapping/>
+  </p:clrMapOvr>
+</p:sld>
+</file>
+
+<file path=ppt/slides/slide16.xml><?xml version="1.0" encoding="utf-8"?>
+<p:sld xmlns:a="http://schemas.openxmlformats.org/drawingml/2006/main" xmlns:r="http://schemas.openxmlformats.org/officeDocument/2006/relationships" xmlns:p="http://schemas.openxmlformats.org/presentationml/2006/main" showMasterPhAnim="0">
+  <p:cSld>
+    <p:bg>
+      <p:bgPr>
+        <a:solidFill>
+          <a:schemeClr val="tx2"/>
+        </a:solidFill>
+        <a:effectLst/>
+      </p:bgPr>
+    </p:bg>
+    <p:spTree>
+      <p:nvGrpSpPr>
+        <p:cNvPr id="1" name="">
+          <a:extLst>
+            <a:ext uri="{FF2B5EF4-FFF2-40B4-BE49-F238E27FC236}">
+              <a16:creationId xmlns:a16="http://schemas.microsoft.com/office/drawing/2014/main" id="{69265F23-E2B4-C9BA-B5E4-E606437832A9}"/>
+            </a:ext>
+          </a:extLst>
+        </p:cNvPr>
+        <p:cNvGrpSpPr/>
+        <p:nvPr/>
+      </p:nvGrpSpPr>
+      <p:grpSpPr bwMode="auto">
+        <a:xfrm>
+          <a:off x="0" y="0"/>
+          <a:ext cx="0" cy="0"/>
+          <a:chOff x="0" y="0"/>
+          <a:chExt cx="0" cy="0"/>
+        </a:xfrm>
+      </p:grpSpPr>
+      <p:sp>
+        <p:nvSpPr>
+          <p:cNvPr id="192940378" name="Title 1">
+            <a:extLst>
+              <a:ext uri="{FF2B5EF4-FFF2-40B4-BE49-F238E27FC236}">
+                <a16:creationId xmlns:a16="http://schemas.microsoft.com/office/drawing/2014/main" id="{87858F98-FEB7-35DA-C105-ED517448B209}"/>
+              </a:ext>
+            </a:extLst>
+          </p:cNvPr>
+          <p:cNvSpPr>
+            <a:spLocks noGrp="1"/>
+          </p:cNvSpPr>
+          <p:nvPr>
+            <p:ph type="title"/>
+          </p:nvPr>
+        </p:nvSpPr>
+        <p:spPr bwMode="auto">
+          <a:xfrm>
+            <a:off x="10883" y="0"/>
+            <a:ext cx="6498072" cy="1325562"/>
+          </a:xfrm>
+        </p:spPr>
+        <p:txBody>
+          <a:bodyPr vert="horz" lIns="91440" tIns="45720" rIns="91440" bIns="45720" rtlCol="0" anchor="ctr">
+            <a:normAutofit/>
+          </a:bodyPr>
+          <a:lstStyle/>
+          <a:p>
+            <a:r>
+              <a:rPr lang="en-GB" sz="4000" b="1" dirty="0">
+                <a:solidFill>
+                  <a:schemeClr val="accent4"/>
+                </a:solidFill>
+                <a:latin typeface="Calibri" panose="020F0502020204030204" pitchFamily="34" charset="0"/>
+                <a:ea typeface="Calibri" panose="020F0502020204030204" pitchFamily="34" charset="0"/>
+                <a:cs typeface="Calibri" panose="020F0502020204030204" pitchFamily="34" charset="0"/>
+              </a:rPr>
+              <a:t>Line Following Algorithm</a:t>
+            </a:r>
+            <a:endParaRPr sz="4000" b="1" dirty="0">
+              <a:solidFill>
+                <a:schemeClr val="accent4"/>
+              </a:solidFill>
+              <a:latin typeface="Calibri" panose="020F0502020204030204" pitchFamily="34" charset="0"/>
+              <a:ea typeface="Calibri" panose="020F0502020204030204" pitchFamily="34" charset="0"/>
+              <a:cs typeface="Calibri" panose="020F0502020204030204" pitchFamily="34" charset="0"/>
+            </a:endParaRPr>
+          </a:p>
+        </p:txBody>
+      </p:sp>
+      <p:pic>
+        <p:nvPicPr>
+          <p:cNvPr id="1501719022" name="Picture 1">
+            <a:extLst>
+              <a:ext uri="{FF2B5EF4-FFF2-40B4-BE49-F238E27FC236}">
+                <a16:creationId xmlns:a16="http://schemas.microsoft.com/office/drawing/2014/main" id="{DD5F824F-D11D-3F32-277B-60529531553A}"/>
+              </a:ext>
+            </a:extLst>
+          </p:cNvPr>
+          <p:cNvPicPr>
+            <a:picLocks noChangeAspect="1"/>
+          </p:cNvPicPr>
+          <p:nvPr/>
+        </p:nvPicPr>
+        <p:blipFill>
+          <a:blip r:embed="rId3"/>
+          <a:stretch/>
+        </p:blipFill>
+        <p:spPr bwMode="auto">
+          <a:xfrm>
+            <a:off x="9982200" y="0"/>
+            <a:ext cx="2100150" cy="566056"/>
+          </a:xfrm>
+          <a:prstGeom prst="rect">
+            <a:avLst/>
+          </a:prstGeom>
+        </p:spPr>
+      </p:pic>
+      <p:sp>
+        <p:nvSpPr>
+          <p:cNvPr id="4" name="Date Placeholder 3">
+            <a:extLst>
+              <a:ext uri="{FF2B5EF4-FFF2-40B4-BE49-F238E27FC236}">
+                <a16:creationId xmlns:a16="http://schemas.microsoft.com/office/drawing/2014/main" id="{0AB3E8E4-852A-A021-D44E-A9A652DE2346}"/>
+              </a:ext>
+            </a:extLst>
+          </p:cNvPr>
+          <p:cNvSpPr>
+            <a:spLocks noGrp="1"/>
+          </p:cNvSpPr>
+          <p:nvPr>
+            <p:ph type="dt" sz="half" idx="10"/>
+          </p:nvPr>
+        </p:nvSpPr>
+        <p:spPr/>
+        <p:txBody>
+          <a:bodyPr/>
+          <a:lstStyle/>
+          <a:p>
+            <a:pPr>
+              <a:defRPr/>
+            </a:pPr>
+            <a:r>
+              <a:rPr lang="en-GB"/>
+              <a:t>07/12/2025</a:t>
+            </a:r>
+          </a:p>
+        </p:txBody>
+      </p:sp>
+      <p:sp>
+        <p:nvSpPr>
+          <p:cNvPr id="5" name="Slide Number Placeholder 4">
+            <a:extLst>
+              <a:ext uri="{FF2B5EF4-FFF2-40B4-BE49-F238E27FC236}">
+                <a16:creationId xmlns:a16="http://schemas.microsoft.com/office/drawing/2014/main" id="{798EC008-DDA2-71DB-BEA6-FFD7BB2A8339}"/>
+              </a:ext>
+            </a:extLst>
+          </p:cNvPr>
+          <p:cNvSpPr>
+            <a:spLocks noGrp="1"/>
+          </p:cNvSpPr>
+          <p:nvPr>
+            <p:ph type="sldNum" sz="quarter" idx="12"/>
+          </p:nvPr>
+        </p:nvSpPr>
+        <p:spPr/>
+        <p:txBody>
+          <a:bodyPr/>
+          <a:lstStyle/>
+          <a:p>
+            <a:pPr>
+              <a:defRPr/>
+            </a:pPr>
+            <a:fld id="{23CA24EA-A87A-4979-940E-A83EA2C27DA6}" type="slidenum">
+              <a:rPr lang="en-GB" smtClean="0"/>
+              <a:t>16</a:t>
+            </a:fld>
+            <a:endParaRPr lang="en-GB"/>
+          </a:p>
+        </p:txBody>
+      </p:sp>
+      <p:pic>
+        <p:nvPicPr>
+          <p:cNvPr id="8" name="Picture 7">
+            <a:extLst>
+              <a:ext uri="{FF2B5EF4-FFF2-40B4-BE49-F238E27FC236}">
+                <a16:creationId xmlns:a16="http://schemas.microsoft.com/office/drawing/2014/main" id="{3E3CE539-3935-5576-43D4-8ACAF570A5E3}"/>
+              </a:ext>
+            </a:extLst>
+          </p:cNvPr>
+          <p:cNvPicPr>
+            <a:picLocks noChangeAspect="1"/>
+          </p:cNvPicPr>
+          <p:nvPr/>
+        </p:nvPicPr>
+        <p:blipFill>
+          <a:blip r:embed="rId4"/>
+          <a:stretch>
+            <a:fillRect/>
+          </a:stretch>
+        </p:blipFill>
+        <p:spPr>
+          <a:xfrm>
+            <a:off x="5879690" y="64955"/>
+            <a:ext cx="3955026" cy="6728090"/>
+          </a:xfrm>
+          <a:prstGeom prst="rect">
+            <a:avLst/>
+          </a:prstGeom>
+        </p:spPr>
+      </p:pic>
+    </p:spTree>
+    <p:extLst>
+      <p:ext uri="{BB962C8B-B14F-4D97-AF65-F5344CB8AC3E}">
+        <p14:creationId xmlns:p14="http://schemas.microsoft.com/office/powerpoint/2010/main" val="1499752298"/>
+      </p:ext>
+    </p:extLst>
+  </p:cSld>
+  <p:clrMapOvr>
+    <a:masterClrMapping/>
+  </p:clrMapOvr>
+</p:sld>
+</file>
+
+<file path=ppt/slides/slide17.xml><?xml version="1.0" encoding="utf-8"?>
+<p:sld xmlns:a="http://schemas.openxmlformats.org/drawingml/2006/main" xmlns:r="http://schemas.openxmlformats.org/officeDocument/2006/relationships" xmlns:p="http://schemas.openxmlformats.org/presentationml/2006/main" showMasterPhAnim="0">
+  <p:cSld>
+    <p:bg>
+      <p:bgPr>
+        <a:solidFill>
+          <a:schemeClr val="tx2"/>
+        </a:solidFill>
+        <a:effectLst/>
+      </p:bgPr>
+    </p:bg>
+    <p:spTree>
+      <p:nvGrpSpPr>
+        <p:cNvPr id="1" name="">
+          <a:extLst>
+            <a:ext uri="{FF2B5EF4-FFF2-40B4-BE49-F238E27FC236}">
+              <a16:creationId xmlns:a16="http://schemas.microsoft.com/office/drawing/2014/main" id="{3E7874A6-5FA7-8879-63DB-A88886234A0A}"/>
+            </a:ext>
+          </a:extLst>
+        </p:cNvPr>
+        <p:cNvGrpSpPr/>
+        <p:nvPr/>
+      </p:nvGrpSpPr>
+      <p:grpSpPr bwMode="auto">
+        <a:xfrm>
+          <a:off x="0" y="0"/>
+          <a:ext cx="0" cy="0"/>
+          <a:chOff x="0" y="0"/>
+          <a:chExt cx="0" cy="0"/>
+        </a:xfrm>
+      </p:grpSpPr>
+      <p:pic>
+        <p:nvPicPr>
+          <p:cNvPr id="11" name="Picture 10">
+            <a:extLst>
+              <a:ext uri="{FF2B5EF4-FFF2-40B4-BE49-F238E27FC236}">
+                <a16:creationId xmlns:a16="http://schemas.microsoft.com/office/drawing/2014/main" id="{59732AEB-7874-7FC2-EC7B-9A7243BEAE16}"/>
+              </a:ext>
+            </a:extLst>
+          </p:cNvPr>
+          <p:cNvPicPr>
+            <a:picLocks noChangeAspect="1"/>
+          </p:cNvPicPr>
+          <p:nvPr/>
+        </p:nvPicPr>
+        <p:blipFill>
+          <a:blip r:embed="rId3" cstate="print">
+            <a:extLst>
+              <a:ext uri="{28A0092B-C50C-407E-A947-70E740481C1C}">
+                <a14:useLocalDpi xmlns:a14="http://schemas.microsoft.com/office/drawing/2010/main" val="0"/>
+              </a:ext>
+            </a:extLst>
+          </a:blip>
+          <a:stretch>
+            <a:fillRect/>
+          </a:stretch>
+        </p:blipFill>
+        <p:spPr>
+          <a:xfrm rot="5400000">
+            <a:off x="9105191" y="1644623"/>
+            <a:ext cx="2013415" cy="3579404"/>
+          </a:xfrm>
+          <a:prstGeom prst="rect">
+            <a:avLst/>
+          </a:prstGeom>
+        </p:spPr>
+      </p:pic>
+      <p:sp>
+        <p:nvSpPr>
+          <p:cNvPr id="1917826978" name="Title 1">
+            <a:extLst>
+              <a:ext uri="{FF2B5EF4-FFF2-40B4-BE49-F238E27FC236}">
+                <a16:creationId xmlns:a16="http://schemas.microsoft.com/office/drawing/2014/main" id="{A52503AA-E200-06C4-57AD-70BF2C1F9694}"/>
+              </a:ext>
+            </a:extLst>
+          </p:cNvPr>
+          <p:cNvSpPr>
+            <a:spLocks noGrp="1"/>
+          </p:cNvSpPr>
+          <p:nvPr>
+            <p:ph type="title"/>
+          </p:nvPr>
+        </p:nvSpPr>
+        <p:spPr bwMode="auto">
+          <a:xfrm>
+            <a:off x="0" y="1"/>
+            <a:ext cx="6128278" cy="1020050"/>
+          </a:xfrm>
+        </p:spPr>
+        <p:txBody>
+          <a:bodyPr vert="horz" lIns="91440" tIns="45720" rIns="91440" bIns="45720" rtlCol="0" anchor="ctr">
+            <a:normAutofit fontScale="90000"/>
+          </a:bodyPr>
+          <a:lstStyle/>
+          <a:p>
+            <a:r>
+              <a:rPr lang="en-GB" sz="4000" b="1" dirty="0">
+                <a:solidFill>
+                  <a:schemeClr val="accent4"/>
+                </a:solidFill>
+                <a:latin typeface="Calibri" panose="020F0502020204030204" pitchFamily="34" charset="0"/>
+                <a:ea typeface="Calibri" panose="020F0502020204030204" pitchFamily="34" charset="0"/>
+                <a:cs typeface="Calibri" panose="020F0502020204030204" pitchFamily="34" charset="0"/>
+              </a:rPr>
+              <a:t>IR Sensor Calibration Steps</a:t>
+            </a:r>
+            <a:br>
+              <a:rPr lang="en-GB" sz="4000" b="1" dirty="0">
+                <a:solidFill>
+                  <a:schemeClr val="accent4"/>
+                </a:solidFill>
+                <a:latin typeface="Calibri" panose="020F0502020204030204" pitchFamily="34" charset="0"/>
+                <a:ea typeface="Calibri" panose="020F0502020204030204" pitchFamily="34" charset="0"/>
+                <a:cs typeface="Calibri" panose="020F0502020204030204" pitchFamily="34" charset="0"/>
+              </a:rPr>
+            </a:br>
+            <a:r>
+              <a:rPr lang="en-GB" sz="4000" b="1" dirty="0">
+                <a:solidFill>
+                  <a:schemeClr val="accent4"/>
+                </a:solidFill>
+                <a:latin typeface="Calibri" panose="020F0502020204030204" pitchFamily="34" charset="0"/>
+                <a:ea typeface="Calibri" panose="020F0502020204030204" pitchFamily="34" charset="0"/>
+                <a:cs typeface="Calibri" panose="020F0502020204030204" pitchFamily="34" charset="0"/>
+              </a:rPr>
+              <a:t>(Line Following Module)</a:t>
+            </a:r>
+            <a:endParaRPr sz="4000" b="1" dirty="0">
+              <a:solidFill>
+                <a:schemeClr val="accent4"/>
+              </a:solidFill>
+              <a:latin typeface="Calibri" panose="020F0502020204030204" pitchFamily="34" charset="0"/>
+              <a:ea typeface="Calibri" panose="020F0502020204030204" pitchFamily="34" charset="0"/>
+              <a:cs typeface="Calibri" panose="020F0502020204030204" pitchFamily="34" charset="0"/>
+            </a:endParaRPr>
+          </a:p>
+        </p:txBody>
+      </p:sp>
+      <p:pic>
+        <p:nvPicPr>
+          <p:cNvPr id="259882132" name="Picture 1">
+            <a:extLst>
+              <a:ext uri="{FF2B5EF4-FFF2-40B4-BE49-F238E27FC236}">
+                <a16:creationId xmlns:a16="http://schemas.microsoft.com/office/drawing/2014/main" id="{5F93BFB9-B76F-09F9-6D09-213138E24DD6}"/>
+              </a:ext>
+            </a:extLst>
+          </p:cNvPr>
+          <p:cNvPicPr>
+            <a:picLocks noChangeAspect="1"/>
+          </p:cNvPicPr>
+          <p:nvPr/>
+        </p:nvPicPr>
+        <p:blipFill>
+          <a:blip r:embed="rId4"/>
+          <a:stretch/>
+        </p:blipFill>
+        <p:spPr bwMode="auto">
+          <a:xfrm>
+            <a:off x="10080966" y="0"/>
+            <a:ext cx="2100150" cy="566056"/>
+          </a:xfrm>
+          <a:prstGeom prst="rect">
+            <a:avLst/>
+          </a:prstGeom>
+        </p:spPr>
+      </p:pic>
+      <p:sp>
+        <p:nvSpPr>
+          <p:cNvPr id="4" name="TextBox 2">
+            <a:extLst>
+              <a:ext uri="{FF2B5EF4-FFF2-40B4-BE49-F238E27FC236}">
+                <a16:creationId xmlns:a16="http://schemas.microsoft.com/office/drawing/2014/main" id="{18963E91-C148-5865-4998-159D3D62C84B}"/>
+              </a:ext>
+            </a:extLst>
+          </p:cNvPr>
+          <p:cNvSpPr txBox="1"/>
+          <p:nvPr/>
+        </p:nvSpPr>
+        <p:spPr bwMode="auto">
+          <a:xfrm>
+            <a:off x="197707" y="1079280"/>
+            <a:ext cx="7777249" cy="5355312"/>
+          </a:xfrm>
+          <a:prstGeom prst="rect">
+            <a:avLst/>
+          </a:prstGeom>
+          <a:noFill/>
+        </p:spPr>
+        <p:txBody>
+          <a:bodyPr wrap="square" rtlCol="0">
+            <a:spAutoFit/>
+          </a:bodyPr>
+          <a:lstStyle/>
+          <a:p>
+            <a:pPr marL="342900" marR="0" lvl="0" indent="-342900" algn="l" defTabSz="914400">
+              <a:lnSpc>
+                <a:spcPct val="100000"/>
+              </a:lnSpc>
+              <a:spcBef>
+                <a:spcPts val="0"/>
+              </a:spcBef>
+              <a:spcAft>
+                <a:spcPts val="0"/>
+              </a:spcAft>
+              <a:buClrTx/>
+              <a:buSzTx/>
+              <a:buFont typeface="+mj-lt"/>
+              <a:buAutoNum type="arabicPeriod"/>
+              <a:defRPr/>
+            </a:pPr>
+            <a:r>
+              <a:rPr lang="en-GB" b="1" dirty="0">
+                <a:solidFill>
+                  <a:prstClr val="white"/>
+                </a:solidFill>
+                <a:latin typeface="Calibri Light" panose="020F0302020204030204" pitchFamily="34" charset="0"/>
+                <a:ea typeface="Calibri Light" panose="020F0302020204030204" pitchFamily="34" charset="0"/>
+                <a:cs typeface="Calibri Light" panose="020F0302020204030204" pitchFamily="34" charset="0"/>
+              </a:rPr>
+              <a:t>Slide Switch S2 (on Motor Controller Board) to Power ON the ‘Line Following Module’.</a:t>
+            </a:r>
+          </a:p>
+          <a:p>
+            <a:pPr marL="342900" marR="0" lvl="0" indent="-342900" algn="l" defTabSz="914400">
+              <a:lnSpc>
+                <a:spcPct val="100000"/>
+              </a:lnSpc>
+              <a:spcBef>
+                <a:spcPts val="0"/>
+              </a:spcBef>
+              <a:spcAft>
+                <a:spcPts val="0"/>
+              </a:spcAft>
+              <a:buClrTx/>
+              <a:buSzTx/>
+              <a:buFont typeface="+mj-lt"/>
+              <a:buAutoNum type="arabicPeriod"/>
+              <a:defRPr/>
+            </a:pPr>
+            <a:r>
+              <a:rPr lang="en-GB" b="1" dirty="0">
+                <a:solidFill>
+                  <a:prstClr val="white"/>
+                </a:solidFill>
+                <a:latin typeface="Calibri Light" panose="020F0302020204030204" pitchFamily="34" charset="0"/>
+                <a:ea typeface="Calibri Light" panose="020F0302020204030204" pitchFamily="34" charset="0"/>
+                <a:cs typeface="Calibri Light" panose="020F0302020204030204" pitchFamily="34" charset="0"/>
+              </a:rPr>
+              <a:t>‘Power LED’ of ‘Line Following Module’ will be ON </a:t>
+            </a:r>
+          </a:p>
+          <a:p>
+            <a:pPr marL="342900" marR="0" lvl="0" indent="-342900" algn="l" defTabSz="914400">
+              <a:lnSpc>
+                <a:spcPct val="100000"/>
+              </a:lnSpc>
+              <a:spcBef>
+                <a:spcPts val="0"/>
+              </a:spcBef>
+              <a:spcAft>
+                <a:spcPts val="0"/>
+              </a:spcAft>
+              <a:buClrTx/>
+              <a:buSzTx/>
+              <a:buFont typeface="+mj-lt"/>
+              <a:buAutoNum type="arabicPeriod"/>
+              <a:defRPr/>
+            </a:pPr>
+            <a:r>
+              <a:rPr lang="en-GB" b="1" i="0" u="none" strike="noStrike" cap="none" spc="0" dirty="0">
+                <a:ln>
+                  <a:noFill/>
+                </a:ln>
+                <a:solidFill>
+                  <a:prstClr val="white"/>
+                </a:solidFill>
+                <a:latin typeface="Calibri Light" panose="020F0302020204030204" pitchFamily="34" charset="0"/>
+                <a:ea typeface="Calibri Light" panose="020F0302020204030204" pitchFamily="34" charset="0"/>
+                <a:cs typeface="Calibri Light" panose="020F0302020204030204" pitchFamily="34" charset="0"/>
+              </a:rPr>
+              <a:t>Turn all the knobs of  </a:t>
+            </a:r>
+            <a:r>
+              <a:rPr lang="en-GB" b="1" dirty="0">
+                <a:solidFill>
+                  <a:prstClr val="white"/>
+                </a:solidFill>
+                <a:latin typeface="Calibri Light" panose="020F0302020204030204" pitchFamily="34" charset="0"/>
+                <a:ea typeface="Calibri Light" panose="020F0302020204030204" pitchFamily="34" charset="0"/>
+                <a:cs typeface="Calibri Light" panose="020F0302020204030204" pitchFamily="34" charset="0"/>
+              </a:rPr>
+              <a:t>blue potentiometers </a:t>
+            </a:r>
+            <a:r>
+              <a:rPr lang="en-GB" b="1" i="0" u="none" strike="noStrike" cap="none" spc="0" dirty="0">
+                <a:ln>
+                  <a:noFill/>
+                </a:ln>
+                <a:solidFill>
+                  <a:prstClr val="white"/>
+                </a:solidFill>
+                <a:latin typeface="Calibri Light" panose="020F0302020204030204" pitchFamily="34" charset="0"/>
+                <a:ea typeface="Calibri Light" panose="020F0302020204030204" pitchFamily="34" charset="0"/>
+                <a:cs typeface="Calibri Light" panose="020F0302020204030204" pitchFamily="34" charset="0"/>
+              </a:rPr>
+              <a:t>‘clockwise/anticlockwise’ fully</a:t>
+            </a:r>
+            <a:r>
+              <a:rPr lang="en-GB" b="1" dirty="0">
+                <a:solidFill>
+                  <a:prstClr val="white"/>
+                </a:solidFill>
+                <a:latin typeface="Calibri Light" panose="020F0302020204030204" pitchFamily="34" charset="0"/>
+                <a:ea typeface="Calibri Light" panose="020F0302020204030204" pitchFamily="34" charset="0"/>
+                <a:cs typeface="Calibri Light" panose="020F0302020204030204" pitchFamily="34" charset="0"/>
+              </a:rPr>
+              <a:t> (it doesn’t matter which direction you choose</a:t>
+            </a:r>
+            <a:r>
+              <a:rPr lang="en-GB" b="1" i="0" u="none" strike="noStrike" cap="none" spc="0" dirty="0">
+                <a:ln>
+                  <a:noFill/>
+                </a:ln>
+                <a:solidFill>
+                  <a:prstClr val="white"/>
+                </a:solidFill>
+                <a:latin typeface="Calibri Light" panose="020F0302020204030204" pitchFamily="34" charset="0"/>
+                <a:ea typeface="Calibri Light" panose="020F0302020204030204" pitchFamily="34" charset="0"/>
+                <a:cs typeface="Calibri Light" panose="020F0302020204030204" pitchFamily="34" charset="0"/>
+              </a:rPr>
+              <a:t>) . </a:t>
+            </a:r>
+          </a:p>
+          <a:p>
+            <a:pPr marL="342900" marR="0" lvl="0" indent="-342900" algn="l" defTabSz="914400">
+              <a:lnSpc>
+                <a:spcPct val="100000"/>
+              </a:lnSpc>
+              <a:spcBef>
+                <a:spcPts val="0"/>
+              </a:spcBef>
+              <a:spcAft>
+                <a:spcPts val="0"/>
+              </a:spcAft>
+              <a:buClrTx/>
+              <a:buSzTx/>
+              <a:buFont typeface="+mj-lt"/>
+              <a:buAutoNum type="arabicPeriod"/>
+              <a:defRPr/>
+            </a:pPr>
+            <a:r>
+              <a:rPr lang="en-GB" b="1" dirty="0">
+                <a:solidFill>
+                  <a:prstClr val="white"/>
+                </a:solidFill>
+                <a:latin typeface="Calibri Light" panose="020F0302020204030204" pitchFamily="34" charset="0"/>
+                <a:ea typeface="Calibri Light" panose="020F0302020204030204" pitchFamily="34" charset="0"/>
+                <a:cs typeface="Calibri Light" panose="020F0302020204030204" pitchFamily="34" charset="0"/>
+              </a:rPr>
+              <a:t>All the LEDs (L, C1, C2, R)  will be OFF/ON (same state)</a:t>
+            </a:r>
+          </a:p>
+          <a:p>
+            <a:pPr marL="342900" marR="0" lvl="0" indent="-342900" algn="l" defTabSz="914400">
+              <a:lnSpc>
+                <a:spcPct val="100000"/>
+              </a:lnSpc>
+              <a:spcBef>
+                <a:spcPts val="0"/>
+              </a:spcBef>
+              <a:spcAft>
+                <a:spcPts val="0"/>
+              </a:spcAft>
+              <a:buClrTx/>
+              <a:buSzTx/>
+              <a:buFont typeface="+mj-lt"/>
+              <a:buAutoNum type="arabicPeriod"/>
+              <a:defRPr/>
+            </a:pPr>
+            <a:r>
+              <a:rPr lang="en-GB" b="1" dirty="0">
+                <a:solidFill>
+                  <a:prstClr val="white"/>
+                </a:solidFill>
+                <a:latin typeface="Calibri Light" panose="020F0302020204030204" pitchFamily="34" charset="0"/>
+                <a:ea typeface="Calibri Light" panose="020F0302020204030204" pitchFamily="34" charset="0"/>
+                <a:cs typeface="Calibri Light" panose="020F0302020204030204" pitchFamily="34" charset="0"/>
+              </a:rPr>
+              <a:t>All four IR modules (Left, Centre Left, Centre Right, Right)                                                                                                        have to be individually calibrated. </a:t>
+            </a:r>
+          </a:p>
+          <a:p>
+            <a:pPr marL="342900" marR="0" lvl="0" indent="-342900" algn="l" defTabSz="914400">
+              <a:lnSpc>
+                <a:spcPct val="100000"/>
+              </a:lnSpc>
+              <a:spcBef>
+                <a:spcPts val="0"/>
+              </a:spcBef>
+              <a:spcAft>
+                <a:spcPts val="0"/>
+              </a:spcAft>
+              <a:buClrTx/>
+              <a:buSzTx/>
+              <a:buFont typeface="+mj-lt"/>
+              <a:buAutoNum type="arabicPeriod"/>
+              <a:defRPr/>
+            </a:pPr>
+            <a:r>
+              <a:rPr lang="en-GB" b="1" dirty="0">
+                <a:solidFill>
+                  <a:prstClr val="white"/>
+                </a:solidFill>
+                <a:latin typeface="Calibri Light" panose="020F0302020204030204" pitchFamily="34" charset="0"/>
+                <a:ea typeface="Calibri Light" panose="020F0302020204030204" pitchFamily="34" charset="0"/>
+                <a:cs typeface="Calibri Light" panose="020F0302020204030204" pitchFamily="34" charset="0"/>
+              </a:rPr>
+              <a:t>For basic line following, calibration of only the centre right and centre left are enough. For advanced line following you can choose to calibrate all 4 IR sensors.</a:t>
+            </a:r>
+          </a:p>
+          <a:p>
+            <a:pPr marL="342900" marR="0" lvl="0" indent="-342900" algn="l" defTabSz="914400">
+              <a:lnSpc>
+                <a:spcPct val="100000"/>
+              </a:lnSpc>
+              <a:spcBef>
+                <a:spcPts val="0"/>
+              </a:spcBef>
+              <a:spcAft>
+                <a:spcPts val="0"/>
+              </a:spcAft>
+              <a:buClrTx/>
+              <a:buSzTx/>
+              <a:buFont typeface="+mj-lt"/>
+              <a:buAutoNum type="arabicPeriod"/>
+              <a:defRPr/>
+            </a:pPr>
+            <a:r>
+              <a:rPr lang="en-GB" b="1" dirty="0">
+                <a:solidFill>
+                  <a:prstClr val="white"/>
+                </a:solidFill>
+                <a:latin typeface="Calibri Light" panose="020F0302020204030204" pitchFamily="34" charset="0"/>
+                <a:ea typeface="Calibri Light" panose="020F0302020204030204" pitchFamily="34" charset="0"/>
+                <a:cs typeface="Calibri Light" panose="020F0302020204030204" pitchFamily="34" charset="0"/>
+              </a:rPr>
+              <a:t>To calibrate one IR Module (For example: Centre Right IR Module),  keep the IR LEDs (particularly black one) of that module on the black line and turn the appropriate blue knob until the C2 LED is </a:t>
+            </a:r>
+            <a:r>
+              <a:rPr lang="en-GB" b="1" dirty="0">
+                <a:solidFill>
+                  <a:schemeClr val="accent5"/>
+                </a:solidFill>
+                <a:latin typeface="Calibri Light" panose="020F0302020204030204" pitchFamily="34" charset="0"/>
+                <a:ea typeface="Calibri Light" panose="020F0302020204030204" pitchFamily="34" charset="0"/>
+                <a:cs typeface="Calibri Light" panose="020F0302020204030204" pitchFamily="34" charset="0"/>
+              </a:rPr>
+              <a:t>“just”</a:t>
+            </a:r>
+            <a:r>
+              <a:rPr lang="en-GB" b="1" dirty="0">
+                <a:solidFill>
+                  <a:srgbClr val="FF0000"/>
+                </a:solidFill>
+                <a:latin typeface="Calibri Light" panose="020F0302020204030204" pitchFamily="34" charset="0"/>
+                <a:ea typeface="Calibri Light" panose="020F0302020204030204" pitchFamily="34" charset="0"/>
+                <a:cs typeface="Calibri Light" panose="020F0302020204030204" pitchFamily="34" charset="0"/>
+              </a:rPr>
+              <a:t> </a:t>
+            </a:r>
+            <a:r>
+              <a:rPr lang="en-GB" b="1" dirty="0">
+                <a:solidFill>
+                  <a:prstClr val="white"/>
+                </a:solidFill>
+                <a:latin typeface="Calibri Light" panose="020F0302020204030204" pitchFamily="34" charset="0"/>
+                <a:ea typeface="Calibri Light" panose="020F0302020204030204" pitchFamily="34" charset="0"/>
+                <a:cs typeface="Calibri Light" panose="020F0302020204030204" pitchFamily="34" charset="0"/>
+              </a:rPr>
+              <a:t>OFF.</a:t>
+            </a:r>
+          </a:p>
+          <a:p>
+            <a:pPr marL="342900" marR="0" lvl="0" indent="-342900" algn="l" defTabSz="914400">
+              <a:lnSpc>
+                <a:spcPct val="100000"/>
+              </a:lnSpc>
+              <a:spcBef>
+                <a:spcPts val="0"/>
+              </a:spcBef>
+              <a:spcAft>
+                <a:spcPts val="0"/>
+              </a:spcAft>
+              <a:buClrTx/>
+              <a:buSzTx/>
+              <a:buFont typeface="+mj-lt"/>
+              <a:buAutoNum type="arabicPeriod"/>
+              <a:defRPr/>
+            </a:pPr>
+            <a:r>
+              <a:rPr lang="en-GB" b="1" dirty="0">
+                <a:solidFill>
+                  <a:prstClr val="white"/>
+                </a:solidFill>
+                <a:latin typeface="Calibri Light" panose="020F0302020204030204" pitchFamily="34" charset="0"/>
+                <a:ea typeface="Calibri Light" panose="020F0302020204030204" pitchFamily="34" charset="0"/>
+                <a:cs typeface="Calibri Light" panose="020F0302020204030204" pitchFamily="34" charset="0"/>
+              </a:rPr>
+              <a:t>Move the IR Module away from the line. C2 LED will be ON. Now Centre Right IR module is calibrated.</a:t>
+            </a:r>
+          </a:p>
+          <a:p>
+            <a:pPr marL="342900" marR="0" lvl="0" indent="-342900" algn="l" defTabSz="914400">
+              <a:lnSpc>
+                <a:spcPct val="100000"/>
+              </a:lnSpc>
+              <a:spcBef>
+                <a:spcPts val="0"/>
+              </a:spcBef>
+              <a:spcAft>
+                <a:spcPts val="0"/>
+              </a:spcAft>
+              <a:buClrTx/>
+              <a:buSzTx/>
+              <a:buFont typeface="+mj-lt"/>
+              <a:buAutoNum type="arabicPeriod"/>
+              <a:defRPr/>
+            </a:pPr>
+            <a:r>
+              <a:rPr lang="en-GB" b="1" dirty="0">
+                <a:solidFill>
+                  <a:prstClr val="white"/>
+                </a:solidFill>
+                <a:latin typeface="Calibri Light" panose="020F0302020204030204" pitchFamily="34" charset="0"/>
+                <a:ea typeface="Calibri Light" panose="020F0302020204030204" pitchFamily="34" charset="0"/>
+                <a:cs typeface="Calibri Light" panose="020F0302020204030204" pitchFamily="34" charset="0"/>
+              </a:rPr>
+              <a:t>Repeat the above steps to all the other IR modules to calibrate to required distance. </a:t>
+            </a:r>
+          </a:p>
+          <a:p>
+            <a:pPr marR="0" lvl="0" algn="l" defTabSz="914400">
+              <a:lnSpc>
+                <a:spcPct val="100000"/>
+              </a:lnSpc>
+              <a:spcBef>
+                <a:spcPts val="0"/>
+              </a:spcBef>
+              <a:spcAft>
+                <a:spcPts val="0"/>
+              </a:spcAft>
+              <a:buClrTx/>
+              <a:buSzTx/>
+              <a:defRPr/>
+            </a:pPr>
+            <a:endParaRPr lang="en-GB" b="1" dirty="0">
+              <a:solidFill>
+                <a:prstClr val="white"/>
+              </a:solidFill>
+              <a:latin typeface="Calibri Light" panose="020F0302020204030204" pitchFamily="34" charset="0"/>
+              <a:ea typeface="Calibri Light" panose="020F0302020204030204" pitchFamily="34" charset="0"/>
+              <a:cs typeface="Calibri Light" panose="020F0302020204030204" pitchFamily="34" charset="0"/>
+            </a:endParaRPr>
+          </a:p>
+          <a:p>
+            <a:pPr marL="342900" marR="0" lvl="0" indent="-342900" algn="l" defTabSz="914400">
+              <a:lnSpc>
+                <a:spcPct val="100000"/>
+              </a:lnSpc>
+              <a:spcBef>
+                <a:spcPts val="0"/>
+              </a:spcBef>
+              <a:spcAft>
+                <a:spcPts val="0"/>
+              </a:spcAft>
+              <a:buClrTx/>
+              <a:buSzTx/>
+              <a:buFont typeface="+mj-lt"/>
+              <a:buAutoNum type="arabicPeriod"/>
+              <a:defRPr/>
+            </a:pPr>
+            <a:endParaRPr lang="en-GB" b="1" i="0" u="none" strike="noStrike" cap="none" spc="0" dirty="0">
+              <a:ln>
+                <a:noFill/>
+              </a:ln>
+              <a:solidFill>
+                <a:prstClr val="white"/>
+              </a:solidFill>
+              <a:latin typeface="Calibri Light" panose="020F0302020204030204" pitchFamily="34" charset="0"/>
+              <a:ea typeface="Calibri Light" panose="020F0302020204030204" pitchFamily="34" charset="0"/>
+              <a:cs typeface="Calibri Light" panose="020F0302020204030204" pitchFamily="34" charset="0"/>
+            </a:endParaRPr>
+          </a:p>
+        </p:txBody>
+      </p:sp>
+      <p:sp>
+        <p:nvSpPr>
+          <p:cNvPr id="13" name="TextBox 12">
+            <a:extLst>
+              <a:ext uri="{FF2B5EF4-FFF2-40B4-BE49-F238E27FC236}">
+                <a16:creationId xmlns:a16="http://schemas.microsoft.com/office/drawing/2014/main" id="{5BC37BE9-0516-CDFB-82CA-928D7BE0253D}"/>
+              </a:ext>
+            </a:extLst>
+          </p:cNvPr>
+          <p:cNvSpPr txBox="1"/>
+          <p:nvPr/>
+        </p:nvSpPr>
+        <p:spPr bwMode="auto">
+          <a:xfrm>
+            <a:off x="7392710" y="835385"/>
+            <a:ext cx="1308371" cy="369332"/>
+          </a:xfrm>
+          <a:prstGeom prst="rect">
+            <a:avLst/>
+          </a:prstGeom>
+          <a:noFill/>
+        </p:spPr>
+        <p:txBody>
+          <a:bodyPr wrap="none" rtlCol="0">
+            <a:spAutoFit/>
+          </a:bodyPr>
+          <a:lstStyle/>
+          <a:p>
+            <a:r>
+              <a:rPr lang="en-GB" b="1" dirty="0">
+                <a:solidFill>
+                  <a:schemeClr val="accent3">
+                    <a:lumMod val="25000"/>
+                    <a:lumOff val="75000"/>
+                  </a:schemeClr>
+                </a:solidFill>
+              </a:rPr>
+              <a:t>Power LED</a:t>
+            </a:r>
+          </a:p>
+        </p:txBody>
+      </p:sp>
+      <p:sp>
+        <p:nvSpPr>
+          <p:cNvPr id="19" name="Date Placeholder 18">
+            <a:extLst>
+              <a:ext uri="{FF2B5EF4-FFF2-40B4-BE49-F238E27FC236}">
+                <a16:creationId xmlns:a16="http://schemas.microsoft.com/office/drawing/2014/main" id="{EC3364B0-5D28-B421-5BD8-FF96FAAC2927}"/>
+              </a:ext>
+            </a:extLst>
+          </p:cNvPr>
+          <p:cNvSpPr>
+            <a:spLocks noGrp="1"/>
+          </p:cNvSpPr>
+          <p:nvPr>
+            <p:ph type="dt" sz="half" idx="10"/>
+          </p:nvPr>
+        </p:nvSpPr>
+        <p:spPr/>
+        <p:txBody>
+          <a:bodyPr/>
+          <a:lstStyle/>
+          <a:p>
+            <a:pPr>
+              <a:defRPr/>
+            </a:pPr>
+            <a:r>
+              <a:rPr lang="en-GB" dirty="0"/>
+              <a:t>07/12/2025</a:t>
+            </a:r>
+          </a:p>
+        </p:txBody>
+      </p:sp>
+      <p:sp>
+        <p:nvSpPr>
+          <p:cNvPr id="20" name="Slide Number Placeholder 19">
+            <a:extLst>
+              <a:ext uri="{FF2B5EF4-FFF2-40B4-BE49-F238E27FC236}">
+                <a16:creationId xmlns:a16="http://schemas.microsoft.com/office/drawing/2014/main" id="{D311BF45-E264-8F37-969E-F350FFF56932}"/>
+              </a:ext>
+            </a:extLst>
+          </p:cNvPr>
+          <p:cNvSpPr>
+            <a:spLocks noGrp="1"/>
+          </p:cNvSpPr>
+          <p:nvPr>
+            <p:ph type="sldNum" sz="quarter" idx="12"/>
+          </p:nvPr>
+        </p:nvSpPr>
+        <p:spPr/>
+        <p:txBody>
+          <a:bodyPr/>
+          <a:lstStyle/>
+          <a:p>
+            <a:pPr>
+              <a:defRPr/>
+            </a:pPr>
+            <a:fld id="{23CA24EA-A87A-4979-940E-A83EA2C27DA6}" type="slidenum">
+              <a:rPr lang="en-GB" smtClean="0"/>
+              <a:t>17</a:t>
+            </a:fld>
+            <a:endParaRPr lang="en-GB"/>
+          </a:p>
+        </p:txBody>
+      </p:sp>
+      <p:pic>
+        <p:nvPicPr>
+          <p:cNvPr id="3" name="Picture 2">
+            <a:extLst>
+              <a:ext uri="{FF2B5EF4-FFF2-40B4-BE49-F238E27FC236}">
+                <a16:creationId xmlns:a16="http://schemas.microsoft.com/office/drawing/2014/main" id="{24EC017E-A23E-8BC4-1DDD-AC500AC94D1D}"/>
+              </a:ext>
+            </a:extLst>
+          </p:cNvPr>
+          <p:cNvPicPr>
+            <a:picLocks noChangeAspect="1"/>
+          </p:cNvPicPr>
+          <p:nvPr/>
+        </p:nvPicPr>
+        <p:blipFill>
+          <a:blip r:embed="rId5" cstate="print">
+            <a:extLst>
+              <a:ext uri="{28A0092B-C50C-407E-A947-70E740481C1C}">
+                <a14:useLocalDpi xmlns:a14="http://schemas.microsoft.com/office/drawing/2010/main" val="0"/>
+              </a:ext>
+            </a:extLst>
+          </a:blip>
+          <a:stretch>
+            <a:fillRect/>
+          </a:stretch>
+        </p:blipFill>
+        <p:spPr>
+          <a:xfrm rot="16200000">
+            <a:off x="9010428" y="-188980"/>
+            <a:ext cx="2141075" cy="2879508"/>
+          </a:xfrm>
+          <a:prstGeom prst="rect">
+            <a:avLst/>
+          </a:prstGeom>
+        </p:spPr>
+      </p:pic>
+      <p:cxnSp>
+        <p:nvCxnSpPr>
+          <p:cNvPr id="12" name="Straight Arrow Connector 11">
+            <a:extLst>
+              <a:ext uri="{FF2B5EF4-FFF2-40B4-BE49-F238E27FC236}">
+                <a16:creationId xmlns:a16="http://schemas.microsoft.com/office/drawing/2014/main" id="{AEE3F796-85FE-0C0F-1D5E-9821156BC13E}"/>
+              </a:ext>
+            </a:extLst>
+          </p:cNvPr>
+          <p:cNvCxnSpPr/>
+          <p:nvPr/>
+        </p:nvCxnSpPr>
+        <p:spPr bwMode="auto">
+          <a:xfrm flipH="1">
+            <a:off x="7791721" y="1192899"/>
+            <a:ext cx="1302777" cy="0"/>
+          </a:xfrm>
+          <a:prstGeom prst="straightConnector1">
+            <a:avLst/>
+          </a:prstGeom>
+          <a:ln w="28575">
+            <a:solidFill>
+              <a:schemeClr val="accent4">
+                <a:lumMod val="75000"/>
+              </a:schemeClr>
+            </a:solidFill>
+            <a:tailEnd type="triangle"/>
+          </a:ln>
+        </p:spPr>
+        <p:style>
+          <a:lnRef idx="2">
+            <a:schemeClr val="accent1"/>
+          </a:lnRef>
+          <a:fillRef idx="0">
+            <a:schemeClr val="accent1"/>
+          </a:fillRef>
+          <a:effectRef idx="1">
+            <a:schemeClr val="accent1"/>
+          </a:effectRef>
+          <a:fontRef idx="minor">
+            <a:schemeClr val="tx1"/>
+          </a:fontRef>
+        </p:style>
+      </p:cxnSp>
+      <p:pic>
+        <p:nvPicPr>
+          <p:cNvPr id="16" name="Picture 15">
+            <a:extLst>
+              <a:ext uri="{FF2B5EF4-FFF2-40B4-BE49-F238E27FC236}">
+                <a16:creationId xmlns:a16="http://schemas.microsoft.com/office/drawing/2014/main" id="{1B0979F0-24A2-597A-D825-9286A884691B}"/>
+              </a:ext>
+            </a:extLst>
+          </p:cNvPr>
+          <p:cNvPicPr>
+            <a:picLocks noChangeAspect="1"/>
+          </p:cNvPicPr>
+          <p:nvPr/>
+        </p:nvPicPr>
+        <p:blipFill>
+          <a:blip r:embed="rId6" cstate="print">
+            <a:extLst>
+              <a:ext uri="{28A0092B-C50C-407E-A947-70E740481C1C}">
+                <a14:useLocalDpi xmlns:a14="http://schemas.microsoft.com/office/drawing/2010/main" val="0"/>
+              </a:ext>
+            </a:extLst>
+          </a:blip>
+          <a:stretch>
+            <a:fillRect/>
+          </a:stretch>
+        </p:blipFill>
+        <p:spPr>
+          <a:xfrm rot="5400000">
+            <a:off x="9105191" y="3925065"/>
+            <a:ext cx="2013415" cy="3579405"/>
+          </a:xfrm>
+          <a:prstGeom prst="rect">
+            <a:avLst/>
+          </a:prstGeom>
+        </p:spPr>
+      </p:pic>
+      <p:sp>
+        <p:nvSpPr>
+          <p:cNvPr id="22" name="Freeform: Shape 21">
+            <a:extLst>
+              <a:ext uri="{FF2B5EF4-FFF2-40B4-BE49-F238E27FC236}">
+                <a16:creationId xmlns:a16="http://schemas.microsoft.com/office/drawing/2014/main" id="{CD1672CF-9B47-9E06-710D-32FD8D6CB765}"/>
+              </a:ext>
+            </a:extLst>
+          </p:cNvPr>
+          <p:cNvSpPr/>
+          <p:nvPr/>
+        </p:nvSpPr>
+        <p:spPr>
+          <a:xfrm>
+            <a:off x="9282896" y="4838992"/>
+            <a:ext cx="482943" cy="589536"/>
+          </a:xfrm>
+          <a:custGeom>
+            <a:avLst/>
+            <a:gdLst>
+              <a:gd name="connsiteX0" fmla="*/ 232187 w 371092"/>
+              <a:gd name="connsiteY0" fmla="*/ 23724 h 614033"/>
+              <a:gd name="connsiteX1" fmla="*/ 93290 w 371092"/>
+              <a:gd name="connsiteY1" fmla="*/ 70023 h 614033"/>
+              <a:gd name="connsiteX2" fmla="*/ 58566 w 371092"/>
+              <a:gd name="connsiteY2" fmla="*/ 139471 h 614033"/>
+              <a:gd name="connsiteX3" fmla="*/ 35417 w 371092"/>
+              <a:gd name="connsiteY3" fmla="*/ 162621 h 614033"/>
+              <a:gd name="connsiteX4" fmla="*/ 693 w 371092"/>
+              <a:gd name="connsiteY4" fmla="*/ 313091 h 614033"/>
+              <a:gd name="connsiteX5" fmla="*/ 12268 w 371092"/>
+              <a:gd name="connsiteY5" fmla="*/ 521436 h 614033"/>
+              <a:gd name="connsiteX6" fmla="*/ 70141 w 371092"/>
+              <a:gd name="connsiteY6" fmla="*/ 602459 h 614033"/>
+              <a:gd name="connsiteX7" fmla="*/ 128014 w 371092"/>
+              <a:gd name="connsiteY7" fmla="*/ 614033 h 614033"/>
+              <a:gd name="connsiteX8" fmla="*/ 232187 w 371092"/>
+              <a:gd name="connsiteY8" fmla="*/ 602459 h 614033"/>
+              <a:gd name="connsiteX9" fmla="*/ 278485 w 371092"/>
+              <a:gd name="connsiteY9" fmla="*/ 579309 h 614033"/>
+              <a:gd name="connsiteX10" fmla="*/ 324784 w 371092"/>
+              <a:gd name="connsiteY10" fmla="*/ 567734 h 614033"/>
+              <a:gd name="connsiteX11" fmla="*/ 371083 w 371092"/>
+              <a:gd name="connsiteY11" fmla="*/ 417264 h 614033"/>
+              <a:gd name="connsiteX12" fmla="*/ 359508 w 371092"/>
+              <a:gd name="connsiteY12" fmla="*/ 127897 h 614033"/>
+              <a:gd name="connsiteX13" fmla="*/ 336359 w 371092"/>
+              <a:gd name="connsiteY13" fmla="*/ 93172 h 614033"/>
+              <a:gd name="connsiteX14" fmla="*/ 324784 w 371092"/>
+              <a:gd name="connsiteY14" fmla="*/ 58448 h 614033"/>
+              <a:gd name="connsiteX15" fmla="*/ 243761 w 371092"/>
+              <a:gd name="connsiteY15" fmla="*/ 575 h 614033"/>
+              <a:gd name="connsiteX16" fmla="*/ 232187 w 371092"/>
+              <a:gd name="connsiteY16" fmla="*/ 23724 h 614033"/>
+            </a:gdLst>
+            <a:ahLst/>
+            <a:cxnLst>
+              <a:cxn ang="0">
+                <a:pos x="connsiteX0" y="connsiteY0"/>
+              </a:cxn>
+              <a:cxn ang="0">
+                <a:pos x="connsiteX1" y="connsiteY1"/>
+              </a:cxn>
+              <a:cxn ang="0">
+                <a:pos x="connsiteX2" y="connsiteY2"/>
+              </a:cxn>
+              <a:cxn ang="0">
+                <a:pos x="connsiteX3" y="connsiteY3"/>
+              </a:cxn>
+              <a:cxn ang="0">
+                <a:pos x="connsiteX4" y="connsiteY4"/>
+              </a:cxn>
+              <a:cxn ang="0">
+                <a:pos x="connsiteX5" y="connsiteY5"/>
+              </a:cxn>
+              <a:cxn ang="0">
+                <a:pos x="connsiteX6" y="connsiteY6"/>
+              </a:cxn>
+              <a:cxn ang="0">
+                <a:pos x="connsiteX7" y="connsiteY7"/>
+              </a:cxn>
+              <a:cxn ang="0">
+                <a:pos x="connsiteX8" y="connsiteY8"/>
+              </a:cxn>
+              <a:cxn ang="0">
+                <a:pos x="connsiteX9" y="connsiteY9"/>
+              </a:cxn>
+              <a:cxn ang="0">
+                <a:pos x="connsiteX10" y="connsiteY10"/>
+              </a:cxn>
+              <a:cxn ang="0">
+                <a:pos x="connsiteX11" y="connsiteY11"/>
+              </a:cxn>
+              <a:cxn ang="0">
+                <a:pos x="connsiteX12" y="connsiteY12"/>
+              </a:cxn>
+              <a:cxn ang="0">
+                <a:pos x="connsiteX13" y="connsiteY13"/>
+              </a:cxn>
+              <a:cxn ang="0">
+                <a:pos x="connsiteX14" y="connsiteY14"/>
+              </a:cxn>
+              <a:cxn ang="0">
+                <a:pos x="connsiteX15" y="connsiteY15"/>
+              </a:cxn>
+              <a:cxn ang="0">
+                <a:pos x="connsiteX16" y="connsiteY16"/>
+              </a:cxn>
+            </a:cxnLst>
+            <a:rect l="l" t="t" r="r" b="b"/>
+            <a:pathLst>
+              <a:path w="371092" h="614033">
+                <a:moveTo>
+                  <a:pt x="232187" y="23724"/>
+                </a:moveTo>
+                <a:cubicBezTo>
+                  <a:pt x="207108" y="35299"/>
+                  <a:pt x="125327" y="43326"/>
+                  <a:pt x="93290" y="70023"/>
+                </a:cubicBezTo>
+                <a:cubicBezTo>
+                  <a:pt x="58169" y="99290"/>
+                  <a:pt x="79105" y="105239"/>
+                  <a:pt x="58566" y="139471"/>
+                </a:cubicBezTo>
+                <a:cubicBezTo>
+                  <a:pt x="52951" y="148829"/>
+                  <a:pt x="43133" y="154904"/>
+                  <a:pt x="35417" y="162621"/>
+                </a:cubicBezTo>
+                <a:cubicBezTo>
+                  <a:pt x="26851" y="196882"/>
+                  <a:pt x="1271" y="297471"/>
+                  <a:pt x="693" y="313091"/>
+                </a:cubicBezTo>
+                <a:cubicBezTo>
+                  <a:pt x="-1881" y="382599"/>
+                  <a:pt x="2870" y="452518"/>
+                  <a:pt x="12268" y="521436"/>
+                </a:cubicBezTo>
+                <a:cubicBezTo>
+                  <a:pt x="15337" y="543943"/>
+                  <a:pt x="49212" y="591994"/>
+                  <a:pt x="70141" y="602459"/>
+                </a:cubicBezTo>
+                <a:cubicBezTo>
+                  <a:pt x="87737" y="611257"/>
+                  <a:pt x="108723" y="610175"/>
+                  <a:pt x="128014" y="614033"/>
+                </a:cubicBezTo>
+                <a:cubicBezTo>
+                  <a:pt x="162738" y="610175"/>
+                  <a:pt x="198144" y="610315"/>
+                  <a:pt x="232187" y="602459"/>
+                </a:cubicBezTo>
+                <a:cubicBezTo>
+                  <a:pt x="249000" y="598579"/>
+                  <a:pt x="262329" y="585368"/>
+                  <a:pt x="278485" y="579309"/>
+                </a:cubicBezTo>
+                <a:cubicBezTo>
+                  <a:pt x="293380" y="573723"/>
+                  <a:pt x="309351" y="571592"/>
+                  <a:pt x="324784" y="567734"/>
+                </a:cubicBezTo>
+                <a:cubicBezTo>
+                  <a:pt x="372903" y="503576"/>
+                  <a:pt x="371083" y="522335"/>
+                  <a:pt x="371083" y="417264"/>
+                </a:cubicBezTo>
+                <a:cubicBezTo>
+                  <a:pt x="371083" y="320731"/>
+                  <a:pt x="369792" y="223880"/>
+                  <a:pt x="359508" y="127897"/>
+                </a:cubicBezTo>
+                <a:cubicBezTo>
+                  <a:pt x="358026" y="114065"/>
+                  <a:pt x="342580" y="105615"/>
+                  <a:pt x="336359" y="93172"/>
+                </a:cubicBezTo>
+                <a:cubicBezTo>
+                  <a:pt x="330903" y="82259"/>
+                  <a:pt x="331552" y="68600"/>
+                  <a:pt x="324784" y="58448"/>
+                </a:cubicBezTo>
+                <a:cubicBezTo>
+                  <a:pt x="308191" y="33559"/>
+                  <a:pt x="272728" y="7817"/>
+                  <a:pt x="243761" y="575"/>
+                </a:cubicBezTo>
+                <a:cubicBezTo>
+                  <a:pt x="228789" y="-3168"/>
+                  <a:pt x="257266" y="12149"/>
+                  <a:pt x="232187" y="23724"/>
+                </a:cubicBezTo>
+                <a:close/>
+              </a:path>
+            </a:pathLst>
+          </a:custGeom>
+          <a:noFill/>
+          <a:ln>
+            <a:solidFill>
+              <a:srgbClr val="FF0000"/>
+            </a:solidFill>
+          </a:ln>
+        </p:spPr>
+        <p:style>
+          <a:lnRef idx="2">
+            <a:schemeClr val="accent1">
+              <a:shade val="15000"/>
+            </a:schemeClr>
+          </a:lnRef>
+          <a:fillRef idx="1">
+            <a:schemeClr val="accent1"/>
+          </a:fillRef>
+          <a:effectRef idx="0">
+            <a:schemeClr val="accent1"/>
+          </a:effectRef>
+          <a:fontRef idx="minor">
+            <a:schemeClr val="lt1"/>
+          </a:fontRef>
+        </p:style>
+        <p:txBody>
+          <a:bodyPr rtlCol="0" anchor="ctr"/>
+          <a:lstStyle/>
+          <a:p>
+            <a:pPr algn="ctr"/>
+            <a:endParaRPr lang="en-GB">
+              <a:ln>
+                <a:solidFill>
+                  <a:srgbClr val="FF0000"/>
+                </a:solidFill>
+              </a:ln>
+              <a:solidFill>
+                <a:srgbClr val="FF0000"/>
+              </a:solidFill>
+            </a:endParaRPr>
+          </a:p>
+        </p:txBody>
+      </p:sp>
+      <p:sp>
+        <p:nvSpPr>
+          <p:cNvPr id="23" name="TextBox 22">
+            <a:extLst>
+              <a:ext uri="{FF2B5EF4-FFF2-40B4-BE49-F238E27FC236}">
+                <a16:creationId xmlns:a16="http://schemas.microsoft.com/office/drawing/2014/main" id="{E098B946-59F1-837F-93AA-139AECEED09C}"/>
+              </a:ext>
+            </a:extLst>
+          </p:cNvPr>
+          <p:cNvSpPr txBox="1"/>
+          <p:nvPr/>
+        </p:nvSpPr>
+        <p:spPr>
+          <a:xfrm>
+            <a:off x="8219953" y="2987840"/>
+            <a:ext cx="1400538" cy="923330"/>
+          </a:xfrm>
+          <a:prstGeom prst="rect">
+            <a:avLst/>
+          </a:prstGeom>
+          <a:noFill/>
+        </p:spPr>
+        <p:txBody>
+          <a:bodyPr wrap="square" rtlCol="0">
+            <a:spAutoFit/>
+          </a:bodyPr>
+          <a:lstStyle/>
+          <a:p>
+            <a:r>
+              <a:rPr lang="en-GB" dirty="0">
+                <a:solidFill>
+                  <a:schemeClr val="bg1"/>
+                </a:solidFill>
+              </a:rPr>
+              <a:t>Both LEDs on the Black Line</a:t>
+            </a:r>
+          </a:p>
+        </p:txBody>
+      </p:sp>
+      <p:sp>
+        <p:nvSpPr>
+          <p:cNvPr id="24" name="Freeform: Shape 23">
+            <a:extLst>
+              <a:ext uri="{FF2B5EF4-FFF2-40B4-BE49-F238E27FC236}">
+                <a16:creationId xmlns:a16="http://schemas.microsoft.com/office/drawing/2014/main" id="{DA75C13B-0403-BDBA-A25F-ECE5AC9FCAFA}"/>
+              </a:ext>
+            </a:extLst>
+          </p:cNvPr>
+          <p:cNvSpPr/>
+          <p:nvPr/>
+        </p:nvSpPr>
+        <p:spPr>
+          <a:xfrm>
+            <a:off x="9051403" y="3333509"/>
+            <a:ext cx="649302" cy="544010"/>
+          </a:xfrm>
+          <a:custGeom>
+            <a:avLst/>
+            <a:gdLst>
+              <a:gd name="connsiteX0" fmla="*/ 0 w 649302"/>
+              <a:gd name="connsiteY0" fmla="*/ 509286 h 544010"/>
+              <a:gd name="connsiteX1" fmla="*/ 81022 w 649302"/>
+              <a:gd name="connsiteY1" fmla="*/ 520861 h 544010"/>
+              <a:gd name="connsiteX2" fmla="*/ 127321 w 649302"/>
+              <a:gd name="connsiteY2" fmla="*/ 532435 h 544010"/>
+              <a:gd name="connsiteX3" fmla="*/ 196769 w 649302"/>
+              <a:gd name="connsiteY3" fmla="*/ 544010 h 544010"/>
+              <a:gd name="connsiteX4" fmla="*/ 532435 w 649302"/>
+              <a:gd name="connsiteY4" fmla="*/ 486137 h 544010"/>
+              <a:gd name="connsiteX5" fmla="*/ 601883 w 649302"/>
+              <a:gd name="connsiteY5" fmla="*/ 428263 h 544010"/>
+              <a:gd name="connsiteX6" fmla="*/ 625032 w 649302"/>
+              <a:gd name="connsiteY6" fmla="*/ 358815 h 544010"/>
+              <a:gd name="connsiteX7" fmla="*/ 648182 w 649302"/>
+              <a:gd name="connsiteY7" fmla="*/ 196769 h 544010"/>
+              <a:gd name="connsiteX8" fmla="*/ 648182 w 649302"/>
+              <a:gd name="connsiteY8" fmla="*/ 0 h 544010"/>
+            </a:gdLst>
+            <a:ahLst/>
+            <a:cxnLst>
+              <a:cxn ang="0">
+                <a:pos x="connsiteX0" y="connsiteY0"/>
+              </a:cxn>
+              <a:cxn ang="0">
+                <a:pos x="connsiteX1" y="connsiteY1"/>
+              </a:cxn>
+              <a:cxn ang="0">
+                <a:pos x="connsiteX2" y="connsiteY2"/>
+              </a:cxn>
+              <a:cxn ang="0">
+                <a:pos x="connsiteX3" y="connsiteY3"/>
+              </a:cxn>
+              <a:cxn ang="0">
+                <a:pos x="connsiteX4" y="connsiteY4"/>
+              </a:cxn>
+              <a:cxn ang="0">
+                <a:pos x="connsiteX5" y="connsiteY5"/>
+              </a:cxn>
+              <a:cxn ang="0">
+                <a:pos x="connsiteX6" y="connsiteY6"/>
+              </a:cxn>
+              <a:cxn ang="0">
+                <a:pos x="connsiteX7" y="connsiteY7"/>
+              </a:cxn>
+              <a:cxn ang="0">
+                <a:pos x="connsiteX8" y="connsiteY8"/>
+              </a:cxn>
+            </a:cxnLst>
+            <a:rect l="l" t="t" r="r" b="b"/>
+            <a:pathLst>
+              <a:path w="649302" h="544010">
+                <a:moveTo>
+                  <a:pt x="0" y="509286"/>
+                </a:moveTo>
+                <a:cubicBezTo>
+                  <a:pt x="27007" y="513144"/>
+                  <a:pt x="54180" y="515981"/>
+                  <a:pt x="81022" y="520861"/>
+                </a:cubicBezTo>
+                <a:cubicBezTo>
+                  <a:pt x="96673" y="523707"/>
+                  <a:pt x="111722" y="529315"/>
+                  <a:pt x="127321" y="532435"/>
+                </a:cubicBezTo>
+                <a:cubicBezTo>
+                  <a:pt x="150334" y="537038"/>
+                  <a:pt x="173620" y="540152"/>
+                  <a:pt x="196769" y="544010"/>
+                </a:cubicBezTo>
+                <a:cubicBezTo>
+                  <a:pt x="231899" y="539428"/>
+                  <a:pt x="447697" y="528506"/>
+                  <a:pt x="532435" y="486137"/>
+                </a:cubicBezTo>
+                <a:cubicBezTo>
+                  <a:pt x="559952" y="472378"/>
+                  <a:pt x="580656" y="449490"/>
+                  <a:pt x="601883" y="428263"/>
+                </a:cubicBezTo>
+                <a:cubicBezTo>
+                  <a:pt x="609599" y="405114"/>
+                  <a:pt x="620246" y="382743"/>
+                  <a:pt x="625032" y="358815"/>
+                </a:cubicBezTo>
+                <a:cubicBezTo>
+                  <a:pt x="637193" y="298014"/>
+                  <a:pt x="645563" y="264852"/>
+                  <a:pt x="648182" y="196769"/>
+                </a:cubicBezTo>
+                <a:cubicBezTo>
+                  <a:pt x="650703" y="131228"/>
+                  <a:pt x="648182" y="65590"/>
+                  <a:pt x="648182" y="0"/>
+                </a:cubicBezTo>
+              </a:path>
+            </a:pathLst>
+          </a:custGeom>
+          <a:noFill/>
+          <a:ln>
+            <a:solidFill>
+              <a:srgbClr val="FF0000"/>
+            </a:solidFill>
+            <a:headEnd type="triangle" w="med" len="med"/>
+            <a:tailEnd type="none" w="med" len="med"/>
+          </a:ln>
+        </p:spPr>
+        <p:style>
+          <a:lnRef idx="2">
+            <a:schemeClr val="accent1">
+              <a:shade val="15000"/>
+            </a:schemeClr>
+          </a:lnRef>
+          <a:fillRef idx="1">
+            <a:schemeClr val="accent1"/>
+          </a:fillRef>
+          <a:effectRef idx="0">
+            <a:schemeClr val="accent1"/>
+          </a:effectRef>
+          <a:fontRef idx="minor">
+            <a:schemeClr val="lt1"/>
+          </a:fontRef>
+        </p:style>
+        <p:txBody>
+          <a:bodyPr rtlCol="0" anchor="ctr"/>
+          <a:lstStyle/>
+          <a:p>
+            <a:pPr algn="ctr"/>
+            <a:endParaRPr lang="en-GB"/>
+          </a:p>
+        </p:txBody>
+      </p:sp>
+      <p:sp>
+        <p:nvSpPr>
+          <p:cNvPr id="25" name="Freeform: Shape 24">
+            <a:extLst>
+              <a:ext uri="{FF2B5EF4-FFF2-40B4-BE49-F238E27FC236}">
+                <a16:creationId xmlns:a16="http://schemas.microsoft.com/office/drawing/2014/main" id="{D1ABC8F0-A0BC-46BE-8ED6-4F994F6B530A}"/>
+              </a:ext>
+            </a:extLst>
+          </p:cNvPr>
+          <p:cNvSpPr/>
+          <p:nvPr/>
+        </p:nvSpPr>
+        <p:spPr bwMode="auto">
+          <a:xfrm>
+            <a:off x="9527892" y="2721404"/>
+            <a:ext cx="671341" cy="614033"/>
+          </a:xfrm>
+          <a:custGeom>
+            <a:avLst/>
+            <a:gdLst>
+              <a:gd name="connsiteX0" fmla="*/ 232187 w 371092"/>
+              <a:gd name="connsiteY0" fmla="*/ 23724 h 614033"/>
+              <a:gd name="connsiteX1" fmla="*/ 93290 w 371092"/>
+              <a:gd name="connsiteY1" fmla="*/ 70023 h 614033"/>
+              <a:gd name="connsiteX2" fmla="*/ 58566 w 371092"/>
+              <a:gd name="connsiteY2" fmla="*/ 139471 h 614033"/>
+              <a:gd name="connsiteX3" fmla="*/ 35417 w 371092"/>
+              <a:gd name="connsiteY3" fmla="*/ 162621 h 614033"/>
+              <a:gd name="connsiteX4" fmla="*/ 693 w 371092"/>
+              <a:gd name="connsiteY4" fmla="*/ 313091 h 614033"/>
+              <a:gd name="connsiteX5" fmla="*/ 12268 w 371092"/>
+              <a:gd name="connsiteY5" fmla="*/ 521436 h 614033"/>
+              <a:gd name="connsiteX6" fmla="*/ 70141 w 371092"/>
+              <a:gd name="connsiteY6" fmla="*/ 602459 h 614033"/>
+              <a:gd name="connsiteX7" fmla="*/ 128014 w 371092"/>
+              <a:gd name="connsiteY7" fmla="*/ 614033 h 614033"/>
+              <a:gd name="connsiteX8" fmla="*/ 232187 w 371092"/>
+              <a:gd name="connsiteY8" fmla="*/ 602459 h 614033"/>
+              <a:gd name="connsiteX9" fmla="*/ 278485 w 371092"/>
+              <a:gd name="connsiteY9" fmla="*/ 579309 h 614033"/>
+              <a:gd name="connsiteX10" fmla="*/ 324784 w 371092"/>
+              <a:gd name="connsiteY10" fmla="*/ 567734 h 614033"/>
+              <a:gd name="connsiteX11" fmla="*/ 371083 w 371092"/>
+              <a:gd name="connsiteY11" fmla="*/ 417264 h 614033"/>
+              <a:gd name="connsiteX12" fmla="*/ 359508 w 371092"/>
+              <a:gd name="connsiteY12" fmla="*/ 127897 h 614033"/>
+              <a:gd name="connsiteX13" fmla="*/ 336359 w 371092"/>
+              <a:gd name="connsiteY13" fmla="*/ 93172 h 614033"/>
+              <a:gd name="connsiteX14" fmla="*/ 324784 w 371092"/>
+              <a:gd name="connsiteY14" fmla="*/ 58448 h 614033"/>
+              <a:gd name="connsiteX15" fmla="*/ 243761 w 371092"/>
+              <a:gd name="connsiteY15" fmla="*/ 575 h 614033"/>
+              <a:gd name="connsiteX16" fmla="*/ 232187 w 371092"/>
+              <a:gd name="connsiteY16" fmla="*/ 23724 h 614033"/>
+            </a:gdLst>
+            <a:ahLst/>
+            <a:cxnLst>
+              <a:cxn ang="0">
+                <a:pos x="connsiteX0" y="connsiteY0"/>
+              </a:cxn>
+              <a:cxn ang="0">
+                <a:pos x="connsiteX1" y="connsiteY1"/>
+              </a:cxn>
+              <a:cxn ang="0">
+                <a:pos x="connsiteX2" y="connsiteY2"/>
+              </a:cxn>
+              <a:cxn ang="0">
+                <a:pos x="connsiteX3" y="connsiteY3"/>
+              </a:cxn>
+              <a:cxn ang="0">
+                <a:pos x="connsiteX4" y="connsiteY4"/>
+              </a:cxn>
+              <a:cxn ang="0">
+                <a:pos x="connsiteX5" y="connsiteY5"/>
+              </a:cxn>
+              <a:cxn ang="0">
+                <a:pos x="connsiteX6" y="connsiteY6"/>
+              </a:cxn>
+              <a:cxn ang="0">
+                <a:pos x="connsiteX7" y="connsiteY7"/>
+              </a:cxn>
+              <a:cxn ang="0">
+                <a:pos x="connsiteX8" y="connsiteY8"/>
+              </a:cxn>
+              <a:cxn ang="0">
+                <a:pos x="connsiteX9" y="connsiteY9"/>
+              </a:cxn>
+              <a:cxn ang="0">
+                <a:pos x="connsiteX10" y="connsiteY10"/>
+              </a:cxn>
+              <a:cxn ang="0">
+                <a:pos x="connsiteX11" y="connsiteY11"/>
+              </a:cxn>
+              <a:cxn ang="0">
+                <a:pos x="connsiteX12" y="connsiteY12"/>
+              </a:cxn>
+              <a:cxn ang="0">
+                <a:pos x="connsiteX13" y="connsiteY13"/>
+              </a:cxn>
+              <a:cxn ang="0">
+                <a:pos x="connsiteX14" y="connsiteY14"/>
+              </a:cxn>
+              <a:cxn ang="0">
+                <a:pos x="connsiteX15" y="connsiteY15"/>
+              </a:cxn>
+              <a:cxn ang="0">
+                <a:pos x="connsiteX16" y="connsiteY16"/>
+              </a:cxn>
+            </a:cxnLst>
+            <a:rect l="l" t="t" r="r" b="b"/>
+            <a:pathLst>
+              <a:path w="371092" h="614033">
+                <a:moveTo>
+                  <a:pt x="232187" y="23724"/>
+                </a:moveTo>
+                <a:cubicBezTo>
+                  <a:pt x="207108" y="35299"/>
+                  <a:pt x="125327" y="43326"/>
+                  <a:pt x="93290" y="70023"/>
+                </a:cubicBezTo>
+                <a:cubicBezTo>
+                  <a:pt x="58169" y="99290"/>
+                  <a:pt x="79105" y="105239"/>
+                  <a:pt x="58566" y="139471"/>
+                </a:cubicBezTo>
+                <a:cubicBezTo>
+                  <a:pt x="52951" y="148829"/>
+                  <a:pt x="43133" y="154904"/>
+                  <a:pt x="35417" y="162621"/>
+                </a:cubicBezTo>
+                <a:cubicBezTo>
+                  <a:pt x="26851" y="196882"/>
+                  <a:pt x="1271" y="297471"/>
+                  <a:pt x="693" y="313091"/>
+                </a:cubicBezTo>
+                <a:cubicBezTo>
+                  <a:pt x="-1881" y="382599"/>
+                  <a:pt x="2870" y="452518"/>
+                  <a:pt x="12268" y="521436"/>
+                </a:cubicBezTo>
+                <a:cubicBezTo>
+                  <a:pt x="15337" y="543943"/>
+                  <a:pt x="49212" y="591994"/>
+                  <a:pt x="70141" y="602459"/>
+                </a:cubicBezTo>
+                <a:cubicBezTo>
+                  <a:pt x="87737" y="611257"/>
+                  <a:pt x="108723" y="610175"/>
+                  <a:pt x="128014" y="614033"/>
+                </a:cubicBezTo>
+                <a:cubicBezTo>
+                  <a:pt x="162738" y="610175"/>
+                  <a:pt x="198144" y="610315"/>
+                  <a:pt x="232187" y="602459"/>
+                </a:cubicBezTo>
+                <a:cubicBezTo>
+                  <a:pt x="249000" y="598579"/>
+                  <a:pt x="262329" y="585368"/>
+                  <a:pt x="278485" y="579309"/>
+                </a:cubicBezTo>
+                <a:cubicBezTo>
+                  <a:pt x="293380" y="573723"/>
+                  <a:pt x="309351" y="571592"/>
+                  <a:pt x="324784" y="567734"/>
+                </a:cubicBezTo>
+                <a:cubicBezTo>
+                  <a:pt x="372903" y="503576"/>
+                  <a:pt x="371083" y="522335"/>
+                  <a:pt x="371083" y="417264"/>
+                </a:cubicBezTo>
+                <a:cubicBezTo>
+                  <a:pt x="371083" y="320731"/>
+                  <a:pt x="369792" y="223880"/>
+                  <a:pt x="359508" y="127897"/>
+                </a:cubicBezTo>
+                <a:cubicBezTo>
+                  <a:pt x="358026" y="114065"/>
+                  <a:pt x="342580" y="105615"/>
+                  <a:pt x="336359" y="93172"/>
+                </a:cubicBezTo>
+                <a:cubicBezTo>
+                  <a:pt x="330903" y="82259"/>
+                  <a:pt x="331552" y="68600"/>
+                  <a:pt x="324784" y="58448"/>
+                </a:cubicBezTo>
+                <a:cubicBezTo>
+                  <a:pt x="308191" y="33559"/>
+                  <a:pt x="272728" y="7817"/>
+                  <a:pt x="243761" y="575"/>
+                </a:cubicBezTo>
+                <a:cubicBezTo>
+                  <a:pt x="228789" y="-3168"/>
+                  <a:pt x="257266" y="12149"/>
+                  <a:pt x="232187" y="23724"/>
+                </a:cubicBezTo>
+                <a:close/>
+              </a:path>
+            </a:pathLst>
+          </a:custGeom>
+          <a:noFill/>
+          <a:ln>
+            <a:solidFill>
+              <a:srgbClr val="FF0000"/>
+            </a:solidFill>
+          </a:ln>
+        </p:spPr>
+        <p:style>
+          <a:lnRef idx="2">
+            <a:schemeClr val="accent1">
+              <a:shade val="15000"/>
+            </a:schemeClr>
+          </a:lnRef>
+          <a:fillRef idx="1">
+            <a:schemeClr val="accent1"/>
+          </a:fillRef>
+          <a:effectRef idx="0">
+            <a:schemeClr val="accent1"/>
+          </a:effectRef>
+          <a:fontRef idx="minor">
+            <a:schemeClr val="lt1"/>
+          </a:fontRef>
+        </p:style>
+        <p:txBody>
+          <a:bodyPr rtlCol="0" anchor="ctr"/>
+          <a:lstStyle/>
+          <a:p>
+            <a:pPr algn="ctr"/>
+            <a:endParaRPr lang="en-GB">
+              <a:ln>
+                <a:solidFill>
+                  <a:srgbClr val="FF0000"/>
+                </a:solidFill>
+              </a:ln>
+              <a:solidFill>
+                <a:srgbClr val="FF0000"/>
+              </a:solidFill>
+            </a:endParaRPr>
+          </a:p>
+        </p:txBody>
+      </p:sp>
+      <p:sp>
+        <p:nvSpPr>
+          <p:cNvPr id="26" name="TextBox 25">
+            <a:extLst>
+              <a:ext uri="{FF2B5EF4-FFF2-40B4-BE49-F238E27FC236}">
+                <a16:creationId xmlns:a16="http://schemas.microsoft.com/office/drawing/2014/main" id="{FDDA9EA6-DE6D-2545-B117-610EAF7F8305}"/>
+              </a:ext>
+            </a:extLst>
+          </p:cNvPr>
+          <p:cNvSpPr txBox="1"/>
+          <p:nvPr/>
+        </p:nvSpPr>
+        <p:spPr bwMode="auto">
+          <a:xfrm>
+            <a:off x="7742840" y="4636130"/>
+            <a:ext cx="1400538" cy="923330"/>
+          </a:xfrm>
+          <a:prstGeom prst="rect">
+            <a:avLst/>
+          </a:prstGeom>
+          <a:noFill/>
+        </p:spPr>
+        <p:txBody>
+          <a:bodyPr wrap="square" rtlCol="0">
+            <a:spAutoFit/>
+          </a:bodyPr>
+          <a:lstStyle>
+            <a:defPPr>
+              <a:defRPr lang="en-US"/>
+            </a:defPPr>
+          </a:lstStyle>
+          <a:p>
+            <a:r>
+              <a:rPr lang="en-GB" dirty="0">
+                <a:solidFill>
+                  <a:schemeClr val="accent1"/>
+                </a:solidFill>
+              </a:rPr>
+              <a:t>Both LEDs away from Blackline</a:t>
+            </a:r>
+          </a:p>
+        </p:txBody>
+      </p:sp>
+      <p:sp>
+        <p:nvSpPr>
+          <p:cNvPr id="27" name="Freeform: Shape 26">
+            <a:extLst>
+              <a:ext uri="{FF2B5EF4-FFF2-40B4-BE49-F238E27FC236}">
+                <a16:creationId xmlns:a16="http://schemas.microsoft.com/office/drawing/2014/main" id="{5A2DB192-DC5D-3456-4200-78E849688990}"/>
+              </a:ext>
+            </a:extLst>
+          </p:cNvPr>
+          <p:cNvSpPr/>
+          <p:nvPr/>
+        </p:nvSpPr>
+        <p:spPr>
+          <a:xfrm>
+            <a:off x="9871258" y="5033453"/>
+            <a:ext cx="210291" cy="256177"/>
+          </a:xfrm>
+          <a:custGeom>
+            <a:avLst/>
+            <a:gdLst>
+              <a:gd name="connsiteX0" fmla="*/ 163993 w 210291"/>
+              <a:gd name="connsiteY0" fmla="*/ 1534 h 256177"/>
+              <a:gd name="connsiteX1" fmla="*/ 59820 w 210291"/>
+              <a:gd name="connsiteY1" fmla="*/ 70982 h 256177"/>
+              <a:gd name="connsiteX2" fmla="*/ 36671 w 210291"/>
+              <a:gd name="connsiteY2" fmla="*/ 105706 h 256177"/>
+              <a:gd name="connsiteX3" fmla="*/ 13522 w 210291"/>
+              <a:gd name="connsiteY3" fmla="*/ 128856 h 256177"/>
+              <a:gd name="connsiteX4" fmla="*/ 25096 w 210291"/>
+              <a:gd name="connsiteY4" fmla="*/ 233028 h 256177"/>
+              <a:gd name="connsiteX5" fmla="*/ 71395 w 210291"/>
+              <a:gd name="connsiteY5" fmla="*/ 256177 h 256177"/>
+              <a:gd name="connsiteX6" fmla="*/ 198717 w 210291"/>
+              <a:gd name="connsiteY6" fmla="*/ 198304 h 256177"/>
+              <a:gd name="connsiteX7" fmla="*/ 210291 w 210291"/>
+              <a:gd name="connsiteY7" fmla="*/ 140431 h 256177"/>
+              <a:gd name="connsiteX8" fmla="*/ 163993 w 210291"/>
+              <a:gd name="connsiteY8" fmla="*/ 1534 h 256177"/>
+            </a:gdLst>
+            <a:ahLst/>
+            <a:cxnLst>
+              <a:cxn ang="0">
+                <a:pos x="connsiteX0" y="connsiteY0"/>
+              </a:cxn>
+              <a:cxn ang="0">
+                <a:pos x="connsiteX1" y="connsiteY1"/>
+              </a:cxn>
+              <a:cxn ang="0">
+                <a:pos x="connsiteX2" y="connsiteY2"/>
+              </a:cxn>
+              <a:cxn ang="0">
+                <a:pos x="connsiteX3" y="connsiteY3"/>
+              </a:cxn>
+              <a:cxn ang="0">
+                <a:pos x="connsiteX4" y="connsiteY4"/>
+              </a:cxn>
+              <a:cxn ang="0">
+                <a:pos x="connsiteX5" y="connsiteY5"/>
+              </a:cxn>
+              <a:cxn ang="0">
+                <a:pos x="connsiteX6" y="connsiteY6"/>
+              </a:cxn>
+              <a:cxn ang="0">
+                <a:pos x="connsiteX7" y="connsiteY7"/>
+              </a:cxn>
+              <a:cxn ang="0">
+                <a:pos x="connsiteX8" y="connsiteY8"/>
+              </a:cxn>
+            </a:cxnLst>
+            <a:rect l="l" t="t" r="r" b="b"/>
+            <a:pathLst>
+              <a:path w="210291" h="256177">
+                <a:moveTo>
+                  <a:pt x="163993" y="1534"/>
+                </a:moveTo>
+                <a:cubicBezTo>
+                  <a:pt x="138914" y="-10041"/>
+                  <a:pt x="83931" y="46871"/>
+                  <a:pt x="59820" y="70982"/>
+                </a:cubicBezTo>
+                <a:cubicBezTo>
+                  <a:pt x="49983" y="80819"/>
+                  <a:pt x="45361" y="94843"/>
+                  <a:pt x="36671" y="105706"/>
+                </a:cubicBezTo>
+                <a:cubicBezTo>
+                  <a:pt x="29854" y="114228"/>
+                  <a:pt x="21238" y="121139"/>
+                  <a:pt x="13522" y="128856"/>
+                </a:cubicBezTo>
+                <a:cubicBezTo>
+                  <a:pt x="-576" y="171148"/>
+                  <a:pt x="-12299" y="183168"/>
+                  <a:pt x="25096" y="233028"/>
+                </a:cubicBezTo>
+                <a:cubicBezTo>
+                  <a:pt x="35449" y="246832"/>
+                  <a:pt x="55962" y="248461"/>
+                  <a:pt x="71395" y="256177"/>
+                </a:cubicBezTo>
+                <a:cubicBezTo>
+                  <a:pt x="136813" y="241640"/>
+                  <a:pt x="176302" y="258076"/>
+                  <a:pt x="198717" y="198304"/>
+                </a:cubicBezTo>
+                <a:cubicBezTo>
+                  <a:pt x="205625" y="179884"/>
+                  <a:pt x="206433" y="159722"/>
+                  <a:pt x="210291" y="140431"/>
+                </a:cubicBezTo>
+                <a:cubicBezTo>
+                  <a:pt x="198368" y="9267"/>
+                  <a:pt x="189072" y="13109"/>
+                  <a:pt x="163993" y="1534"/>
+                </a:cubicBezTo>
+                <a:close/>
+              </a:path>
+            </a:pathLst>
+          </a:custGeom>
+          <a:noFill/>
+          <a:ln w="19050">
+            <a:solidFill>
+              <a:srgbClr val="FFC000"/>
+            </a:solidFill>
+          </a:ln>
+        </p:spPr>
+        <p:style>
+          <a:lnRef idx="2">
+            <a:schemeClr val="accent1">
+              <a:shade val="15000"/>
+            </a:schemeClr>
+          </a:lnRef>
+          <a:fillRef idx="1">
+            <a:schemeClr val="accent1"/>
+          </a:fillRef>
+          <a:effectRef idx="0">
+            <a:schemeClr val="accent1"/>
+          </a:effectRef>
+          <a:fontRef idx="minor">
+            <a:schemeClr val="lt1"/>
+          </a:fontRef>
+        </p:style>
+        <p:txBody>
+          <a:bodyPr rtlCol="0" anchor="ctr"/>
+          <a:lstStyle/>
+          <a:p>
+            <a:pPr algn="ctr"/>
+            <a:endParaRPr lang="en-GB">
+              <a:solidFill>
+                <a:schemeClr val="accent5">
+                  <a:lumMod val="75000"/>
+                </a:schemeClr>
+              </a:solidFill>
+            </a:endParaRPr>
+          </a:p>
+        </p:txBody>
+      </p:sp>
+      <p:sp>
+        <p:nvSpPr>
+          <p:cNvPr id="28" name="Freeform: Shape 27">
+            <a:extLst>
+              <a:ext uri="{FF2B5EF4-FFF2-40B4-BE49-F238E27FC236}">
+                <a16:creationId xmlns:a16="http://schemas.microsoft.com/office/drawing/2014/main" id="{20727824-0DD6-0F0A-F415-55BE68F86828}"/>
+              </a:ext>
+            </a:extLst>
+          </p:cNvPr>
+          <p:cNvSpPr/>
+          <p:nvPr/>
+        </p:nvSpPr>
+        <p:spPr>
+          <a:xfrm>
+            <a:off x="8831484" y="5324354"/>
+            <a:ext cx="1226916" cy="880174"/>
+          </a:xfrm>
+          <a:custGeom>
+            <a:avLst/>
+            <a:gdLst>
+              <a:gd name="connsiteX0" fmla="*/ 1226916 w 1226916"/>
+              <a:gd name="connsiteY0" fmla="*/ 0 h 880174"/>
+              <a:gd name="connsiteX1" fmla="*/ 1215341 w 1226916"/>
+              <a:gd name="connsiteY1" fmla="*/ 57874 h 880174"/>
+              <a:gd name="connsiteX2" fmla="*/ 1192192 w 1226916"/>
+              <a:gd name="connsiteY2" fmla="*/ 150471 h 880174"/>
+              <a:gd name="connsiteX3" fmla="*/ 1134319 w 1226916"/>
+              <a:gd name="connsiteY3" fmla="*/ 335666 h 880174"/>
+              <a:gd name="connsiteX4" fmla="*/ 1064870 w 1226916"/>
+              <a:gd name="connsiteY4" fmla="*/ 451413 h 880174"/>
+              <a:gd name="connsiteX5" fmla="*/ 1006997 w 1226916"/>
+              <a:gd name="connsiteY5" fmla="*/ 555585 h 880174"/>
+              <a:gd name="connsiteX6" fmla="*/ 891250 w 1226916"/>
+              <a:gd name="connsiteY6" fmla="*/ 648183 h 880174"/>
+              <a:gd name="connsiteX7" fmla="*/ 833377 w 1226916"/>
+              <a:gd name="connsiteY7" fmla="*/ 694481 h 880174"/>
+              <a:gd name="connsiteX8" fmla="*/ 798653 w 1226916"/>
+              <a:gd name="connsiteY8" fmla="*/ 706056 h 880174"/>
+              <a:gd name="connsiteX9" fmla="*/ 555584 w 1226916"/>
+              <a:gd name="connsiteY9" fmla="*/ 810228 h 880174"/>
+              <a:gd name="connsiteX10" fmla="*/ 416688 w 1226916"/>
+              <a:gd name="connsiteY10" fmla="*/ 833378 h 880174"/>
+              <a:gd name="connsiteX11" fmla="*/ 289367 w 1226916"/>
+              <a:gd name="connsiteY11" fmla="*/ 868102 h 880174"/>
+              <a:gd name="connsiteX12" fmla="*/ 0 w 1226916"/>
+              <a:gd name="connsiteY12" fmla="*/ 879676 h 880174"/>
+            </a:gdLst>
+            <a:ahLst/>
+            <a:cxnLst>
+              <a:cxn ang="0">
+                <a:pos x="connsiteX0" y="connsiteY0"/>
+              </a:cxn>
+              <a:cxn ang="0">
+                <a:pos x="connsiteX1" y="connsiteY1"/>
+              </a:cxn>
+              <a:cxn ang="0">
+                <a:pos x="connsiteX2" y="connsiteY2"/>
+              </a:cxn>
+              <a:cxn ang="0">
+                <a:pos x="connsiteX3" y="connsiteY3"/>
+              </a:cxn>
+              <a:cxn ang="0">
+                <a:pos x="connsiteX4" y="connsiteY4"/>
+              </a:cxn>
+              <a:cxn ang="0">
+                <a:pos x="connsiteX5" y="connsiteY5"/>
+              </a:cxn>
+              <a:cxn ang="0">
+                <a:pos x="connsiteX6" y="connsiteY6"/>
+              </a:cxn>
+              <a:cxn ang="0">
+                <a:pos x="connsiteX7" y="connsiteY7"/>
+              </a:cxn>
+              <a:cxn ang="0">
+                <a:pos x="connsiteX8" y="connsiteY8"/>
+              </a:cxn>
+              <a:cxn ang="0">
+                <a:pos x="connsiteX9" y="connsiteY9"/>
+              </a:cxn>
+              <a:cxn ang="0">
+                <a:pos x="connsiteX10" y="connsiteY10"/>
+              </a:cxn>
+              <a:cxn ang="0">
+                <a:pos x="connsiteX11" y="connsiteY11"/>
+              </a:cxn>
+              <a:cxn ang="0">
+                <a:pos x="connsiteX12" y="connsiteY12"/>
+              </a:cxn>
+            </a:cxnLst>
+            <a:rect l="l" t="t" r="r" b="b"/>
+            <a:pathLst>
+              <a:path w="1226916" h="880174">
+                <a:moveTo>
+                  <a:pt x="1226916" y="0"/>
+                </a:moveTo>
+                <a:cubicBezTo>
+                  <a:pt x="1223058" y="19291"/>
+                  <a:pt x="1219765" y="38704"/>
+                  <a:pt x="1215341" y="57874"/>
+                </a:cubicBezTo>
+                <a:cubicBezTo>
+                  <a:pt x="1208187" y="88875"/>
+                  <a:pt x="1198858" y="119362"/>
+                  <a:pt x="1192192" y="150471"/>
+                </a:cubicBezTo>
+                <a:cubicBezTo>
+                  <a:pt x="1174237" y="234262"/>
+                  <a:pt x="1188533" y="245310"/>
+                  <a:pt x="1134319" y="335666"/>
+                </a:cubicBezTo>
+                <a:cubicBezTo>
+                  <a:pt x="1111169" y="374248"/>
+                  <a:pt x="1081580" y="409637"/>
+                  <a:pt x="1064870" y="451413"/>
+                </a:cubicBezTo>
+                <a:cubicBezTo>
+                  <a:pt x="1047779" y="494142"/>
+                  <a:pt x="1041911" y="523356"/>
+                  <a:pt x="1006997" y="555585"/>
+                </a:cubicBezTo>
+                <a:cubicBezTo>
+                  <a:pt x="970691" y="589098"/>
+                  <a:pt x="929832" y="617317"/>
+                  <a:pt x="891250" y="648183"/>
+                </a:cubicBezTo>
+                <a:cubicBezTo>
+                  <a:pt x="871959" y="663616"/>
+                  <a:pt x="856814" y="686669"/>
+                  <a:pt x="833377" y="694481"/>
+                </a:cubicBezTo>
+                <a:cubicBezTo>
+                  <a:pt x="821802" y="698339"/>
+                  <a:pt x="809709" y="700896"/>
+                  <a:pt x="798653" y="706056"/>
+                </a:cubicBezTo>
+                <a:cubicBezTo>
+                  <a:pt x="692306" y="755685"/>
+                  <a:pt x="662699" y="784724"/>
+                  <a:pt x="555584" y="810228"/>
+                </a:cubicBezTo>
+                <a:cubicBezTo>
+                  <a:pt x="509923" y="821100"/>
+                  <a:pt x="462508" y="823196"/>
+                  <a:pt x="416688" y="833378"/>
+                </a:cubicBezTo>
+                <a:cubicBezTo>
+                  <a:pt x="314873" y="856004"/>
+                  <a:pt x="382215" y="857179"/>
+                  <a:pt x="289367" y="868102"/>
+                </a:cubicBezTo>
+                <a:cubicBezTo>
+                  <a:pt x="155583" y="883841"/>
+                  <a:pt x="137449" y="879676"/>
+                  <a:pt x="0" y="879676"/>
+                </a:cubicBezTo>
+              </a:path>
+            </a:pathLst>
+          </a:custGeom>
+          <a:noFill/>
+          <a:ln>
+            <a:solidFill>
+              <a:srgbClr val="FFC000"/>
+            </a:solidFill>
+            <a:headEnd type="none" w="med" len="med"/>
+            <a:tailEnd type="arrow" w="med" len="med"/>
+          </a:ln>
+        </p:spPr>
+        <p:style>
+          <a:lnRef idx="2">
+            <a:schemeClr val="accent1">
+              <a:shade val="15000"/>
+            </a:schemeClr>
+          </a:lnRef>
+          <a:fillRef idx="1">
+            <a:schemeClr val="accent1"/>
+          </a:fillRef>
+          <a:effectRef idx="0">
+            <a:schemeClr val="accent1"/>
+          </a:effectRef>
+          <a:fontRef idx="minor">
+            <a:schemeClr val="lt1"/>
+          </a:fontRef>
+        </p:style>
+        <p:txBody>
+          <a:bodyPr rtlCol="0" anchor="ctr"/>
+          <a:lstStyle/>
+          <a:p>
+            <a:pPr algn="ctr"/>
+            <a:endParaRPr lang="en-GB"/>
+          </a:p>
+        </p:txBody>
+      </p:sp>
+      <p:sp>
+        <p:nvSpPr>
+          <p:cNvPr id="29" name="Freeform: Shape 28">
+            <a:extLst>
+              <a:ext uri="{FF2B5EF4-FFF2-40B4-BE49-F238E27FC236}">
+                <a16:creationId xmlns:a16="http://schemas.microsoft.com/office/drawing/2014/main" id="{77B6D659-CC7C-E238-0CF6-9258FCA77ABA}"/>
+              </a:ext>
+            </a:extLst>
+          </p:cNvPr>
+          <p:cNvSpPr/>
+          <p:nvPr/>
+        </p:nvSpPr>
+        <p:spPr>
+          <a:xfrm>
+            <a:off x="8738886" y="5347504"/>
+            <a:ext cx="555585" cy="233682"/>
+          </a:xfrm>
+          <a:custGeom>
+            <a:avLst/>
+            <a:gdLst>
+              <a:gd name="connsiteX0" fmla="*/ 555585 w 555585"/>
+              <a:gd name="connsiteY0" fmla="*/ 0 h 233682"/>
+              <a:gd name="connsiteX1" fmla="*/ 509286 w 555585"/>
+              <a:gd name="connsiteY1" fmla="*/ 57873 h 233682"/>
+              <a:gd name="connsiteX2" fmla="*/ 486137 w 555585"/>
+              <a:gd name="connsiteY2" fmla="*/ 92597 h 233682"/>
+              <a:gd name="connsiteX3" fmla="*/ 451413 w 555585"/>
+              <a:gd name="connsiteY3" fmla="*/ 115747 h 233682"/>
+              <a:gd name="connsiteX4" fmla="*/ 393539 w 555585"/>
+              <a:gd name="connsiteY4" fmla="*/ 173620 h 233682"/>
+              <a:gd name="connsiteX5" fmla="*/ 300942 w 555585"/>
+              <a:gd name="connsiteY5" fmla="*/ 196769 h 233682"/>
+              <a:gd name="connsiteX6" fmla="*/ 219919 w 555585"/>
+              <a:gd name="connsiteY6" fmla="*/ 208344 h 233682"/>
+              <a:gd name="connsiteX7" fmla="*/ 0 w 555585"/>
+              <a:gd name="connsiteY7" fmla="*/ 231493 h 233682"/>
+            </a:gdLst>
+            <a:ahLst/>
+            <a:cxnLst>
+              <a:cxn ang="0">
+                <a:pos x="connsiteX0" y="connsiteY0"/>
+              </a:cxn>
+              <a:cxn ang="0">
+                <a:pos x="connsiteX1" y="connsiteY1"/>
+              </a:cxn>
+              <a:cxn ang="0">
+                <a:pos x="connsiteX2" y="connsiteY2"/>
+              </a:cxn>
+              <a:cxn ang="0">
+                <a:pos x="connsiteX3" y="connsiteY3"/>
+              </a:cxn>
+              <a:cxn ang="0">
+                <a:pos x="connsiteX4" y="connsiteY4"/>
+              </a:cxn>
+              <a:cxn ang="0">
+                <a:pos x="connsiteX5" y="connsiteY5"/>
+              </a:cxn>
+              <a:cxn ang="0">
+                <a:pos x="connsiteX6" y="connsiteY6"/>
+              </a:cxn>
+              <a:cxn ang="0">
+                <a:pos x="connsiteX7" y="connsiteY7"/>
+              </a:cxn>
+            </a:cxnLst>
+            <a:rect l="l" t="t" r="r" b="b"/>
+            <a:pathLst>
+              <a:path w="555585" h="233682">
+                <a:moveTo>
+                  <a:pt x="555585" y="0"/>
+                </a:moveTo>
+                <a:cubicBezTo>
+                  <a:pt x="540152" y="19291"/>
+                  <a:pt x="524109" y="38109"/>
+                  <a:pt x="509286" y="57873"/>
+                </a:cubicBezTo>
+                <a:cubicBezTo>
+                  <a:pt x="500939" y="69002"/>
+                  <a:pt x="495973" y="82760"/>
+                  <a:pt x="486137" y="92597"/>
+                </a:cubicBezTo>
+                <a:cubicBezTo>
+                  <a:pt x="476300" y="102434"/>
+                  <a:pt x="461882" y="106586"/>
+                  <a:pt x="451413" y="115747"/>
+                </a:cubicBezTo>
+                <a:cubicBezTo>
+                  <a:pt x="430881" y="133712"/>
+                  <a:pt x="419421" y="164993"/>
+                  <a:pt x="393539" y="173620"/>
+                </a:cubicBezTo>
+                <a:cubicBezTo>
+                  <a:pt x="348811" y="188530"/>
+                  <a:pt x="356816" y="187457"/>
+                  <a:pt x="300942" y="196769"/>
+                </a:cubicBezTo>
+                <a:cubicBezTo>
+                  <a:pt x="274031" y="201254"/>
+                  <a:pt x="246595" y="202628"/>
+                  <a:pt x="219919" y="208344"/>
+                </a:cubicBezTo>
+                <a:cubicBezTo>
+                  <a:pt x="52534" y="244212"/>
+                  <a:pt x="235957" y="231493"/>
+                  <a:pt x="0" y="231493"/>
+                </a:cubicBezTo>
+              </a:path>
+            </a:pathLst>
+          </a:custGeom>
+          <a:noFill/>
+          <a:ln>
+            <a:solidFill>
+              <a:srgbClr val="FF0000"/>
+            </a:solidFill>
+            <a:headEnd type="none" w="med" len="med"/>
+            <a:tailEnd type="arrow" w="med" len="med"/>
+          </a:ln>
+        </p:spPr>
+        <p:style>
+          <a:lnRef idx="2">
+            <a:schemeClr val="accent1">
+              <a:shade val="15000"/>
+            </a:schemeClr>
+          </a:lnRef>
+          <a:fillRef idx="1">
+            <a:schemeClr val="accent1"/>
+          </a:fillRef>
+          <a:effectRef idx="0">
+            <a:schemeClr val="accent1"/>
+          </a:effectRef>
+          <a:fontRef idx="minor">
+            <a:schemeClr val="lt1"/>
+          </a:fontRef>
+        </p:style>
+        <p:txBody>
+          <a:bodyPr rtlCol="0" anchor="ctr"/>
+          <a:lstStyle/>
+          <a:p>
+            <a:pPr algn="ctr"/>
+            <a:endParaRPr lang="en-GB"/>
+          </a:p>
+        </p:txBody>
+      </p:sp>
+      <p:sp>
+        <p:nvSpPr>
+          <p:cNvPr id="30" name="TextBox 29">
+            <a:extLst>
+              <a:ext uri="{FF2B5EF4-FFF2-40B4-BE49-F238E27FC236}">
+                <a16:creationId xmlns:a16="http://schemas.microsoft.com/office/drawing/2014/main" id="{295C1329-11AA-4B55-6498-5D2866699F43}"/>
+              </a:ext>
+            </a:extLst>
+          </p:cNvPr>
+          <p:cNvSpPr txBox="1"/>
+          <p:nvPr/>
+        </p:nvSpPr>
+        <p:spPr bwMode="auto">
+          <a:xfrm>
+            <a:off x="7583414" y="5865847"/>
+            <a:ext cx="1400538" cy="646331"/>
+          </a:xfrm>
+          <a:prstGeom prst="rect">
+            <a:avLst/>
+          </a:prstGeom>
+          <a:noFill/>
+        </p:spPr>
+        <p:txBody>
+          <a:bodyPr wrap="square" rtlCol="0">
+            <a:spAutoFit/>
+          </a:bodyPr>
+          <a:lstStyle>
+            <a:defPPr>
+              <a:defRPr lang="en-US"/>
+            </a:defPPr>
+            <a:lvl1pPr>
+              <a:defRPr>
+                <a:solidFill>
+                  <a:schemeClr val="accent1"/>
+                </a:solidFill>
+              </a:defRPr>
+            </a:lvl1pPr>
+          </a:lstStyle>
+          <a:p>
+            <a:r>
+              <a:rPr lang="en-GB" dirty="0"/>
+              <a:t>C2 LED is ON</a:t>
+            </a:r>
+          </a:p>
+        </p:txBody>
+      </p:sp>
+    </p:spTree>
+    <p:extLst>
+      <p:ext uri="{BB962C8B-B14F-4D97-AF65-F5344CB8AC3E}">
+        <p14:creationId xmlns:p14="http://schemas.microsoft.com/office/powerpoint/2010/main" val="1162657292"/>
+      </p:ext>
+    </p:extLst>
   </p:cSld>
   <p:clrMapOvr>
     <a:masterClrMapping/>
@@ -10768,7 +14332,7 @@
             <a:r>
               <a:rPr lang="en-GB" sz="4000" b="1" dirty="0">
                 <a:solidFill>
-                  <a:srgbClr val="FF3300"/>
+                  <a:schemeClr val="accent4"/>
                 </a:solidFill>
                 <a:latin typeface="Calibri" panose="020F0502020204030204" pitchFamily="34" charset="0"/>
                 <a:ea typeface="Calibri" panose="020F0502020204030204" pitchFamily="34" charset="0"/>
@@ -10777,6 +14341,9 @@
               <a:t>Robot Car1 Training - Objectives</a:t>
             </a:r>
             <a:endParaRPr sz="4000" dirty="0">
+              <a:solidFill>
+                <a:schemeClr val="accent4"/>
+              </a:solidFill>
               <a:latin typeface="Calibri" panose="020F0502020204030204" pitchFamily="34" charset="0"/>
               <a:ea typeface="Calibri" panose="020F0502020204030204" pitchFamily="34" charset="0"/>
               <a:cs typeface="Calibri" panose="020F0502020204030204" pitchFamily="34" charset="0"/>
@@ -11294,7 +14861,7 @@
             <a:r>
               <a:rPr lang="en-GB" sz="4000" b="1" dirty="0">
                 <a:solidFill>
-                  <a:srgbClr val="FF3300"/>
+                  <a:schemeClr val="accent4"/>
                 </a:solidFill>
                 <a:latin typeface="Calibri" panose="020F0502020204030204" pitchFamily="34" charset="0"/>
                 <a:ea typeface="Calibri" panose="020F0502020204030204" pitchFamily="34" charset="0"/>
@@ -11304,7 +14871,7 @@
             </a:r>
             <a:endParaRPr sz="4000" b="1" dirty="0">
               <a:solidFill>
-                <a:srgbClr val="FF3300"/>
+                <a:schemeClr val="accent4"/>
               </a:solidFill>
               <a:latin typeface="Calibri" panose="020F0502020204030204" pitchFamily="34" charset="0"/>
               <a:ea typeface="Calibri" panose="020F0502020204030204" pitchFamily="34" charset="0"/>
@@ -12519,7 +16086,7 @@
             <a:r>
               <a:rPr lang="en-GB" sz="4000" b="1" dirty="0">
                 <a:solidFill>
-                  <a:srgbClr val="FF3300"/>
+                  <a:schemeClr val="accent4"/>
                 </a:solidFill>
                 <a:latin typeface="Calibri" panose="020F0502020204030204" pitchFamily="34" charset="0"/>
                 <a:ea typeface="Calibri" panose="020F0502020204030204" pitchFamily="34" charset="0"/>
@@ -12529,7 +16096,7 @@
             </a:r>
             <a:endParaRPr sz="4000" b="1" dirty="0">
               <a:solidFill>
-                <a:srgbClr val="FF3300"/>
+                <a:schemeClr val="accent4"/>
               </a:solidFill>
               <a:latin typeface="Calibri" panose="020F0502020204030204" pitchFamily="34" charset="0"/>
               <a:ea typeface="Calibri" panose="020F0502020204030204" pitchFamily="34" charset="0"/>
@@ -13171,7 +16738,7 @@
             <a:r>
               <a:rPr lang="en-GB" sz="4000" b="1" dirty="0">
                 <a:solidFill>
-                  <a:srgbClr val="FF3300"/>
+                  <a:schemeClr val="accent4"/>
                 </a:solidFill>
                 <a:latin typeface="Calibri" panose="020F0502020204030204" pitchFamily="34" charset="0"/>
                 <a:ea typeface="Calibri" panose="020F0502020204030204" pitchFamily="34" charset="0"/>
@@ -13181,7 +16748,7 @@
             </a:r>
             <a:endParaRPr sz="4000" b="1" dirty="0">
               <a:solidFill>
-                <a:srgbClr val="FF3300"/>
+                <a:schemeClr val="accent4"/>
               </a:solidFill>
               <a:latin typeface="Calibri" panose="020F0502020204030204" pitchFamily="34" charset="0"/>
               <a:ea typeface="Calibri" panose="020F0502020204030204" pitchFamily="34" charset="0"/>
@@ -14130,6 +17697,752 @@
     </p:bg>
     <p:spTree>
       <p:nvGrpSpPr>
+        <p:cNvPr id="1" name="">
+          <a:extLst>
+            <a:ext uri="{FF2B5EF4-FFF2-40B4-BE49-F238E27FC236}">
+              <a16:creationId xmlns:a16="http://schemas.microsoft.com/office/drawing/2014/main" id="{9AD039F5-2AF9-88F8-38A4-20BC9AE020F3}"/>
+            </a:ext>
+          </a:extLst>
+        </p:cNvPr>
+        <p:cNvGrpSpPr/>
+        <p:nvPr/>
+      </p:nvGrpSpPr>
+      <p:grpSpPr bwMode="auto">
+        <a:xfrm>
+          <a:off x="0" y="0"/>
+          <a:ext cx="0" cy="0"/>
+          <a:chOff x="0" y="0"/>
+          <a:chExt cx="0" cy="0"/>
+        </a:xfrm>
+      </p:grpSpPr>
+      <p:sp>
+        <p:nvSpPr>
+          <p:cNvPr id="712524180" name="Title 1">
+            <a:extLst>
+              <a:ext uri="{FF2B5EF4-FFF2-40B4-BE49-F238E27FC236}">
+                <a16:creationId xmlns:a16="http://schemas.microsoft.com/office/drawing/2014/main" id="{A96AA2EE-DC03-1E14-88BA-82DE2E935E0A}"/>
+              </a:ext>
+            </a:extLst>
+          </p:cNvPr>
+          <p:cNvSpPr>
+            <a:spLocks noGrp="1"/>
+          </p:cNvSpPr>
+          <p:nvPr>
+            <p:ph type="title"/>
+          </p:nvPr>
+        </p:nvSpPr>
+        <p:spPr bwMode="auto">
+          <a:xfrm>
+            <a:off x="0" y="0"/>
+            <a:ext cx="12192001" cy="1325563"/>
+          </a:xfrm>
+        </p:spPr>
+        <p:txBody>
+          <a:bodyPr vert="horz" lIns="91440" tIns="45720" rIns="91440" bIns="45720" rtlCol="0" anchor="ctr">
+            <a:normAutofit/>
+          </a:bodyPr>
+          <a:lstStyle/>
+          <a:p>
+            <a:r>
+              <a:rPr lang="en-GB" sz="4000" b="1" dirty="0">
+                <a:solidFill>
+                  <a:schemeClr val="accent4"/>
+                </a:solidFill>
+                <a:latin typeface="Calibri" panose="020F0502020204030204" pitchFamily="34" charset="0"/>
+                <a:ea typeface="Calibri" panose="020F0502020204030204" pitchFamily="34" charset="0"/>
+                <a:cs typeface="Calibri" panose="020F0502020204030204" pitchFamily="34" charset="0"/>
+              </a:rPr>
+              <a:t>Car Orientation Guidelines</a:t>
+            </a:r>
+            <a:endParaRPr sz="4000" b="1" dirty="0">
+              <a:solidFill>
+                <a:schemeClr val="accent4"/>
+              </a:solidFill>
+              <a:latin typeface="Calibri" panose="020F0502020204030204" pitchFamily="34" charset="0"/>
+              <a:ea typeface="Calibri" panose="020F0502020204030204" pitchFamily="34" charset="0"/>
+              <a:cs typeface="Calibri" panose="020F0502020204030204" pitchFamily="34" charset="0"/>
+            </a:endParaRPr>
+          </a:p>
+        </p:txBody>
+      </p:sp>
+      <p:pic>
+        <p:nvPicPr>
+          <p:cNvPr id="1543556019" name="Picture 3">
+            <a:extLst>
+              <a:ext uri="{FF2B5EF4-FFF2-40B4-BE49-F238E27FC236}">
+                <a16:creationId xmlns:a16="http://schemas.microsoft.com/office/drawing/2014/main" id="{26906B89-164B-0AC1-82B9-7B55F3400AA1}"/>
+              </a:ext>
+            </a:extLst>
+          </p:cNvPr>
+          <p:cNvPicPr>
+            <a:picLocks noChangeAspect="1"/>
+          </p:cNvPicPr>
+          <p:nvPr/>
+        </p:nvPicPr>
+        <p:blipFill>
+          <a:blip r:embed="rId3"/>
+          <a:stretch/>
+        </p:blipFill>
+        <p:spPr bwMode="auto">
+          <a:xfrm>
+            <a:off x="10080966" y="0"/>
+            <a:ext cx="2100150" cy="566056"/>
+          </a:xfrm>
+          <a:prstGeom prst="rect">
+            <a:avLst/>
+          </a:prstGeom>
+        </p:spPr>
+      </p:pic>
+      <p:sp>
+        <p:nvSpPr>
+          <p:cNvPr id="2" name="Date Placeholder 1">
+            <a:extLst>
+              <a:ext uri="{FF2B5EF4-FFF2-40B4-BE49-F238E27FC236}">
+                <a16:creationId xmlns:a16="http://schemas.microsoft.com/office/drawing/2014/main" id="{675D723B-0DC2-4639-3CE9-5D8B7C76F5E3}"/>
+              </a:ext>
+            </a:extLst>
+          </p:cNvPr>
+          <p:cNvSpPr>
+            <a:spLocks noGrp="1"/>
+          </p:cNvSpPr>
+          <p:nvPr>
+            <p:ph type="dt" sz="half" idx="10"/>
+          </p:nvPr>
+        </p:nvSpPr>
+        <p:spPr/>
+        <p:txBody>
+          <a:bodyPr/>
+          <a:lstStyle/>
+          <a:p>
+            <a:pPr>
+              <a:defRPr/>
+            </a:pPr>
+            <a:r>
+              <a:rPr lang="en-GB"/>
+              <a:t>07/12/2025</a:t>
+            </a:r>
+          </a:p>
+        </p:txBody>
+      </p:sp>
+      <p:sp>
+        <p:nvSpPr>
+          <p:cNvPr id="3" name="Slide Number Placeholder 2">
+            <a:extLst>
+              <a:ext uri="{FF2B5EF4-FFF2-40B4-BE49-F238E27FC236}">
+                <a16:creationId xmlns:a16="http://schemas.microsoft.com/office/drawing/2014/main" id="{83F7CC9E-9198-E97E-6E7E-C739128B7FC6}"/>
+              </a:ext>
+            </a:extLst>
+          </p:cNvPr>
+          <p:cNvSpPr>
+            <a:spLocks noGrp="1"/>
+          </p:cNvSpPr>
+          <p:nvPr>
+            <p:ph type="sldNum" sz="quarter" idx="12"/>
+          </p:nvPr>
+        </p:nvSpPr>
+        <p:spPr/>
+        <p:txBody>
+          <a:bodyPr/>
+          <a:lstStyle/>
+          <a:p>
+            <a:pPr>
+              <a:defRPr/>
+            </a:pPr>
+            <a:fld id="{09FCE3CD-8E5B-4FEB-BC1E-3D61BE3CC713}" type="slidenum">
+              <a:rPr lang="en-GB" smtClean="0"/>
+              <a:t>6</a:t>
+            </a:fld>
+            <a:endParaRPr lang="en-GB"/>
+          </a:p>
+        </p:txBody>
+      </p:sp>
+      <p:sp>
+        <p:nvSpPr>
+          <p:cNvPr id="4" name="TextBox 2">
+            <a:extLst>
+              <a:ext uri="{FF2B5EF4-FFF2-40B4-BE49-F238E27FC236}">
+                <a16:creationId xmlns:a16="http://schemas.microsoft.com/office/drawing/2014/main" id="{4BAD5D8D-DDFA-460E-9972-080C2164097B}"/>
+              </a:ext>
+            </a:extLst>
+          </p:cNvPr>
+          <p:cNvSpPr txBox="1"/>
+          <p:nvPr/>
+        </p:nvSpPr>
+        <p:spPr bwMode="auto">
+          <a:xfrm>
+            <a:off x="207380" y="966334"/>
+            <a:ext cx="11004905" cy="646331"/>
+          </a:xfrm>
+          <a:prstGeom prst="rect">
+            <a:avLst/>
+          </a:prstGeom>
+          <a:noFill/>
+        </p:spPr>
+        <p:txBody>
+          <a:bodyPr wrap="square" rtlCol="0">
+            <a:spAutoFit/>
+          </a:bodyPr>
+          <a:lstStyle/>
+          <a:p>
+            <a:pPr marR="0" lvl="0" algn="l" defTabSz="914400">
+              <a:lnSpc>
+                <a:spcPct val="100000"/>
+              </a:lnSpc>
+              <a:spcBef>
+                <a:spcPts val="0"/>
+              </a:spcBef>
+              <a:spcAft>
+                <a:spcPts val="0"/>
+              </a:spcAft>
+              <a:buClrTx/>
+              <a:buSzTx/>
+              <a:defRPr/>
+            </a:pPr>
+            <a:br>
+              <a:rPr lang="en-US" sz="1800" b="0" i="0" u="none" strike="noStrike" cap="none" spc="0" dirty="0">
+                <a:ln>
+                  <a:noFill/>
+                </a:ln>
+                <a:solidFill>
+                  <a:prstClr val="white"/>
+                </a:solidFill>
+                <a:latin typeface="Calibri Light" panose="020F0302020204030204" pitchFamily="34" charset="0"/>
+                <a:ea typeface="Calibri Light" panose="020F0302020204030204" pitchFamily="34" charset="0"/>
+                <a:cs typeface="Calibri Light" panose="020F0302020204030204" pitchFamily="34" charset="0"/>
+              </a:rPr>
+            </a:br>
+            <a:endParaRPr lang="en-GB" sz="1800" b="0" i="0" u="none" strike="noStrike" cap="none" spc="0" dirty="0">
+              <a:ln>
+                <a:noFill/>
+              </a:ln>
+              <a:solidFill>
+                <a:prstClr val="white"/>
+              </a:solidFill>
+              <a:latin typeface="Calibri Light" panose="020F0302020204030204" pitchFamily="34" charset="0"/>
+              <a:ea typeface="Calibri Light" panose="020F0302020204030204" pitchFamily="34" charset="0"/>
+              <a:cs typeface="Calibri Light" panose="020F0302020204030204" pitchFamily="34" charset="0"/>
+            </a:endParaRPr>
+          </a:p>
+        </p:txBody>
+      </p:sp>
+      <p:pic>
+        <p:nvPicPr>
+          <p:cNvPr id="10" name="Picture 9">
+            <a:extLst>
+              <a:ext uri="{FF2B5EF4-FFF2-40B4-BE49-F238E27FC236}">
+                <a16:creationId xmlns:a16="http://schemas.microsoft.com/office/drawing/2014/main" id="{917BB56D-643C-09C0-CE36-AA7B9DAA5649}"/>
+              </a:ext>
+            </a:extLst>
+          </p:cNvPr>
+          <p:cNvPicPr>
+            <a:picLocks noChangeAspect="1"/>
+          </p:cNvPicPr>
+          <p:nvPr/>
+        </p:nvPicPr>
+        <p:blipFill>
+          <a:blip r:embed="rId4" cstate="print">
+            <a:extLst>
+              <a:ext uri="{28A0092B-C50C-407E-A947-70E740481C1C}">
+                <a14:useLocalDpi xmlns:a14="http://schemas.microsoft.com/office/drawing/2010/main" val="0"/>
+              </a:ext>
+            </a:extLst>
+          </a:blip>
+          <a:stretch>
+            <a:fillRect/>
+          </a:stretch>
+        </p:blipFill>
+        <p:spPr>
+          <a:xfrm>
+            <a:off x="7754657" y="1274877"/>
+            <a:ext cx="2886839" cy="5132159"/>
+          </a:xfrm>
+          <a:prstGeom prst="rect">
+            <a:avLst/>
+          </a:prstGeom>
+        </p:spPr>
+      </p:pic>
+      <p:sp>
+        <p:nvSpPr>
+          <p:cNvPr id="11" name="TextBox 10">
+            <a:extLst>
+              <a:ext uri="{FF2B5EF4-FFF2-40B4-BE49-F238E27FC236}">
+                <a16:creationId xmlns:a16="http://schemas.microsoft.com/office/drawing/2014/main" id="{0BF50E66-2E71-7F3F-1721-C77D04694652}"/>
+              </a:ext>
+            </a:extLst>
+          </p:cNvPr>
+          <p:cNvSpPr txBox="1"/>
+          <p:nvPr/>
+        </p:nvSpPr>
+        <p:spPr>
+          <a:xfrm>
+            <a:off x="7873690" y="803109"/>
+            <a:ext cx="2924198" cy="369332"/>
+          </a:xfrm>
+          <a:prstGeom prst="rect">
+            <a:avLst/>
+          </a:prstGeom>
+          <a:noFill/>
+        </p:spPr>
+        <p:txBody>
+          <a:bodyPr wrap="none" rtlCol="0">
+            <a:spAutoFit/>
+          </a:bodyPr>
+          <a:lstStyle/>
+          <a:p>
+            <a:r>
+              <a:rPr lang="en-GB" b="1" dirty="0">
+                <a:solidFill>
+                  <a:schemeClr val="bg1"/>
+                </a:solidFill>
+              </a:rPr>
+              <a:t>Car’s </a:t>
+            </a:r>
+            <a:r>
+              <a:rPr lang="en-GB" b="1" dirty="0">
+                <a:solidFill>
+                  <a:schemeClr val="accent5">
+                    <a:lumMod val="75000"/>
+                  </a:schemeClr>
+                </a:solidFill>
+              </a:rPr>
+              <a:t>FORWARD</a:t>
+            </a:r>
+            <a:r>
+              <a:rPr lang="en-GB" b="1" dirty="0">
+                <a:solidFill>
+                  <a:schemeClr val="bg1"/>
+                </a:solidFill>
+              </a:rPr>
+              <a:t> Direction</a:t>
+            </a:r>
+          </a:p>
+        </p:txBody>
+      </p:sp>
+      <p:sp>
+        <p:nvSpPr>
+          <p:cNvPr id="12" name="TextBox 11">
+            <a:extLst>
+              <a:ext uri="{FF2B5EF4-FFF2-40B4-BE49-F238E27FC236}">
+                <a16:creationId xmlns:a16="http://schemas.microsoft.com/office/drawing/2014/main" id="{ED089BE0-109A-C207-B0EB-C3410C33ECFF}"/>
+              </a:ext>
+            </a:extLst>
+          </p:cNvPr>
+          <p:cNvSpPr txBox="1"/>
+          <p:nvPr/>
+        </p:nvSpPr>
+        <p:spPr bwMode="auto">
+          <a:xfrm>
+            <a:off x="7873690" y="6458786"/>
+            <a:ext cx="3078087" cy="369332"/>
+          </a:xfrm>
+          <a:prstGeom prst="rect">
+            <a:avLst/>
+          </a:prstGeom>
+          <a:noFill/>
+        </p:spPr>
+        <p:txBody>
+          <a:bodyPr wrap="none" rtlCol="0">
+            <a:spAutoFit/>
+          </a:bodyPr>
+          <a:lstStyle/>
+          <a:p>
+            <a:r>
+              <a:rPr lang="en-GB" b="1" dirty="0">
+                <a:solidFill>
+                  <a:schemeClr val="bg1"/>
+                </a:solidFill>
+              </a:rPr>
+              <a:t>Car’s </a:t>
+            </a:r>
+            <a:r>
+              <a:rPr lang="en-GB" b="1" dirty="0">
+                <a:solidFill>
+                  <a:schemeClr val="accent5">
+                    <a:lumMod val="75000"/>
+                  </a:schemeClr>
+                </a:solidFill>
+              </a:rPr>
+              <a:t>BACKWARD</a:t>
+            </a:r>
+            <a:r>
+              <a:rPr lang="en-GB" b="1" dirty="0">
+                <a:solidFill>
+                  <a:schemeClr val="bg1"/>
+                </a:solidFill>
+              </a:rPr>
+              <a:t> Direction</a:t>
+            </a:r>
+          </a:p>
+        </p:txBody>
+      </p:sp>
+      <p:sp>
+        <p:nvSpPr>
+          <p:cNvPr id="13" name="TextBox 12">
+            <a:extLst>
+              <a:ext uri="{FF2B5EF4-FFF2-40B4-BE49-F238E27FC236}">
+                <a16:creationId xmlns:a16="http://schemas.microsoft.com/office/drawing/2014/main" id="{012F6570-6F61-9023-47AC-F7460D828C05}"/>
+              </a:ext>
+            </a:extLst>
+          </p:cNvPr>
+          <p:cNvSpPr txBox="1"/>
+          <p:nvPr/>
+        </p:nvSpPr>
+        <p:spPr bwMode="auto">
+          <a:xfrm rot="16200000">
+            <a:off x="6301807" y="3536468"/>
+            <a:ext cx="2308645" cy="369332"/>
+          </a:xfrm>
+          <a:prstGeom prst="rect">
+            <a:avLst/>
+          </a:prstGeom>
+          <a:noFill/>
+        </p:spPr>
+        <p:txBody>
+          <a:bodyPr wrap="none" rtlCol="0">
+            <a:spAutoFit/>
+          </a:bodyPr>
+          <a:lstStyle/>
+          <a:p>
+            <a:r>
+              <a:rPr lang="en-GB" b="1" dirty="0">
+                <a:solidFill>
+                  <a:schemeClr val="bg1"/>
+                </a:solidFill>
+              </a:rPr>
+              <a:t>Car’s </a:t>
+            </a:r>
+            <a:r>
+              <a:rPr lang="en-GB" b="1" dirty="0">
+                <a:solidFill>
+                  <a:schemeClr val="accent5">
+                    <a:lumMod val="75000"/>
+                  </a:schemeClr>
+                </a:solidFill>
+              </a:rPr>
+              <a:t>LEFT</a:t>
+            </a:r>
+            <a:r>
+              <a:rPr lang="en-GB" b="1" dirty="0">
+                <a:solidFill>
+                  <a:schemeClr val="bg1"/>
+                </a:solidFill>
+              </a:rPr>
+              <a:t> Direction</a:t>
+            </a:r>
+          </a:p>
+        </p:txBody>
+      </p:sp>
+      <p:sp>
+        <p:nvSpPr>
+          <p:cNvPr id="14" name="TextBox 13">
+            <a:extLst>
+              <a:ext uri="{FF2B5EF4-FFF2-40B4-BE49-F238E27FC236}">
+                <a16:creationId xmlns:a16="http://schemas.microsoft.com/office/drawing/2014/main" id="{C679E6A7-32DE-E893-CD91-30D5555B06F5}"/>
+              </a:ext>
+            </a:extLst>
+          </p:cNvPr>
+          <p:cNvSpPr txBox="1"/>
+          <p:nvPr/>
+        </p:nvSpPr>
+        <p:spPr bwMode="auto">
+          <a:xfrm rot="5400000">
+            <a:off x="9706292" y="3656290"/>
+            <a:ext cx="2480166" cy="369332"/>
+          </a:xfrm>
+          <a:prstGeom prst="rect">
+            <a:avLst/>
+          </a:prstGeom>
+          <a:noFill/>
+        </p:spPr>
+        <p:txBody>
+          <a:bodyPr wrap="none" rtlCol="0">
+            <a:spAutoFit/>
+          </a:bodyPr>
+          <a:lstStyle/>
+          <a:p>
+            <a:r>
+              <a:rPr lang="en-GB" b="1" dirty="0">
+                <a:solidFill>
+                  <a:schemeClr val="bg1"/>
+                </a:solidFill>
+              </a:rPr>
+              <a:t>Car’s </a:t>
+            </a:r>
+            <a:r>
+              <a:rPr lang="en-GB" b="1" dirty="0">
+                <a:solidFill>
+                  <a:schemeClr val="accent5">
+                    <a:lumMod val="75000"/>
+                  </a:schemeClr>
+                </a:solidFill>
+              </a:rPr>
+              <a:t>RIGHT</a:t>
+            </a:r>
+            <a:r>
+              <a:rPr lang="en-GB" b="1" dirty="0">
+                <a:solidFill>
+                  <a:schemeClr val="bg1"/>
+                </a:solidFill>
+              </a:rPr>
+              <a:t> Direction</a:t>
+            </a:r>
+          </a:p>
+        </p:txBody>
+      </p:sp>
+      <p:sp>
+        <p:nvSpPr>
+          <p:cNvPr id="15" name="Rectangle 1">
+            <a:extLst>
+              <a:ext uri="{FF2B5EF4-FFF2-40B4-BE49-F238E27FC236}">
+                <a16:creationId xmlns:a16="http://schemas.microsoft.com/office/drawing/2014/main" id="{497C75B8-39AD-B30F-5B07-17DE9BD55963}"/>
+              </a:ext>
+            </a:extLst>
+          </p:cNvPr>
+          <p:cNvSpPr>
+            <a:spLocks noChangeArrowheads="1"/>
+          </p:cNvSpPr>
+          <p:nvPr/>
+        </p:nvSpPr>
+        <p:spPr bwMode="auto">
+          <a:xfrm>
+            <a:off x="421664" y="1972496"/>
+            <a:ext cx="6152322" cy="3108543"/>
+          </a:xfrm>
+          <a:prstGeom prst="rect">
+            <a:avLst/>
+          </a:prstGeom>
+          <a:noFill/>
+          <a:ln>
+            <a:noFill/>
+          </a:ln>
+          <a:effectLst/>
+          <a:extLst>
+            <a:ext uri="{909E8E84-426E-40DD-AFC4-6F175D3DCCD1}">
+              <a14:hiddenFill xmlns:a14="http://schemas.microsoft.com/office/drawing/2010/main">
+                <a:solidFill>
+                  <a:schemeClr val="accent1"/>
+                </a:solidFill>
+              </a14:hiddenFill>
+            </a:ext>
+            <a:ext uri="{91240B29-F687-4F45-9708-019B960494DF}">
+              <a14:hiddenLine xmlns:a14="http://schemas.microsoft.com/office/drawing/2010/main" w="9525">
+                <a:solidFill>
+                  <a:schemeClr val="tx1"/>
+                </a:solidFill>
+                <a:miter lim="800000"/>
+                <a:headEnd/>
+                <a:tailEnd/>
+              </a14:hiddenLine>
+            </a:ext>
+            <a:ext uri="{AF507438-7753-43E0-B8FC-AC1667EBCBE1}">
+              <a14:hiddenEffects xmlns:a14="http://schemas.microsoft.com/office/drawing/2010/main">
+                <a:effectLst>
+                  <a:outerShdw dist="35921" dir="2700000" algn="ctr" rotWithShape="0">
+                    <a:schemeClr val="bg2"/>
+                  </a:outerShdw>
+                </a:effectLst>
+              </a14:hiddenEffects>
+            </a:ext>
+          </a:extLst>
+        </p:spPr>
+        <p:txBody>
+          <a:bodyPr vert="horz" wrap="square" lIns="91440" tIns="45720" rIns="91440" bIns="45720" numCol="1" anchor="ctr" anchorCtr="0" compatLnSpc="1">
+            <a:prstTxWarp prst="textNoShape">
+              <a:avLst/>
+            </a:prstTxWarp>
+            <a:spAutoFit/>
+          </a:bodyPr>
+          <a:lstStyle/>
+          <a:p>
+            <a:pPr marL="0" marR="0" lvl="0" indent="0" algn="l" defTabSz="914400" rtl="0" eaLnBrk="0" fontAlgn="base" latinLnBrk="0" hangingPunct="0">
+              <a:lnSpc>
+                <a:spcPct val="100000"/>
+              </a:lnSpc>
+              <a:spcBef>
+                <a:spcPct val="0"/>
+              </a:spcBef>
+              <a:spcAft>
+                <a:spcPct val="0"/>
+              </a:spcAft>
+              <a:buClrTx/>
+              <a:buSzTx/>
+              <a:buFontTx/>
+              <a:buChar char="•"/>
+              <a:tabLst/>
+            </a:pPr>
+            <a:r>
+              <a:rPr kumimoji="0" lang="en-US" altLang="en-US" sz="2800" b="0" i="0" u="none" strike="noStrike" cap="none" normalizeH="0" baseline="0" dirty="0">
+                <a:ln>
+                  <a:noFill/>
+                </a:ln>
+                <a:solidFill>
+                  <a:schemeClr val="bg1"/>
+                </a:solidFill>
+                <a:effectLst/>
+                <a:latin typeface="Arial" panose="020B0604020202020204" pitchFamily="34" charset="0"/>
+              </a:rPr>
+              <a:t>  It is good practice to follow consistent </a:t>
+            </a:r>
+            <a:r>
+              <a:rPr kumimoji="0" lang="en-US" altLang="en-US" sz="2800" b="0" i="1" u="none" strike="noStrike" cap="none" normalizeH="0" baseline="0" dirty="0">
+                <a:ln>
+                  <a:noFill/>
+                </a:ln>
+                <a:solidFill>
+                  <a:schemeClr val="bg1"/>
+                </a:solidFill>
+                <a:effectLst/>
+                <a:latin typeface="Arial" panose="020B0604020202020204" pitchFamily="34" charset="0"/>
+              </a:rPr>
+              <a:t>orientation</a:t>
+            </a:r>
+            <a:r>
+              <a:rPr kumimoji="0" lang="en-US" altLang="en-US" sz="2800" b="0" i="0" u="none" strike="noStrike" cap="none" normalizeH="0" baseline="0" dirty="0">
+                <a:ln>
+                  <a:noFill/>
+                </a:ln>
+                <a:solidFill>
+                  <a:schemeClr val="bg1"/>
+                </a:solidFill>
+                <a:effectLst/>
+                <a:latin typeface="Arial" panose="020B0604020202020204" pitchFamily="34" charset="0"/>
+              </a:rPr>
+              <a:t> terminology when navigating the car.</a:t>
+            </a:r>
+          </a:p>
+          <a:p>
+            <a:pPr marL="0" marR="0" lvl="0" indent="0" algn="l" defTabSz="914400" rtl="0" eaLnBrk="0" fontAlgn="base" latinLnBrk="0" hangingPunct="0">
+              <a:lnSpc>
+                <a:spcPct val="100000"/>
+              </a:lnSpc>
+              <a:spcBef>
+                <a:spcPct val="0"/>
+              </a:spcBef>
+              <a:spcAft>
+                <a:spcPct val="0"/>
+              </a:spcAft>
+              <a:buClrTx/>
+              <a:buSzTx/>
+              <a:tabLst/>
+            </a:pPr>
+            <a:endParaRPr kumimoji="0" lang="en-US" altLang="en-US" sz="2800" b="0" i="0" u="none" strike="noStrike" cap="none" normalizeH="0" baseline="0" dirty="0">
+              <a:ln>
+                <a:noFill/>
+              </a:ln>
+              <a:solidFill>
+                <a:schemeClr val="bg1"/>
+              </a:solidFill>
+              <a:effectLst/>
+              <a:latin typeface="Arial" panose="020B0604020202020204" pitchFamily="34" charset="0"/>
+            </a:endParaRPr>
+          </a:p>
+          <a:p>
+            <a:pPr marL="0" marR="0" lvl="0" indent="0" algn="l" defTabSz="914400" rtl="0" eaLnBrk="0" fontAlgn="base" latinLnBrk="0" hangingPunct="0">
+              <a:lnSpc>
+                <a:spcPct val="100000"/>
+              </a:lnSpc>
+              <a:spcBef>
+                <a:spcPct val="0"/>
+              </a:spcBef>
+              <a:spcAft>
+                <a:spcPct val="0"/>
+              </a:spcAft>
+              <a:buClrTx/>
+              <a:buSzTx/>
+              <a:buFontTx/>
+              <a:buChar char="•"/>
+              <a:tabLst/>
+            </a:pPr>
+            <a:r>
+              <a:rPr kumimoji="0" lang="en-US" altLang="en-US" sz="2800" b="0" i="0" u="none" strike="noStrike" cap="none" normalizeH="0" baseline="0" dirty="0">
+                <a:ln>
+                  <a:noFill/>
+                </a:ln>
+                <a:solidFill>
+                  <a:schemeClr val="bg1"/>
+                </a:solidFill>
+                <a:effectLst/>
+                <a:latin typeface="Arial" panose="020B0604020202020204" pitchFamily="34" charset="0"/>
+              </a:rPr>
+              <a:t>  As a guideline, we use the car’s orientation shown in this picture</a:t>
+            </a:r>
+            <a:r>
+              <a:rPr lang="en-US" altLang="en-US" sz="2800" dirty="0">
+                <a:solidFill>
+                  <a:schemeClr val="bg1"/>
+                </a:solidFill>
+                <a:latin typeface="Arial" panose="020B0604020202020204" pitchFamily="34" charset="0"/>
+              </a:rPr>
+              <a:t>       </a:t>
+            </a:r>
+            <a:r>
+              <a:rPr kumimoji="0" lang="en-US" altLang="en-US" sz="2800" b="0" i="0" u="none" strike="noStrike" cap="none" normalizeH="0" baseline="0" dirty="0">
+                <a:ln>
+                  <a:noFill/>
+                </a:ln>
+                <a:solidFill>
+                  <a:schemeClr val="bg1"/>
+                </a:solidFill>
+                <a:effectLst/>
+                <a:latin typeface="Arial" panose="020B0604020202020204" pitchFamily="34" charset="0"/>
+              </a:rPr>
+              <a:t>—</a:t>
+            </a:r>
+            <a:r>
+              <a:rPr kumimoji="0" lang="en-US" altLang="en-US" sz="2800" b="1" i="0" u="none" strike="noStrike" cap="none" normalizeH="0" baseline="0" dirty="0">
+                <a:ln>
+                  <a:noFill/>
+                </a:ln>
+                <a:solidFill>
+                  <a:schemeClr val="bg1"/>
+                </a:solidFill>
+                <a:effectLst/>
+                <a:latin typeface="Arial" panose="020B0604020202020204" pitchFamily="34" charset="0"/>
+              </a:rPr>
+              <a:t>the car is facing away from you</a:t>
+            </a:r>
+            <a:r>
+              <a:rPr kumimoji="0" lang="en-US" altLang="en-US" sz="2800" b="0" i="0" u="none" strike="noStrike" cap="none" normalizeH="0" baseline="0" dirty="0">
+                <a:ln>
+                  <a:noFill/>
+                </a:ln>
+                <a:solidFill>
+                  <a:schemeClr val="bg1"/>
+                </a:solidFill>
+                <a:effectLst/>
+                <a:latin typeface="Arial" panose="020B0604020202020204" pitchFamily="34" charset="0"/>
+              </a:rPr>
+              <a:t>.</a:t>
+            </a:r>
+          </a:p>
+        </p:txBody>
+      </p:sp>
+    </p:spTree>
+    <p:extLst>
+      <p:ext uri="{BB962C8B-B14F-4D97-AF65-F5344CB8AC3E}">
+        <p14:creationId xmlns:p14="http://schemas.microsoft.com/office/powerpoint/2010/main" val="2258036291"/>
+      </p:ext>
+    </p:extLst>
+  </p:cSld>
+  <p:clrMapOvr>
+    <a:masterClrMapping/>
+  </p:clrMapOvr>
+</p:sld>
+</file>
+
+<file path=ppt/slides/slide7.xml><?xml version="1.0" encoding="utf-8"?>
+<p:sld xmlns:a="http://schemas.openxmlformats.org/drawingml/2006/main" xmlns:r="http://schemas.openxmlformats.org/officeDocument/2006/relationships" xmlns:p="http://schemas.openxmlformats.org/presentationml/2006/main" showMasterPhAnim="0">
+  <p:cSld>
+    <p:bg>
+      <p:bgPr>
+        <a:solidFill>
+          <a:schemeClr val="tx2"/>
+        </a:solidFill>
+        <a:effectLst/>
+      </p:bgPr>
+    </p:bg>
+    <p:spTree>
+      <p:nvGrpSpPr>
         <p:cNvPr id="1" name=""/>
         <p:cNvGrpSpPr/>
         <p:nvPr/>
@@ -14167,7 +18480,7 @@
             <a:r>
               <a:rPr lang="en-GB" sz="4000" b="1" dirty="0">
                 <a:solidFill>
-                  <a:srgbClr val="FF3300"/>
+                  <a:schemeClr val="accent4"/>
                 </a:solidFill>
                 <a:latin typeface="Calibri" panose="020F0502020204030204" pitchFamily="34" charset="0"/>
                 <a:ea typeface="Calibri" panose="020F0502020204030204" pitchFamily="34" charset="0"/>
@@ -14177,7 +18490,7 @@
             </a:r>
             <a:endParaRPr sz="4000" b="1" dirty="0">
               <a:solidFill>
-                <a:srgbClr val="FF3300"/>
+                <a:schemeClr val="accent4"/>
               </a:solidFill>
               <a:latin typeface="Calibri" panose="020F0502020204030204" pitchFamily="34" charset="0"/>
               <a:ea typeface="Calibri" panose="020F0502020204030204" pitchFamily="34" charset="0"/>
@@ -15068,868 +19381,6 @@
             </a:pPr>
             <a:fld id="{09FCE3CD-8E5B-4FEB-BC1E-3D61BE3CC713}" type="slidenum">
               <a:rPr lang="en-GB" smtClean="0"/>
-              <a:t>6</a:t>
-            </a:fld>
-            <a:endParaRPr lang="en-GB"/>
-          </a:p>
-        </p:txBody>
-      </p:sp>
-    </p:spTree>
-  </p:cSld>
-  <p:clrMapOvr>
-    <a:masterClrMapping/>
-  </p:clrMapOvr>
-</p:sld>
-</file>
-
-<file path=ppt/slides/slide7.xml><?xml version="1.0" encoding="utf-8"?>
-<p:sld xmlns:a="http://schemas.openxmlformats.org/drawingml/2006/main" xmlns:r="http://schemas.openxmlformats.org/officeDocument/2006/relationships" xmlns:p="http://schemas.openxmlformats.org/presentationml/2006/main" showMasterPhAnim="0">
-  <p:cSld>
-    <p:bg>
-      <p:bgPr>
-        <a:solidFill>
-          <a:schemeClr val="tx2"/>
-        </a:solidFill>
-        <a:effectLst/>
-      </p:bgPr>
-    </p:bg>
-    <p:spTree>
-      <p:nvGrpSpPr>
-        <p:cNvPr id="1" name=""/>
-        <p:cNvGrpSpPr/>
-        <p:nvPr/>
-      </p:nvGrpSpPr>
-      <p:grpSpPr bwMode="auto">
-        <a:xfrm>
-          <a:off x="0" y="0"/>
-          <a:ext cx="0" cy="0"/>
-          <a:chOff x="0" y="0"/>
-          <a:chExt cx="0" cy="0"/>
-        </a:xfrm>
-      </p:grpSpPr>
-      <p:sp>
-        <p:nvSpPr>
-          <p:cNvPr id="1673206442" name="Title 1"/>
-          <p:cNvSpPr>
-            <a:spLocks noGrp="1"/>
-          </p:cNvSpPr>
-          <p:nvPr>
-            <p:ph type="title"/>
-          </p:nvPr>
-        </p:nvSpPr>
-        <p:spPr bwMode="auto">
-          <a:xfrm>
-            <a:off x="0" y="0"/>
-            <a:ext cx="12192001" cy="1325563"/>
-          </a:xfrm>
-        </p:spPr>
-        <p:txBody>
-          <a:bodyPr vert="horz" lIns="91440" tIns="45720" rIns="91440" bIns="45720" rtlCol="0" anchor="ctr">
-            <a:normAutofit/>
-          </a:bodyPr>
-          <a:lstStyle/>
-          <a:p>
-            <a:r>
-              <a:rPr lang="en-GB" sz="4000" b="1" dirty="0">
-                <a:solidFill>
-                  <a:srgbClr val="FF3300"/>
-                </a:solidFill>
-                <a:latin typeface="Calibri" panose="020F0502020204030204" pitchFamily="34" charset="0"/>
-                <a:ea typeface="Calibri" panose="020F0502020204030204" pitchFamily="34" charset="0"/>
-                <a:cs typeface="Calibri" panose="020F0502020204030204" pitchFamily="34" charset="0"/>
-              </a:rPr>
-              <a:t>Lab 1:  Basic Movements</a:t>
-            </a:r>
-            <a:endParaRPr sz="4000" b="1" dirty="0">
-              <a:solidFill>
-                <a:srgbClr val="FF3300"/>
-              </a:solidFill>
-              <a:latin typeface="Calibri" panose="020F0502020204030204" pitchFamily="34" charset="0"/>
-              <a:ea typeface="Calibri" panose="020F0502020204030204" pitchFamily="34" charset="0"/>
-              <a:cs typeface="Calibri" panose="020F0502020204030204" pitchFamily="34" charset="0"/>
-            </a:endParaRPr>
-          </a:p>
-        </p:txBody>
-      </p:sp>
-      <p:sp>
-        <p:nvSpPr>
-          <p:cNvPr id="1467460504" name="TextBox 3"/>
-          <p:cNvSpPr txBox="1"/>
-          <p:nvPr/>
-        </p:nvSpPr>
-        <p:spPr bwMode="auto">
-          <a:xfrm>
-            <a:off x="422818" y="1774094"/>
-            <a:ext cx="4884671" cy="2862322"/>
-          </a:xfrm>
-          <a:prstGeom prst="rect">
-            <a:avLst/>
-          </a:prstGeom>
-          <a:noFill/>
-          <a:ln>
-            <a:solidFill>
-              <a:schemeClr val="accent2"/>
-            </a:solidFill>
-          </a:ln>
-        </p:spPr>
-        <p:txBody>
-          <a:bodyPr wrap="none" rtlCol="0">
-            <a:spAutoFit/>
-          </a:bodyPr>
-          <a:lstStyle/>
-          <a:p>
-            <a:pPr marL="0" marR="0" lvl="0" indent="0" algn="l" defTabSz="914400">
-              <a:lnSpc>
-                <a:spcPct val="100000"/>
-              </a:lnSpc>
-              <a:spcBef>
-                <a:spcPts val="0"/>
-              </a:spcBef>
-              <a:spcAft>
-                <a:spcPts val="0"/>
-              </a:spcAft>
-              <a:buClrTx/>
-              <a:buSzTx/>
-              <a:buFontTx/>
-              <a:buNone/>
-              <a:defRPr/>
-            </a:pPr>
-            <a:r>
-              <a:rPr lang="it-IT" sz="1800" b="0" i="0" u="none" strike="noStrike" cap="none" spc="0" dirty="0">
-                <a:ln>
-                  <a:noFill/>
-                </a:ln>
-                <a:solidFill>
-                  <a:prstClr val="white"/>
-                </a:solidFill>
-                <a:latin typeface="Aptos"/>
-                <a:ea typeface="+mn-ea"/>
-                <a:cs typeface="+mn-cs"/>
-              </a:rPr>
-              <a:t>// ============== Pin </a:t>
-            </a:r>
-            <a:r>
-              <a:rPr lang="en-GB" sz="1800" b="0" i="0" u="none" strike="noStrike" cap="none" spc="0" dirty="0">
-                <a:ln>
-                  <a:noFill/>
-                </a:ln>
-                <a:solidFill>
-                  <a:prstClr val="white"/>
-                </a:solidFill>
-                <a:latin typeface="Aptos"/>
-                <a:ea typeface="+mn-ea"/>
-                <a:cs typeface="+mn-cs"/>
-              </a:rPr>
-              <a:t>Definitions</a:t>
-            </a:r>
-            <a:r>
-              <a:rPr lang="it-IT" sz="1800" b="0" i="0" u="none" strike="noStrike" cap="none" spc="0" dirty="0">
-                <a:ln>
-                  <a:noFill/>
-                </a:ln>
-                <a:solidFill>
-                  <a:prstClr val="white"/>
-                </a:solidFill>
-                <a:latin typeface="Aptos"/>
-                <a:ea typeface="+mn-ea"/>
-                <a:cs typeface="+mn-cs"/>
-              </a:rPr>
-              <a:t> ==========</a:t>
-            </a:r>
-            <a:endParaRPr dirty="0"/>
-          </a:p>
-          <a:p>
-            <a:pPr marL="0" marR="0" lvl="0" indent="0" algn="l" defTabSz="914400">
-              <a:lnSpc>
-                <a:spcPct val="100000"/>
-              </a:lnSpc>
-              <a:spcBef>
-                <a:spcPts val="0"/>
-              </a:spcBef>
-              <a:spcAft>
-                <a:spcPts val="0"/>
-              </a:spcAft>
-              <a:buClrTx/>
-              <a:buSzTx/>
-              <a:buFontTx/>
-              <a:buNone/>
-              <a:defRPr/>
-            </a:pPr>
-            <a:r>
-              <a:rPr lang="it-IT" sz="1800" b="0" i="0" u="none" strike="noStrike" cap="none" spc="0" dirty="0">
-                <a:ln>
-                  <a:noFill/>
-                </a:ln>
-                <a:solidFill>
-                  <a:prstClr val="white"/>
-                </a:solidFill>
-                <a:highlight>
-                  <a:srgbClr val="FF0000"/>
-                </a:highlight>
-                <a:latin typeface="Aptos"/>
-                <a:ea typeface="+mn-ea"/>
-                <a:cs typeface="+mn-cs"/>
-              </a:rPr>
-              <a:t>// Left Motor</a:t>
-            </a:r>
-            <a:endParaRPr dirty="0">
-              <a:highlight>
-                <a:srgbClr val="FF0000"/>
-              </a:highlight>
-            </a:endParaRPr>
-          </a:p>
-          <a:p>
-            <a:pPr>
-              <a:defRPr/>
-            </a:pPr>
-            <a:r>
-              <a:rPr lang="en-US" dirty="0">
-                <a:solidFill>
-                  <a:schemeClr val="bg1"/>
-                </a:solidFill>
-              </a:rPr>
-              <a:t>#define Left1 7</a:t>
-            </a:r>
-          </a:p>
-          <a:p>
-            <a:pPr>
-              <a:defRPr/>
-            </a:pPr>
-            <a:r>
-              <a:rPr lang="en-US" dirty="0">
-                <a:solidFill>
-                  <a:schemeClr val="bg1"/>
-                </a:solidFill>
-              </a:rPr>
-              <a:t>#define Left2 8</a:t>
-            </a:r>
-          </a:p>
-          <a:p>
-            <a:pPr>
-              <a:defRPr/>
-            </a:pPr>
-            <a:r>
-              <a:rPr lang="en-US" dirty="0">
-                <a:solidFill>
-                  <a:schemeClr val="bg1"/>
-                </a:solidFill>
-              </a:rPr>
-              <a:t>#define </a:t>
-            </a:r>
-            <a:r>
-              <a:rPr lang="en-US" dirty="0" err="1">
-                <a:solidFill>
-                  <a:schemeClr val="bg1"/>
-                </a:solidFill>
-              </a:rPr>
-              <a:t>Left_Speed</a:t>
-            </a:r>
-            <a:r>
-              <a:rPr lang="en-US" dirty="0">
-                <a:solidFill>
-                  <a:schemeClr val="bg1"/>
-                </a:solidFill>
-              </a:rPr>
-              <a:t> 6</a:t>
-            </a:r>
-          </a:p>
-          <a:p>
-            <a:pPr marL="0" marR="0" lvl="0" indent="0" algn="l" defTabSz="914400">
-              <a:lnSpc>
-                <a:spcPct val="100000"/>
-              </a:lnSpc>
-              <a:spcBef>
-                <a:spcPts val="0"/>
-              </a:spcBef>
-              <a:spcAft>
-                <a:spcPts val="0"/>
-              </a:spcAft>
-              <a:buClrTx/>
-              <a:buSzTx/>
-              <a:buFontTx/>
-              <a:buNone/>
-              <a:defRPr/>
-            </a:pPr>
-            <a:endParaRPr lang="it-IT" sz="1800" b="0" i="0" u="none" strike="noStrike" cap="none" spc="0" dirty="0">
-              <a:ln>
-                <a:noFill/>
-              </a:ln>
-              <a:solidFill>
-                <a:prstClr val="white"/>
-              </a:solidFill>
-              <a:latin typeface="Aptos"/>
-              <a:ea typeface="+mn-ea"/>
-              <a:cs typeface="+mn-cs"/>
-            </a:endParaRPr>
-          </a:p>
-          <a:p>
-            <a:pPr marL="0" marR="0" lvl="0" indent="0" algn="l" defTabSz="914400">
-              <a:lnSpc>
-                <a:spcPct val="100000"/>
-              </a:lnSpc>
-              <a:spcBef>
-                <a:spcPts val="0"/>
-              </a:spcBef>
-              <a:spcAft>
-                <a:spcPts val="0"/>
-              </a:spcAft>
-              <a:buClrTx/>
-              <a:buSzTx/>
-              <a:buFontTx/>
-              <a:buNone/>
-              <a:defRPr/>
-            </a:pPr>
-            <a:r>
-              <a:rPr lang="it-IT" sz="1800" b="0" i="0" u="none" strike="noStrike" cap="none" spc="0" dirty="0">
-                <a:ln>
-                  <a:noFill/>
-                </a:ln>
-                <a:solidFill>
-                  <a:prstClr val="white"/>
-                </a:solidFill>
-                <a:highlight>
-                  <a:srgbClr val="FF0000"/>
-                </a:highlight>
-                <a:latin typeface="Aptos"/>
-                <a:ea typeface="+mn-ea"/>
-                <a:cs typeface="+mn-cs"/>
-              </a:rPr>
-              <a:t>// </a:t>
-            </a:r>
-            <a:r>
-              <a:rPr lang="it-IT" sz="1800" b="0" i="0" u="none" strike="noStrike" cap="none" spc="0" dirty="0" err="1">
-                <a:ln>
-                  <a:noFill/>
-                </a:ln>
-                <a:solidFill>
-                  <a:prstClr val="white"/>
-                </a:solidFill>
-                <a:highlight>
-                  <a:srgbClr val="FF0000"/>
-                </a:highlight>
-                <a:latin typeface="Aptos"/>
-                <a:ea typeface="+mn-ea"/>
-                <a:cs typeface="+mn-cs"/>
-              </a:rPr>
-              <a:t>Right</a:t>
-            </a:r>
-            <a:r>
-              <a:rPr lang="it-IT" sz="1800" b="0" i="0" u="none" strike="noStrike" cap="none" spc="0" dirty="0">
-                <a:ln>
-                  <a:noFill/>
-                </a:ln>
-                <a:solidFill>
-                  <a:prstClr val="white"/>
-                </a:solidFill>
-                <a:highlight>
-                  <a:srgbClr val="FF0000"/>
-                </a:highlight>
-                <a:latin typeface="Aptos"/>
-                <a:ea typeface="+mn-ea"/>
-                <a:cs typeface="+mn-cs"/>
-              </a:rPr>
-              <a:t> Motor</a:t>
-            </a:r>
-            <a:endParaRPr dirty="0">
-              <a:highlight>
-                <a:srgbClr val="FF0000"/>
-              </a:highlight>
-            </a:endParaRPr>
-          </a:p>
-          <a:p>
-            <a:pPr>
-              <a:defRPr/>
-            </a:pPr>
-            <a:r>
-              <a:rPr lang="en-US" dirty="0">
-                <a:solidFill>
-                  <a:schemeClr val="bg1"/>
-                </a:solidFill>
-              </a:rPr>
-              <a:t>#define Right1 3</a:t>
-            </a:r>
-          </a:p>
-          <a:p>
-            <a:pPr>
-              <a:defRPr/>
-            </a:pPr>
-            <a:r>
-              <a:rPr lang="en-US" dirty="0">
-                <a:solidFill>
-                  <a:schemeClr val="bg1"/>
-                </a:solidFill>
-              </a:rPr>
-              <a:t>#define Right2 4</a:t>
-            </a:r>
-          </a:p>
-          <a:p>
-            <a:pPr>
-              <a:defRPr/>
-            </a:pPr>
-            <a:r>
-              <a:rPr lang="en-US" dirty="0">
-                <a:solidFill>
-                  <a:schemeClr val="bg1"/>
-                </a:solidFill>
-              </a:rPr>
-              <a:t>#define </a:t>
-            </a:r>
-            <a:r>
-              <a:rPr lang="en-US" dirty="0" err="1">
-                <a:solidFill>
-                  <a:schemeClr val="bg1"/>
-                </a:solidFill>
-              </a:rPr>
-              <a:t>Right_Speed</a:t>
-            </a:r>
-            <a:r>
-              <a:rPr lang="en-US" dirty="0">
-                <a:solidFill>
-                  <a:schemeClr val="bg1"/>
-                </a:solidFill>
-              </a:rPr>
-              <a:t> 5</a:t>
-            </a:r>
-          </a:p>
-        </p:txBody>
-      </p:sp>
-      <p:sp>
-        <p:nvSpPr>
-          <p:cNvPr id="1477010180" name="TextBox 4"/>
-          <p:cNvSpPr txBox="1"/>
-          <p:nvPr/>
-        </p:nvSpPr>
-        <p:spPr bwMode="auto">
-          <a:xfrm>
-            <a:off x="5965371" y="1774094"/>
-            <a:ext cx="5954486" cy="2677656"/>
-          </a:xfrm>
-          <a:prstGeom prst="rect">
-            <a:avLst/>
-          </a:prstGeom>
-          <a:noFill/>
-        </p:spPr>
-        <p:txBody>
-          <a:bodyPr wrap="square" rtlCol="0">
-            <a:spAutoFit/>
-          </a:bodyPr>
-          <a:lstStyle/>
-          <a:p>
-            <a:pPr marL="0" marR="0" lvl="0" indent="0" algn="l" defTabSz="914400">
-              <a:lnSpc>
-                <a:spcPct val="100000"/>
-              </a:lnSpc>
-              <a:spcBef>
-                <a:spcPts val="0"/>
-              </a:spcBef>
-              <a:spcAft>
-                <a:spcPts val="0"/>
-              </a:spcAft>
-              <a:buClrTx/>
-              <a:buSzTx/>
-              <a:buFontTx/>
-              <a:buNone/>
-              <a:defRPr/>
-            </a:pPr>
-            <a:r>
-              <a:rPr lang="en-GB" sz="3600" b="1" i="0" u="none" strike="noStrike" cap="none" spc="0">
-                <a:ln>
-                  <a:noFill/>
-                </a:ln>
-                <a:solidFill>
-                  <a:srgbClr val="8ECAE6"/>
-                </a:solidFill>
-                <a:latin typeface="Aptos"/>
-                <a:ea typeface="+mn-ea"/>
-                <a:cs typeface="+mn-cs"/>
-              </a:rPr>
-              <a:t>Please test each direction in </a:t>
-            </a:r>
-            <a:r>
-              <a:rPr lang="en-GB" sz="3600" b="1" i="0" u="none" strike="noStrike" cap="none" spc="0">
-                <a:ln>
-                  <a:noFill/>
-                </a:ln>
-                <a:solidFill>
-                  <a:srgbClr val="FF715B"/>
-                </a:solidFill>
-                <a:latin typeface="Aptos"/>
-                <a:ea typeface="+mn-ea"/>
-                <a:cs typeface="+mn-cs"/>
-              </a:rPr>
-              <a:t>isolation</a:t>
-            </a:r>
-            <a:endParaRPr lang="en-GB" sz="1800" b="0" i="0" u="none" strike="noStrike" cap="none" spc="0">
-              <a:ln>
-                <a:noFill/>
-              </a:ln>
-              <a:solidFill>
-                <a:srgbClr val="FF715B"/>
-              </a:solidFill>
-              <a:latin typeface="Aptos"/>
-              <a:ea typeface="+mn-ea"/>
-              <a:cs typeface="+mn-cs"/>
-            </a:endParaRPr>
-          </a:p>
-          <a:p>
-            <a:pPr marL="742950" marR="0" lvl="1" indent="-285750" algn="l" defTabSz="914400">
-              <a:lnSpc>
-                <a:spcPct val="100000"/>
-              </a:lnSpc>
-              <a:spcBef>
-                <a:spcPts val="0"/>
-              </a:spcBef>
-              <a:spcAft>
-                <a:spcPts val="0"/>
-              </a:spcAft>
-              <a:buClrTx/>
-              <a:buSzTx/>
-              <a:buFont typeface="Arial"/>
-              <a:buChar char="•"/>
-              <a:defRPr/>
-            </a:pPr>
-            <a:r>
-              <a:rPr lang="en-GB" sz="2400" b="0" i="0" u="none" strike="noStrike" cap="none" spc="0">
-                <a:ln>
-                  <a:noFill/>
-                </a:ln>
-                <a:solidFill>
-                  <a:prstClr val="white"/>
-                </a:solidFill>
-                <a:latin typeface="Aptos"/>
-                <a:ea typeface="+mn-ea"/>
-                <a:cs typeface="+mn-cs"/>
-              </a:rPr>
-              <a:t>Forward</a:t>
-            </a:r>
-            <a:endParaRPr/>
-          </a:p>
-          <a:p>
-            <a:pPr marL="742950" marR="0" lvl="1" indent="-285750" algn="l" defTabSz="914400">
-              <a:lnSpc>
-                <a:spcPct val="100000"/>
-              </a:lnSpc>
-              <a:spcBef>
-                <a:spcPts val="0"/>
-              </a:spcBef>
-              <a:spcAft>
-                <a:spcPts val="0"/>
-              </a:spcAft>
-              <a:buClrTx/>
-              <a:buSzTx/>
-              <a:buFont typeface="Arial"/>
-              <a:buChar char="•"/>
-              <a:defRPr/>
-            </a:pPr>
-            <a:r>
-              <a:rPr lang="en-GB" sz="2400" b="0" i="0" u="none" strike="noStrike" cap="none" spc="0">
-                <a:ln>
-                  <a:noFill/>
-                </a:ln>
-                <a:solidFill>
-                  <a:prstClr val="white"/>
-                </a:solidFill>
-                <a:latin typeface="Aptos"/>
-                <a:ea typeface="+mn-ea"/>
-                <a:cs typeface="+mn-cs"/>
-              </a:rPr>
-              <a:t>Backward</a:t>
-            </a:r>
-            <a:endParaRPr/>
-          </a:p>
-          <a:p>
-            <a:pPr marL="742950" marR="0" lvl="1" indent="-285750" algn="l" defTabSz="914400">
-              <a:lnSpc>
-                <a:spcPct val="100000"/>
-              </a:lnSpc>
-              <a:spcBef>
-                <a:spcPts val="0"/>
-              </a:spcBef>
-              <a:spcAft>
-                <a:spcPts val="0"/>
-              </a:spcAft>
-              <a:buClrTx/>
-              <a:buSzTx/>
-              <a:buFont typeface="Arial"/>
-              <a:buChar char="•"/>
-              <a:defRPr/>
-            </a:pPr>
-            <a:r>
-              <a:rPr lang="en-GB" sz="2400" b="0" i="0" u="none" strike="noStrike" cap="none" spc="0">
-                <a:ln>
-                  <a:noFill/>
-                </a:ln>
-                <a:solidFill>
-                  <a:prstClr val="white"/>
-                </a:solidFill>
-                <a:latin typeface="Aptos"/>
-                <a:ea typeface="+mn-ea"/>
-                <a:cs typeface="+mn-cs"/>
-              </a:rPr>
-              <a:t>Left</a:t>
-            </a:r>
-            <a:endParaRPr/>
-          </a:p>
-          <a:p>
-            <a:pPr marL="742950" marR="0" lvl="1" indent="-285750" algn="l" defTabSz="914400">
-              <a:lnSpc>
-                <a:spcPct val="100000"/>
-              </a:lnSpc>
-              <a:spcBef>
-                <a:spcPts val="0"/>
-              </a:spcBef>
-              <a:spcAft>
-                <a:spcPts val="0"/>
-              </a:spcAft>
-              <a:buClrTx/>
-              <a:buSzTx/>
-              <a:buFont typeface="Arial"/>
-              <a:buChar char="•"/>
-              <a:defRPr/>
-            </a:pPr>
-            <a:r>
-              <a:rPr lang="en-GB" sz="2400" b="0" i="0" u="none" strike="noStrike" cap="none" spc="0">
-                <a:ln>
-                  <a:noFill/>
-                </a:ln>
-                <a:solidFill>
-                  <a:prstClr val="white"/>
-                </a:solidFill>
-                <a:latin typeface="Aptos"/>
-                <a:ea typeface="+mn-ea"/>
-                <a:cs typeface="+mn-cs"/>
-              </a:rPr>
-              <a:t>Right</a:t>
-            </a:r>
-            <a:endParaRPr/>
-          </a:p>
-        </p:txBody>
-      </p:sp>
-      <p:pic>
-        <p:nvPicPr>
-          <p:cNvPr id="223090054" name="Picture 5"/>
-          <p:cNvPicPr>
-            <a:picLocks noChangeAspect="1"/>
-          </p:cNvPicPr>
-          <p:nvPr/>
-        </p:nvPicPr>
-        <p:blipFill>
-          <a:blip r:embed="rId3"/>
-          <a:stretch/>
-        </p:blipFill>
-        <p:spPr bwMode="auto">
-          <a:xfrm>
-            <a:off x="10080966" y="0"/>
-            <a:ext cx="2100150" cy="566056"/>
-          </a:xfrm>
-          <a:prstGeom prst="rect">
-            <a:avLst/>
-          </a:prstGeom>
-        </p:spPr>
-      </p:pic>
-      <p:sp>
-        <p:nvSpPr>
-          <p:cNvPr id="99222827" name="TextBox 9"/>
-          <p:cNvSpPr txBox="1"/>
-          <p:nvPr/>
-        </p:nvSpPr>
-        <p:spPr bwMode="auto">
-          <a:xfrm>
-            <a:off x="832542" y="4617562"/>
-            <a:ext cx="10265657" cy="1200329"/>
-          </a:xfrm>
-          <a:prstGeom prst="rect">
-            <a:avLst/>
-          </a:prstGeom>
-          <a:noFill/>
-        </p:spPr>
-        <p:txBody>
-          <a:bodyPr wrap="square">
-            <a:spAutoFit/>
-          </a:bodyPr>
-          <a:lstStyle/>
-          <a:p>
-            <a:pPr marL="0" marR="0" lvl="0" indent="0" algn="l" defTabSz="914400">
-              <a:lnSpc>
-                <a:spcPct val="100000"/>
-              </a:lnSpc>
-              <a:spcBef>
-                <a:spcPts val="0"/>
-              </a:spcBef>
-              <a:spcAft>
-                <a:spcPts val="0"/>
-              </a:spcAft>
-              <a:buClrTx/>
-              <a:buSzTx/>
-              <a:buFontTx/>
-              <a:buNone/>
-              <a:defRPr/>
-            </a:pPr>
-            <a:r>
-              <a:rPr lang="en-GB" sz="2400" b="1" i="0" u="none" strike="noStrike" cap="none" spc="0">
-                <a:ln>
-                  <a:noFill/>
-                </a:ln>
-                <a:solidFill>
-                  <a:srgbClr val="FF715B"/>
-                </a:solidFill>
-                <a:latin typeface="Aptos"/>
-                <a:ea typeface="+mn-ea"/>
-                <a:cs typeface="+mn-cs"/>
-              </a:rPr>
-              <a:t>If incorrect direction,</a:t>
-            </a:r>
-            <a:r>
-              <a:rPr lang="en-GB" sz="2400" b="1" i="0" u="none" strike="noStrike" cap="none" spc="0">
-                <a:ln>
-                  <a:noFill/>
-                </a:ln>
-                <a:solidFill>
-                  <a:srgbClr val="F9CB40"/>
-                </a:solidFill>
-                <a:latin typeface="Aptos"/>
-                <a:ea typeface="+mn-ea"/>
-                <a:cs typeface="+mn-cs"/>
-              </a:rPr>
-              <a:t> then swap IN1/IN2 pins of the corresponding motor</a:t>
-            </a:r>
-            <a:endParaRPr/>
-          </a:p>
-          <a:p>
-            <a:pPr marL="0" marR="0" lvl="0" indent="0" algn="l" defTabSz="914400">
-              <a:lnSpc>
-                <a:spcPct val="100000"/>
-              </a:lnSpc>
-              <a:spcBef>
-                <a:spcPts val="0"/>
-              </a:spcBef>
-              <a:spcAft>
-                <a:spcPts val="0"/>
-              </a:spcAft>
-              <a:buClrTx/>
-              <a:buSzTx/>
-              <a:buFontTx/>
-              <a:buNone/>
-              <a:defRPr/>
-            </a:pPr>
-            <a:endParaRPr lang="en-GB" sz="2400" b="1" i="0" u="none" strike="noStrike" cap="none" spc="0">
-              <a:ln>
-                <a:noFill/>
-              </a:ln>
-              <a:solidFill>
-                <a:srgbClr val="F9CB40"/>
-              </a:solidFill>
-              <a:latin typeface="Aptos"/>
-              <a:ea typeface="+mn-ea"/>
-              <a:cs typeface="+mn-cs"/>
-            </a:endParaRPr>
-          </a:p>
-          <a:p>
-            <a:pPr marL="0" marR="0" lvl="0" indent="0" algn="l" defTabSz="914400">
-              <a:lnSpc>
-                <a:spcPct val="100000"/>
-              </a:lnSpc>
-              <a:spcBef>
-                <a:spcPts val="0"/>
-              </a:spcBef>
-              <a:spcAft>
-                <a:spcPts val="0"/>
-              </a:spcAft>
-              <a:buClrTx/>
-              <a:buSzTx/>
-              <a:buFontTx/>
-              <a:buNone/>
-              <a:defRPr/>
-            </a:pPr>
-            <a:r>
-              <a:rPr lang="en-GB" sz="2400" b="1" i="0" u="none" strike="noStrike" cap="none" spc="0">
-                <a:ln>
-                  <a:noFill/>
-                </a:ln>
-                <a:solidFill>
-                  <a:srgbClr val="FF715B"/>
-                </a:solidFill>
-                <a:latin typeface="Aptos"/>
-                <a:ea typeface="+mn-ea"/>
-                <a:cs typeface="+mn-cs"/>
-              </a:rPr>
-              <a:t>Expected Output:</a:t>
-            </a:r>
-            <a:r>
-              <a:rPr lang="en-GB" sz="2400" b="1" i="0" u="none" strike="noStrike" cap="none" spc="0">
-                <a:ln>
-                  <a:noFill/>
-                </a:ln>
-                <a:solidFill>
-                  <a:srgbClr val="F9CB40"/>
-                </a:solidFill>
-                <a:latin typeface="Aptos"/>
-                <a:ea typeface="+mn-ea"/>
-                <a:cs typeface="+mn-cs"/>
-              </a:rPr>
-              <a:t> The car moves in the desired direction</a:t>
-            </a:r>
-            <a:endParaRPr/>
-          </a:p>
-        </p:txBody>
-      </p:sp>
-      <p:sp>
-        <p:nvSpPr>
-          <p:cNvPr id="2" name="Date Placeholder 1">
-            <a:extLst>
-              <a:ext uri="{FF2B5EF4-FFF2-40B4-BE49-F238E27FC236}">
-                <a16:creationId xmlns:a16="http://schemas.microsoft.com/office/drawing/2014/main" id="{019364B4-2240-D5AD-58C9-B17652C525D1}"/>
-              </a:ext>
-            </a:extLst>
-          </p:cNvPr>
-          <p:cNvSpPr>
-            <a:spLocks noGrp="1"/>
-          </p:cNvSpPr>
-          <p:nvPr>
-            <p:ph type="dt" sz="half" idx="10"/>
-          </p:nvPr>
-        </p:nvSpPr>
-        <p:spPr/>
-        <p:txBody>
-          <a:bodyPr/>
-          <a:lstStyle/>
-          <a:p>
-            <a:pPr>
-              <a:defRPr/>
-            </a:pPr>
-            <a:r>
-              <a:rPr lang="en-GB"/>
-              <a:t>07/12/2025</a:t>
-            </a:r>
-          </a:p>
-        </p:txBody>
-      </p:sp>
-      <p:sp>
-        <p:nvSpPr>
-          <p:cNvPr id="3" name="Slide Number Placeholder 2">
-            <a:extLst>
-              <a:ext uri="{FF2B5EF4-FFF2-40B4-BE49-F238E27FC236}">
-                <a16:creationId xmlns:a16="http://schemas.microsoft.com/office/drawing/2014/main" id="{A8558435-332F-107D-CD94-BCBF0EFB6F80}"/>
-              </a:ext>
-            </a:extLst>
-          </p:cNvPr>
-          <p:cNvSpPr>
-            <a:spLocks noGrp="1"/>
-          </p:cNvSpPr>
-          <p:nvPr>
-            <p:ph type="sldNum" sz="quarter" idx="12"/>
-          </p:nvPr>
-        </p:nvSpPr>
-        <p:spPr/>
-        <p:txBody>
-          <a:bodyPr/>
-          <a:lstStyle/>
-          <a:p>
-            <a:pPr>
-              <a:defRPr/>
-            </a:pPr>
-            <a:fld id="{09FCE3CD-8E5B-4FEB-BC1E-3D61BE3CC713}" type="slidenum">
-              <a:rPr lang="en-GB" smtClean="0"/>
               <a:t>7</a:t>
             </a:fld>
             <a:endParaRPr lang="en-GB"/>
@@ -15971,6 +19422,868 @@
       </p:grpSpPr>
       <p:sp>
         <p:nvSpPr>
+          <p:cNvPr id="1673206442" name="Title 1"/>
+          <p:cNvSpPr>
+            <a:spLocks noGrp="1"/>
+          </p:cNvSpPr>
+          <p:nvPr>
+            <p:ph type="title"/>
+          </p:nvPr>
+        </p:nvSpPr>
+        <p:spPr bwMode="auto">
+          <a:xfrm>
+            <a:off x="0" y="0"/>
+            <a:ext cx="12192001" cy="1325563"/>
+          </a:xfrm>
+        </p:spPr>
+        <p:txBody>
+          <a:bodyPr vert="horz" lIns="91440" tIns="45720" rIns="91440" bIns="45720" rtlCol="0" anchor="ctr">
+            <a:normAutofit/>
+          </a:bodyPr>
+          <a:lstStyle/>
+          <a:p>
+            <a:r>
+              <a:rPr lang="en-GB" sz="4000" b="1" dirty="0">
+                <a:solidFill>
+                  <a:schemeClr val="accent4"/>
+                </a:solidFill>
+                <a:latin typeface="Calibri" panose="020F0502020204030204" pitchFamily="34" charset="0"/>
+                <a:ea typeface="Calibri" panose="020F0502020204030204" pitchFamily="34" charset="0"/>
+                <a:cs typeface="Calibri" panose="020F0502020204030204" pitchFamily="34" charset="0"/>
+              </a:rPr>
+              <a:t>Lab 1:  Basic Movements</a:t>
+            </a:r>
+            <a:endParaRPr sz="4000" b="1" dirty="0">
+              <a:solidFill>
+                <a:schemeClr val="accent4"/>
+              </a:solidFill>
+              <a:latin typeface="Calibri" panose="020F0502020204030204" pitchFamily="34" charset="0"/>
+              <a:ea typeface="Calibri" panose="020F0502020204030204" pitchFamily="34" charset="0"/>
+              <a:cs typeface="Calibri" panose="020F0502020204030204" pitchFamily="34" charset="0"/>
+            </a:endParaRPr>
+          </a:p>
+        </p:txBody>
+      </p:sp>
+      <p:sp>
+        <p:nvSpPr>
+          <p:cNvPr id="1467460504" name="TextBox 3"/>
+          <p:cNvSpPr txBox="1"/>
+          <p:nvPr/>
+        </p:nvSpPr>
+        <p:spPr bwMode="auto">
+          <a:xfrm>
+            <a:off x="422818" y="1774094"/>
+            <a:ext cx="4884671" cy="2862322"/>
+          </a:xfrm>
+          <a:prstGeom prst="rect">
+            <a:avLst/>
+          </a:prstGeom>
+          <a:noFill/>
+          <a:ln>
+            <a:solidFill>
+              <a:schemeClr val="accent2"/>
+            </a:solidFill>
+          </a:ln>
+        </p:spPr>
+        <p:txBody>
+          <a:bodyPr wrap="none" rtlCol="0">
+            <a:spAutoFit/>
+          </a:bodyPr>
+          <a:lstStyle/>
+          <a:p>
+            <a:pPr marL="0" marR="0" lvl="0" indent="0" algn="l" defTabSz="914400">
+              <a:lnSpc>
+                <a:spcPct val="100000"/>
+              </a:lnSpc>
+              <a:spcBef>
+                <a:spcPts val="0"/>
+              </a:spcBef>
+              <a:spcAft>
+                <a:spcPts val="0"/>
+              </a:spcAft>
+              <a:buClrTx/>
+              <a:buSzTx/>
+              <a:buFontTx/>
+              <a:buNone/>
+              <a:defRPr/>
+            </a:pPr>
+            <a:r>
+              <a:rPr lang="it-IT" sz="1800" b="0" i="0" u="none" strike="noStrike" cap="none" spc="0" dirty="0">
+                <a:ln>
+                  <a:noFill/>
+                </a:ln>
+                <a:solidFill>
+                  <a:prstClr val="white"/>
+                </a:solidFill>
+                <a:latin typeface="Aptos"/>
+                <a:ea typeface="+mn-ea"/>
+                <a:cs typeface="+mn-cs"/>
+              </a:rPr>
+              <a:t>// ============== Pin </a:t>
+            </a:r>
+            <a:r>
+              <a:rPr lang="en-GB" sz="1800" b="0" i="0" u="none" strike="noStrike" cap="none" spc="0" dirty="0">
+                <a:ln>
+                  <a:noFill/>
+                </a:ln>
+                <a:solidFill>
+                  <a:prstClr val="white"/>
+                </a:solidFill>
+                <a:latin typeface="Aptos"/>
+                <a:ea typeface="+mn-ea"/>
+                <a:cs typeface="+mn-cs"/>
+              </a:rPr>
+              <a:t>Definitions</a:t>
+            </a:r>
+            <a:r>
+              <a:rPr lang="it-IT" sz="1800" b="0" i="0" u="none" strike="noStrike" cap="none" spc="0" dirty="0">
+                <a:ln>
+                  <a:noFill/>
+                </a:ln>
+                <a:solidFill>
+                  <a:prstClr val="white"/>
+                </a:solidFill>
+                <a:latin typeface="Aptos"/>
+                <a:ea typeface="+mn-ea"/>
+                <a:cs typeface="+mn-cs"/>
+              </a:rPr>
+              <a:t> ==========</a:t>
+            </a:r>
+            <a:endParaRPr dirty="0"/>
+          </a:p>
+          <a:p>
+            <a:pPr marL="0" marR="0" lvl="0" indent="0" algn="l" defTabSz="914400">
+              <a:lnSpc>
+                <a:spcPct val="100000"/>
+              </a:lnSpc>
+              <a:spcBef>
+                <a:spcPts val="0"/>
+              </a:spcBef>
+              <a:spcAft>
+                <a:spcPts val="0"/>
+              </a:spcAft>
+              <a:buClrTx/>
+              <a:buSzTx/>
+              <a:buFontTx/>
+              <a:buNone/>
+              <a:defRPr/>
+            </a:pPr>
+            <a:r>
+              <a:rPr lang="it-IT" sz="1800" b="0" i="0" u="none" strike="noStrike" cap="none" spc="0" dirty="0">
+                <a:ln>
+                  <a:noFill/>
+                </a:ln>
+                <a:solidFill>
+                  <a:prstClr val="white"/>
+                </a:solidFill>
+                <a:highlight>
+                  <a:srgbClr val="FF0000"/>
+                </a:highlight>
+                <a:latin typeface="Aptos"/>
+                <a:ea typeface="+mn-ea"/>
+                <a:cs typeface="+mn-cs"/>
+              </a:rPr>
+              <a:t>// Left Motor</a:t>
+            </a:r>
+            <a:endParaRPr dirty="0">
+              <a:highlight>
+                <a:srgbClr val="FF0000"/>
+              </a:highlight>
+            </a:endParaRPr>
+          </a:p>
+          <a:p>
+            <a:pPr>
+              <a:defRPr/>
+            </a:pPr>
+            <a:r>
+              <a:rPr lang="en-US" dirty="0">
+                <a:solidFill>
+                  <a:schemeClr val="bg1"/>
+                </a:solidFill>
+              </a:rPr>
+              <a:t>#define Left1 7</a:t>
+            </a:r>
+          </a:p>
+          <a:p>
+            <a:pPr>
+              <a:defRPr/>
+            </a:pPr>
+            <a:r>
+              <a:rPr lang="en-US" dirty="0">
+                <a:solidFill>
+                  <a:schemeClr val="bg1"/>
+                </a:solidFill>
+              </a:rPr>
+              <a:t>#define Left2 8</a:t>
+            </a:r>
+          </a:p>
+          <a:p>
+            <a:pPr>
+              <a:defRPr/>
+            </a:pPr>
+            <a:r>
+              <a:rPr lang="en-US" dirty="0">
+                <a:solidFill>
+                  <a:schemeClr val="bg1"/>
+                </a:solidFill>
+              </a:rPr>
+              <a:t>#define </a:t>
+            </a:r>
+            <a:r>
+              <a:rPr lang="en-US" dirty="0" err="1">
+                <a:solidFill>
+                  <a:schemeClr val="bg1"/>
+                </a:solidFill>
+              </a:rPr>
+              <a:t>Left_Speed</a:t>
+            </a:r>
+            <a:r>
+              <a:rPr lang="en-US" dirty="0">
+                <a:solidFill>
+                  <a:schemeClr val="bg1"/>
+                </a:solidFill>
+              </a:rPr>
+              <a:t> 6</a:t>
+            </a:r>
+          </a:p>
+          <a:p>
+            <a:pPr marL="0" marR="0" lvl="0" indent="0" algn="l" defTabSz="914400">
+              <a:lnSpc>
+                <a:spcPct val="100000"/>
+              </a:lnSpc>
+              <a:spcBef>
+                <a:spcPts val="0"/>
+              </a:spcBef>
+              <a:spcAft>
+                <a:spcPts val="0"/>
+              </a:spcAft>
+              <a:buClrTx/>
+              <a:buSzTx/>
+              <a:buFontTx/>
+              <a:buNone/>
+              <a:defRPr/>
+            </a:pPr>
+            <a:endParaRPr lang="it-IT" sz="1800" b="0" i="0" u="none" strike="noStrike" cap="none" spc="0" dirty="0">
+              <a:ln>
+                <a:noFill/>
+              </a:ln>
+              <a:solidFill>
+                <a:prstClr val="white"/>
+              </a:solidFill>
+              <a:latin typeface="Aptos"/>
+              <a:ea typeface="+mn-ea"/>
+              <a:cs typeface="+mn-cs"/>
+            </a:endParaRPr>
+          </a:p>
+          <a:p>
+            <a:pPr marL="0" marR="0" lvl="0" indent="0" algn="l" defTabSz="914400">
+              <a:lnSpc>
+                <a:spcPct val="100000"/>
+              </a:lnSpc>
+              <a:spcBef>
+                <a:spcPts val="0"/>
+              </a:spcBef>
+              <a:spcAft>
+                <a:spcPts val="0"/>
+              </a:spcAft>
+              <a:buClrTx/>
+              <a:buSzTx/>
+              <a:buFontTx/>
+              <a:buNone/>
+              <a:defRPr/>
+            </a:pPr>
+            <a:r>
+              <a:rPr lang="it-IT" sz="1800" b="0" i="0" u="none" strike="noStrike" cap="none" spc="0" dirty="0">
+                <a:ln>
+                  <a:noFill/>
+                </a:ln>
+                <a:solidFill>
+                  <a:prstClr val="white"/>
+                </a:solidFill>
+                <a:highlight>
+                  <a:srgbClr val="FF0000"/>
+                </a:highlight>
+                <a:latin typeface="Aptos"/>
+                <a:ea typeface="+mn-ea"/>
+                <a:cs typeface="+mn-cs"/>
+              </a:rPr>
+              <a:t>// </a:t>
+            </a:r>
+            <a:r>
+              <a:rPr lang="it-IT" sz="1800" b="0" i="0" u="none" strike="noStrike" cap="none" spc="0" dirty="0" err="1">
+                <a:ln>
+                  <a:noFill/>
+                </a:ln>
+                <a:solidFill>
+                  <a:prstClr val="white"/>
+                </a:solidFill>
+                <a:highlight>
+                  <a:srgbClr val="FF0000"/>
+                </a:highlight>
+                <a:latin typeface="Aptos"/>
+                <a:ea typeface="+mn-ea"/>
+                <a:cs typeface="+mn-cs"/>
+              </a:rPr>
+              <a:t>Right</a:t>
+            </a:r>
+            <a:r>
+              <a:rPr lang="it-IT" sz="1800" b="0" i="0" u="none" strike="noStrike" cap="none" spc="0" dirty="0">
+                <a:ln>
+                  <a:noFill/>
+                </a:ln>
+                <a:solidFill>
+                  <a:prstClr val="white"/>
+                </a:solidFill>
+                <a:highlight>
+                  <a:srgbClr val="FF0000"/>
+                </a:highlight>
+                <a:latin typeface="Aptos"/>
+                <a:ea typeface="+mn-ea"/>
+                <a:cs typeface="+mn-cs"/>
+              </a:rPr>
+              <a:t> Motor</a:t>
+            </a:r>
+            <a:endParaRPr dirty="0">
+              <a:highlight>
+                <a:srgbClr val="FF0000"/>
+              </a:highlight>
+            </a:endParaRPr>
+          </a:p>
+          <a:p>
+            <a:pPr>
+              <a:defRPr/>
+            </a:pPr>
+            <a:r>
+              <a:rPr lang="en-US" dirty="0">
+                <a:solidFill>
+                  <a:schemeClr val="bg1"/>
+                </a:solidFill>
+              </a:rPr>
+              <a:t>#define Right1 3</a:t>
+            </a:r>
+          </a:p>
+          <a:p>
+            <a:pPr>
+              <a:defRPr/>
+            </a:pPr>
+            <a:r>
+              <a:rPr lang="en-US" dirty="0">
+                <a:solidFill>
+                  <a:schemeClr val="bg1"/>
+                </a:solidFill>
+              </a:rPr>
+              <a:t>#define Right2 4</a:t>
+            </a:r>
+          </a:p>
+          <a:p>
+            <a:pPr>
+              <a:defRPr/>
+            </a:pPr>
+            <a:r>
+              <a:rPr lang="en-US" dirty="0">
+                <a:solidFill>
+                  <a:schemeClr val="bg1"/>
+                </a:solidFill>
+              </a:rPr>
+              <a:t>#define </a:t>
+            </a:r>
+            <a:r>
+              <a:rPr lang="en-US" dirty="0" err="1">
+                <a:solidFill>
+                  <a:schemeClr val="bg1"/>
+                </a:solidFill>
+              </a:rPr>
+              <a:t>Right_Speed</a:t>
+            </a:r>
+            <a:r>
+              <a:rPr lang="en-US" dirty="0">
+                <a:solidFill>
+                  <a:schemeClr val="bg1"/>
+                </a:solidFill>
+              </a:rPr>
+              <a:t> 5</a:t>
+            </a:r>
+          </a:p>
+        </p:txBody>
+      </p:sp>
+      <p:sp>
+        <p:nvSpPr>
+          <p:cNvPr id="1477010180" name="TextBox 4"/>
+          <p:cNvSpPr txBox="1"/>
+          <p:nvPr/>
+        </p:nvSpPr>
+        <p:spPr bwMode="auto">
+          <a:xfrm>
+            <a:off x="5965371" y="1774094"/>
+            <a:ext cx="5954486" cy="2677656"/>
+          </a:xfrm>
+          <a:prstGeom prst="rect">
+            <a:avLst/>
+          </a:prstGeom>
+          <a:noFill/>
+        </p:spPr>
+        <p:txBody>
+          <a:bodyPr wrap="square" rtlCol="0">
+            <a:spAutoFit/>
+          </a:bodyPr>
+          <a:lstStyle/>
+          <a:p>
+            <a:pPr marL="0" marR="0" lvl="0" indent="0" algn="l" defTabSz="914400">
+              <a:lnSpc>
+                <a:spcPct val="100000"/>
+              </a:lnSpc>
+              <a:spcBef>
+                <a:spcPts val="0"/>
+              </a:spcBef>
+              <a:spcAft>
+                <a:spcPts val="0"/>
+              </a:spcAft>
+              <a:buClrTx/>
+              <a:buSzTx/>
+              <a:buFontTx/>
+              <a:buNone/>
+              <a:defRPr/>
+            </a:pPr>
+            <a:r>
+              <a:rPr lang="en-GB" sz="3600" b="1" i="0" u="none" strike="noStrike" cap="none" spc="0">
+                <a:ln>
+                  <a:noFill/>
+                </a:ln>
+                <a:solidFill>
+                  <a:srgbClr val="8ECAE6"/>
+                </a:solidFill>
+                <a:latin typeface="Aptos"/>
+                <a:ea typeface="+mn-ea"/>
+                <a:cs typeface="+mn-cs"/>
+              </a:rPr>
+              <a:t>Please test each direction in </a:t>
+            </a:r>
+            <a:r>
+              <a:rPr lang="en-GB" sz="3600" b="1" i="0" u="none" strike="noStrike" cap="none" spc="0">
+                <a:ln>
+                  <a:noFill/>
+                </a:ln>
+                <a:solidFill>
+                  <a:srgbClr val="FF715B"/>
+                </a:solidFill>
+                <a:latin typeface="Aptos"/>
+                <a:ea typeface="+mn-ea"/>
+                <a:cs typeface="+mn-cs"/>
+              </a:rPr>
+              <a:t>isolation</a:t>
+            </a:r>
+            <a:endParaRPr lang="en-GB" sz="1800" b="0" i="0" u="none" strike="noStrike" cap="none" spc="0">
+              <a:ln>
+                <a:noFill/>
+              </a:ln>
+              <a:solidFill>
+                <a:srgbClr val="FF715B"/>
+              </a:solidFill>
+              <a:latin typeface="Aptos"/>
+              <a:ea typeface="+mn-ea"/>
+              <a:cs typeface="+mn-cs"/>
+            </a:endParaRPr>
+          </a:p>
+          <a:p>
+            <a:pPr marL="742950" marR="0" lvl="1" indent="-285750" algn="l" defTabSz="914400">
+              <a:lnSpc>
+                <a:spcPct val="100000"/>
+              </a:lnSpc>
+              <a:spcBef>
+                <a:spcPts val="0"/>
+              </a:spcBef>
+              <a:spcAft>
+                <a:spcPts val="0"/>
+              </a:spcAft>
+              <a:buClrTx/>
+              <a:buSzTx/>
+              <a:buFont typeface="Arial"/>
+              <a:buChar char="•"/>
+              <a:defRPr/>
+            </a:pPr>
+            <a:r>
+              <a:rPr lang="en-GB" sz="2400" b="0" i="0" u="none" strike="noStrike" cap="none" spc="0">
+                <a:ln>
+                  <a:noFill/>
+                </a:ln>
+                <a:solidFill>
+                  <a:prstClr val="white"/>
+                </a:solidFill>
+                <a:latin typeface="Aptos"/>
+                <a:ea typeface="+mn-ea"/>
+                <a:cs typeface="+mn-cs"/>
+              </a:rPr>
+              <a:t>Forward</a:t>
+            </a:r>
+            <a:endParaRPr/>
+          </a:p>
+          <a:p>
+            <a:pPr marL="742950" marR="0" lvl="1" indent="-285750" algn="l" defTabSz="914400">
+              <a:lnSpc>
+                <a:spcPct val="100000"/>
+              </a:lnSpc>
+              <a:spcBef>
+                <a:spcPts val="0"/>
+              </a:spcBef>
+              <a:spcAft>
+                <a:spcPts val="0"/>
+              </a:spcAft>
+              <a:buClrTx/>
+              <a:buSzTx/>
+              <a:buFont typeface="Arial"/>
+              <a:buChar char="•"/>
+              <a:defRPr/>
+            </a:pPr>
+            <a:r>
+              <a:rPr lang="en-GB" sz="2400" b="0" i="0" u="none" strike="noStrike" cap="none" spc="0">
+                <a:ln>
+                  <a:noFill/>
+                </a:ln>
+                <a:solidFill>
+                  <a:prstClr val="white"/>
+                </a:solidFill>
+                <a:latin typeface="Aptos"/>
+                <a:ea typeface="+mn-ea"/>
+                <a:cs typeface="+mn-cs"/>
+              </a:rPr>
+              <a:t>Backward</a:t>
+            </a:r>
+            <a:endParaRPr/>
+          </a:p>
+          <a:p>
+            <a:pPr marL="742950" marR="0" lvl="1" indent="-285750" algn="l" defTabSz="914400">
+              <a:lnSpc>
+                <a:spcPct val="100000"/>
+              </a:lnSpc>
+              <a:spcBef>
+                <a:spcPts val="0"/>
+              </a:spcBef>
+              <a:spcAft>
+                <a:spcPts val="0"/>
+              </a:spcAft>
+              <a:buClrTx/>
+              <a:buSzTx/>
+              <a:buFont typeface="Arial"/>
+              <a:buChar char="•"/>
+              <a:defRPr/>
+            </a:pPr>
+            <a:r>
+              <a:rPr lang="en-GB" sz="2400" b="0" i="0" u="none" strike="noStrike" cap="none" spc="0">
+                <a:ln>
+                  <a:noFill/>
+                </a:ln>
+                <a:solidFill>
+                  <a:prstClr val="white"/>
+                </a:solidFill>
+                <a:latin typeface="Aptos"/>
+                <a:ea typeface="+mn-ea"/>
+                <a:cs typeface="+mn-cs"/>
+              </a:rPr>
+              <a:t>Left</a:t>
+            </a:r>
+            <a:endParaRPr/>
+          </a:p>
+          <a:p>
+            <a:pPr marL="742950" marR="0" lvl="1" indent="-285750" algn="l" defTabSz="914400">
+              <a:lnSpc>
+                <a:spcPct val="100000"/>
+              </a:lnSpc>
+              <a:spcBef>
+                <a:spcPts val="0"/>
+              </a:spcBef>
+              <a:spcAft>
+                <a:spcPts val="0"/>
+              </a:spcAft>
+              <a:buClrTx/>
+              <a:buSzTx/>
+              <a:buFont typeface="Arial"/>
+              <a:buChar char="•"/>
+              <a:defRPr/>
+            </a:pPr>
+            <a:r>
+              <a:rPr lang="en-GB" sz="2400" b="0" i="0" u="none" strike="noStrike" cap="none" spc="0">
+                <a:ln>
+                  <a:noFill/>
+                </a:ln>
+                <a:solidFill>
+                  <a:prstClr val="white"/>
+                </a:solidFill>
+                <a:latin typeface="Aptos"/>
+                <a:ea typeface="+mn-ea"/>
+                <a:cs typeface="+mn-cs"/>
+              </a:rPr>
+              <a:t>Right</a:t>
+            </a:r>
+            <a:endParaRPr/>
+          </a:p>
+        </p:txBody>
+      </p:sp>
+      <p:pic>
+        <p:nvPicPr>
+          <p:cNvPr id="223090054" name="Picture 5"/>
+          <p:cNvPicPr>
+            <a:picLocks noChangeAspect="1"/>
+          </p:cNvPicPr>
+          <p:nvPr/>
+        </p:nvPicPr>
+        <p:blipFill>
+          <a:blip r:embed="rId3"/>
+          <a:stretch/>
+        </p:blipFill>
+        <p:spPr bwMode="auto">
+          <a:xfrm>
+            <a:off x="10080966" y="0"/>
+            <a:ext cx="2100150" cy="566056"/>
+          </a:xfrm>
+          <a:prstGeom prst="rect">
+            <a:avLst/>
+          </a:prstGeom>
+        </p:spPr>
+      </p:pic>
+      <p:sp>
+        <p:nvSpPr>
+          <p:cNvPr id="99222827" name="TextBox 9"/>
+          <p:cNvSpPr txBox="1"/>
+          <p:nvPr/>
+        </p:nvSpPr>
+        <p:spPr bwMode="auto">
+          <a:xfrm>
+            <a:off x="832542" y="4617562"/>
+            <a:ext cx="10265657" cy="1200329"/>
+          </a:xfrm>
+          <a:prstGeom prst="rect">
+            <a:avLst/>
+          </a:prstGeom>
+          <a:noFill/>
+        </p:spPr>
+        <p:txBody>
+          <a:bodyPr wrap="square">
+            <a:spAutoFit/>
+          </a:bodyPr>
+          <a:lstStyle/>
+          <a:p>
+            <a:pPr marL="0" marR="0" lvl="0" indent="0" algn="l" defTabSz="914400">
+              <a:lnSpc>
+                <a:spcPct val="100000"/>
+              </a:lnSpc>
+              <a:spcBef>
+                <a:spcPts val="0"/>
+              </a:spcBef>
+              <a:spcAft>
+                <a:spcPts val="0"/>
+              </a:spcAft>
+              <a:buClrTx/>
+              <a:buSzTx/>
+              <a:buFontTx/>
+              <a:buNone/>
+              <a:defRPr/>
+            </a:pPr>
+            <a:r>
+              <a:rPr lang="en-GB" sz="2400" b="1" i="0" u="none" strike="noStrike" cap="none" spc="0">
+                <a:ln>
+                  <a:noFill/>
+                </a:ln>
+                <a:solidFill>
+                  <a:srgbClr val="FF715B"/>
+                </a:solidFill>
+                <a:latin typeface="Aptos"/>
+                <a:ea typeface="+mn-ea"/>
+                <a:cs typeface="+mn-cs"/>
+              </a:rPr>
+              <a:t>If incorrect direction,</a:t>
+            </a:r>
+            <a:r>
+              <a:rPr lang="en-GB" sz="2400" b="1" i="0" u="none" strike="noStrike" cap="none" spc="0">
+                <a:ln>
+                  <a:noFill/>
+                </a:ln>
+                <a:solidFill>
+                  <a:srgbClr val="F9CB40"/>
+                </a:solidFill>
+                <a:latin typeface="Aptos"/>
+                <a:ea typeface="+mn-ea"/>
+                <a:cs typeface="+mn-cs"/>
+              </a:rPr>
+              <a:t> then swap IN1/IN2 pins of the corresponding motor</a:t>
+            </a:r>
+            <a:endParaRPr/>
+          </a:p>
+          <a:p>
+            <a:pPr marL="0" marR="0" lvl="0" indent="0" algn="l" defTabSz="914400">
+              <a:lnSpc>
+                <a:spcPct val="100000"/>
+              </a:lnSpc>
+              <a:spcBef>
+                <a:spcPts val="0"/>
+              </a:spcBef>
+              <a:spcAft>
+                <a:spcPts val="0"/>
+              </a:spcAft>
+              <a:buClrTx/>
+              <a:buSzTx/>
+              <a:buFontTx/>
+              <a:buNone/>
+              <a:defRPr/>
+            </a:pPr>
+            <a:endParaRPr lang="en-GB" sz="2400" b="1" i="0" u="none" strike="noStrike" cap="none" spc="0">
+              <a:ln>
+                <a:noFill/>
+              </a:ln>
+              <a:solidFill>
+                <a:srgbClr val="F9CB40"/>
+              </a:solidFill>
+              <a:latin typeface="Aptos"/>
+              <a:ea typeface="+mn-ea"/>
+              <a:cs typeface="+mn-cs"/>
+            </a:endParaRPr>
+          </a:p>
+          <a:p>
+            <a:pPr marL="0" marR="0" lvl="0" indent="0" algn="l" defTabSz="914400">
+              <a:lnSpc>
+                <a:spcPct val="100000"/>
+              </a:lnSpc>
+              <a:spcBef>
+                <a:spcPts val="0"/>
+              </a:spcBef>
+              <a:spcAft>
+                <a:spcPts val="0"/>
+              </a:spcAft>
+              <a:buClrTx/>
+              <a:buSzTx/>
+              <a:buFontTx/>
+              <a:buNone/>
+              <a:defRPr/>
+            </a:pPr>
+            <a:r>
+              <a:rPr lang="en-GB" sz="2400" b="1" i="0" u="none" strike="noStrike" cap="none" spc="0">
+                <a:ln>
+                  <a:noFill/>
+                </a:ln>
+                <a:solidFill>
+                  <a:srgbClr val="FF715B"/>
+                </a:solidFill>
+                <a:latin typeface="Aptos"/>
+                <a:ea typeface="+mn-ea"/>
+                <a:cs typeface="+mn-cs"/>
+              </a:rPr>
+              <a:t>Expected Output:</a:t>
+            </a:r>
+            <a:r>
+              <a:rPr lang="en-GB" sz="2400" b="1" i="0" u="none" strike="noStrike" cap="none" spc="0">
+                <a:ln>
+                  <a:noFill/>
+                </a:ln>
+                <a:solidFill>
+                  <a:srgbClr val="F9CB40"/>
+                </a:solidFill>
+                <a:latin typeface="Aptos"/>
+                <a:ea typeface="+mn-ea"/>
+                <a:cs typeface="+mn-cs"/>
+              </a:rPr>
+              <a:t> The car moves in the desired direction</a:t>
+            </a:r>
+            <a:endParaRPr/>
+          </a:p>
+        </p:txBody>
+      </p:sp>
+      <p:sp>
+        <p:nvSpPr>
+          <p:cNvPr id="2" name="Date Placeholder 1">
+            <a:extLst>
+              <a:ext uri="{FF2B5EF4-FFF2-40B4-BE49-F238E27FC236}">
+                <a16:creationId xmlns:a16="http://schemas.microsoft.com/office/drawing/2014/main" id="{019364B4-2240-D5AD-58C9-B17652C525D1}"/>
+              </a:ext>
+            </a:extLst>
+          </p:cNvPr>
+          <p:cNvSpPr>
+            <a:spLocks noGrp="1"/>
+          </p:cNvSpPr>
+          <p:nvPr>
+            <p:ph type="dt" sz="half" idx="10"/>
+          </p:nvPr>
+        </p:nvSpPr>
+        <p:spPr/>
+        <p:txBody>
+          <a:bodyPr/>
+          <a:lstStyle/>
+          <a:p>
+            <a:pPr>
+              <a:defRPr/>
+            </a:pPr>
+            <a:r>
+              <a:rPr lang="en-GB"/>
+              <a:t>07/12/2025</a:t>
+            </a:r>
+          </a:p>
+        </p:txBody>
+      </p:sp>
+      <p:sp>
+        <p:nvSpPr>
+          <p:cNvPr id="3" name="Slide Number Placeholder 2">
+            <a:extLst>
+              <a:ext uri="{FF2B5EF4-FFF2-40B4-BE49-F238E27FC236}">
+                <a16:creationId xmlns:a16="http://schemas.microsoft.com/office/drawing/2014/main" id="{A8558435-332F-107D-CD94-BCBF0EFB6F80}"/>
+              </a:ext>
+            </a:extLst>
+          </p:cNvPr>
+          <p:cNvSpPr>
+            <a:spLocks noGrp="1"/>
+          </p:cNvSpPr>
+          <p:nvPr>
+            <p:ph type="sldNum" sz="quarter" idx="12"/>
+          </p:nvPr>
+        </p:nvSpPr>
+        <p:spPr/>
+        <p:txBody>
+          <a:bodyPr/>
+          <a:lstStyle/>
+          <a:p>
+            <a:pPr>
+              <a:defRPr/>
+            </a:pPr>
+            <a:fld id="{09FCE3CD-8E5B-4FEB-BC1E-3D61BE3CC713}" type="slidenum">
+              <a:rPr lang="en-GB" smtClean="0"/>
+              <a:t>8</a:t>
+            </a:fld>
+            <a:endParaRPr lang="en-GB"/>
+          </a:p>
+        </p:txBody>
+      </p:sp>
+    </p:spTree>
+  </p:cSld>
+  <p:clrMapOvr>
+    <a:masterClrMapping/>
+  </p:clrMapOvr>
+</p:sld>
+</file>
+
+<file path=ppt/slides/slide9.xml><?xml version="1.0" encoding="utf-8"?>
+<p:sld xmlns:a="http://schemas.openxmlformats.org/drawingml/2006/main" xmlns:r="http://schemas.openxmlformats.org/officeDocument/2006/relationships" xmlns:p="http://schemas.openxmlformats.org/presentationml/2006/main" showMasterPhAnim="0">
+  <p:cSld>
+    <p:bg>
+      <p:bgPr>
+        <a:solidFill>
+          <a:schemeClr val="tx2"/>
+        </a:solidFill>
+        <a:effectLst/>
+      </p:bgPr>
+    </p:bg>
+    <p:spTree>
+      <p:nvGrpSpPr>
+        <p:cNvPr id="1" name=""/>
+        <p:cNvGrpSpPr/>
+        <p:nvPr/>
+      </p:nvGrpSpPr>
+      <p:grpSpPr bwMode="auto">
+        <a:xfrm>
+          <a:off x="0" y="0"/>
+          <a:ext cx="0" cy="0"/>
+          <a:chOff x="0" y="0"/>
+          <a:chExt cx="0" cy="0"/>
+        </a:xfrm>
+      </p:grpSpPr>
+      <p:sp>
+        <p:nvSpPr>
           <p:cNvPr id="1476525157" name="Title 1"/>
           <p:cNvSpPr>
             <a:spLocks noGrp="1"/>
@@ -15994,7 +20307,7 @@
             <a:r>
               <a:rPr lang="en-GB" sz="4000" b="1" dirty="0">
                 <a:solidFill>
-                  <a:srgbClr val="FF3300"/>
+                  <a:schemeClr val="accent4"/>
                 </a:solidFill>
                 <a:latin typeface="Calibri" panose="020F0502020204030204" pitchFamily="34" charset="0"/>
                 <a:ea typeface="Calibri" panose="020F0502020204030204" pitchFamily="34" charset="0"/>
@@ -16004,7 +20317,7 @@
             </a:r>
             <a:endParaRPr sz="4000" b="1" dirty="0">
               <a:solidFill>
-                <a:srgbClr val="FF3300"/>
+                <a:schemeClr val="accent4"/>
               </a:solidFill>
               <a:latin typeface="Calibri" panose="020F0502020204030204" pitchFamily="34" charset="0"/>
               <a:ea typeface="Calibri" panose="020F0502020204030204" pitchFamily="34" charset="0"/>
@@ -16626,848 +20939,6 @@
             <a:extLst>
               <a:ext uri="{FF2B5EF4-FFF2-40B4-BE49-F238E27FC236}">
                 <a16:creationId xmlns:a16="http://schemas.microsoft.com/office/drawing/2014/main" id="{53A0C7C2-6EAA-A5CC-BFBF-93F745A598CA}"/>
-              </a:ext>
-            </a:extLst>
-          </p:cNvPr>
-          <p:cNvSpPr>
-            <a:spLocks noGrp="1"/>
-          </p:cNvSpPr>
-          <p:nvPr>
-            <p:ph type="sldNum" sz="quarter" idx="12"/>
-          </p:nvPr>
-        </p:nvSpPr>
-        <p:spPr/>
-        <p:txBody>
-          <a:bodyPr/>
-          <a:lstStyle/>
-          <a:p>
-            <a:pPr>
-              <a:defRPr/>
-            </a:pPr>
-            <a:fld id="{23CA24EA-A87A-4979-940E-A83EA2C27DA6}" type="slidenum">
-              <a:rPr lang="en-GB" smtClean="0"/>
-              <a:t>8</a:t>
-            </a:fld>
-            <a:endParaRPr lang="en-GB"/>
-          </a:p>
-        </p:txBody>
-      </p:sp>
-    </p:spTree>
-  </p:cSld>
-  <p:clrMapOvr>
-    <a:masterClrMapping/>
-  </p:clrMapOvr>
-</p:sld>
-</file>
-
-<file path=ppt/slides/slide9.xml><?xml version="1.0" encoding="utf-8"?>
-<p:sld xmlns:a="http://schemas.openxmlformats.org/drawingml/2006/main" xmlns:r="http://schemas.openxmlformats.org/officeDocument/2006/relationships" xmlns:p="http://schemas.openxmlformats.org/presentationml/2006/main" showMasterPhAnim="0">
-  <p:cSld>
-    <p:bg>
-      <p:bgPr>
-        <a:solidFill>
-          <a:schemeClr val="tx2"/>
-        </a:solidFill>
-        <a:effectLst/>
-      </p:bgPr>
-    </p:bg>
-    <p:spTree>
-      <p:nvGrpSpPr>
-        <p:cNvPr id="1" name=""/>
-        <p:cNvGrpSpPr/>
-        <p:nvPr/>
-      </p:nvGrpSpPr>
-      <p:grpSpPr bwMode="auto">
-        <a:xfrm>
-          <a:off x="0" y="0"/>
-          <a:ext cx="0" cy="0"/>
-          <a:chOff x="0" y="0"/>
-          <a:chExt cx="0" cy="0"/>
-        </a:xfrm>
-      </p:grpSpPr>
-      <p:sp>
-        <p:nvSpPr>
-          <p:cNvPr id="1917826978" name="Title 1"/>
-          <p:cNvSpPr>
-            <a:spLocks noGrp="1"/>
-          </p:cNvSpPr>
-          <p:nvPr>
-            <p:ph type="title"/>
-          </p:nvPr>
-        </p:nvSpPr>
-        <p:spPr bwMode="auto">
-          <a:xfrm>
-            <a:off x="0" y="1"/>
-            <a:ext cx="6128278" cy="1020050"/>
-          </a:xfrm>
-        </p:spPr>
-        <p:txBody>
-          <a:bodyPr vert="horz" lIns="91440" tIns="45720" rIns="91440" bIns="45720" rtlCol="0" anchor="ctr">
-            <a:normAutofit/>
-          </a:bodyPr>
-          <a:lstStyle/>
-          <a:p>
-            <a:r>
-              <a:rPr lang="en-GB" sz="4000" b="1" dirty="0">
-                <a:solidFill>
-                  <a:srgbClr val="FF3300"/>
-                </a:solidFill>
-                <a:latin typeface="Calibri" panose="020F0502020204030204" pitchFamily="34" charset="0"/>
-                <a:ea typeface="Calibri" panose="020F0502020204030204" pitchFamily="34" charset="0"/>
-                <a:cs typeface="Calibri" panose="020F0502020204030204" pitchFamily="34" charset="0"/>
-              </a:rPr>
-              <a:t>IR Sensor Calibration Steps</a:t>
-            </a:r>
-            <a:endParaRPr sz="4000" b="1" dirty="0">
-              <a:solidFill>
-                <a:srgbClr val="FF3300"/>
-              </a:solidFill>
-              <a:latin typeface="Calibri" panose="020F0502020204030204" pitchFamily="34" charset="0"/>
-              <a:ea typeface="Calibri" panose="020F0502020204030204" pitchFamily="34" charset="0"/>
-              <a:cs typeface="Calibri" panose="020F0502020204030204" pitchFamily="34" charset="0"/>
-            </a:endParaRPr>
-          </a:p>
-        </p:txBody>
-      </p:sp>
-      <p:pic>
-        <p:nvPicPr>
-          <p:cNvPr id="259882132" name="Picture 1"/>
-          <p:cNvPicPr>
-            <a:picLocks noChangeAspect="1"/>
-          </p:cNvPicPr>
-          <p:nvPr/>
-        </p:nvPicPr>
-        <p:blipFill>
-          <a:blip r:embed="rId3"/>
-          <a:stretch/>
-        </p:blipFill>
-        <p:spPr bwMode="auto">
-          <a:xfrm>
-            <a:off x="10080966" y="0"/>
-            <a:ext cx="2100150" cy="566056"/>
-          </a:xfrm>
-          <a:prstGeom prst="rect">
-            <a:avLst/>
-          </a:prstGeom>
-        </p:spPr>
-      </p:pic>
-      <p:sp>
-        <p:nvSpPr>
-          <p:cNvPr id="4" name="TextBox 2">
-            <a:extLst>
-              <a:ext uri="{FF2B5EF4-FFF2-40B4-BE49-F238E27FC236}">
-                <a16:creationId xmlns:a16="http://schemas.microsoft.com/office/drawing/2014/main" id="{EE4F3A82-B1D7-260A-BD33-743F1FD8F5EC}"/>
-              </a:ext>
-            </a:extLst>
-          </p:cNvPr>
-          <p:cNvSpPr txBox="1"/>
-          <p:nvPr/>
-        </p:nvSpPr>
-        <p:spPr bwMode="auto">
-          <a:xfrm>
-            <a:off x="271287" y="1323857"/>
-            <a:ext cx="7265136" cy="5324535"/>
-          </a:xfrm>
-          <a:prstGeom prst="rect">
-            <a:avLst/>
-          </a:prstGeom>
-          <a:noFill/>
-        </p:spPr>
-        <p:txBody>
-          <a:bodyPr wrap="square" rtlCol="0">
-            <a:spAutoFit/>
-          </a:bodyPr>
-          <a:lstStyle/>
-          <a:p>
-            <a:pPr marL="342900" marR="0" lvl="0" indent="-342900" algn="l" defTabSz="914400">
-              <a:lnSpc>
-                <a:spcPct val="100000"/>
-              </a:lnSpc>
-              <a:spcBef>
-                <a:spcPts val="0"/>
-              </a:spcBef>
-              <a:spcAft>
-                <a:spcPts val="0"/>
-              </a:spcAft>
-              <a:buClrTx/>
-              <a:buSzTx/>
-              <a:buFont typeface="+mj-lt"/>
-              <a:buAutoNum type="arabicPeriod"/>
-              <a:defRPr/>
-            </a:pPr>
-            <a:endParaRPr lang="en-GB" sz="2000" b="1" i="0" u="none" strike="noStrike" cap="none" spc="0" dirty="0">
-              <a:ln>
-                <a:noFill/>
-              </a:ln>
-              <a:solidFill>
-                <a:prstClr val="white"/>
-              </a:solidFill>
-              <a:latin typeface="Calibri Light" panose="020F0302020204030204" pitchFamily="34" charset="0"/>
-              <a:ea typeface="Calibri Light" panose="020F0302020204030204" pitchFamily="34" charset="0"/>
-              <a:cs typeface="Calibri Light" panose="020F0302020204030204" pitchFamily="34" charset="0"/>
-            </a:endParaRPr>
-          </a:p>
-          <a:p>
-            <a:pPr marL="342900" marR="0" lvl="0" indent="-342900" algn="l" defTabSz="914400">
-              <a:lnSpc>
-                <a:spcPct val="100000"/>
-              </a:lnSpc>
-              <a:spcBef>
-                <a:spcPts val="0"/>
-              </a:spcBef>
-              <a:spcAft>
-                <a:spcPts val="0"/>
-              </a:spcAft>
-              <a:buClrTx/>
-              <a:buSzTx/>
-              <a:buFont typeface="+mj-lt"/>
-              <a:buAutoNum type="arabicPeriod"/>
-              <a:defRPr/>
-            </a:pPr>
-            <a:r>
-              <a:rPr lang="en-GB" sz="2000" b="1" dirty="0">
-                <a:solidFill>
-                  <a:prstClr val="white"/>
-                </a:solidFill>
-                <a:latin typeface="Calibri Light" panose="020F0302020204030204" pitchFamily="34" charset="0"/>
-                <a:ea typeface="Calibri Light" panose="020F0302020204030204" pitchFamily="34" charset="0"/>
-                <a:cs typeface="Calibri Light" panose="020F0302020204030204" pitchFamily="34" charset="0"/>
-              </a:rPr>
-              <a:t>Slide Switch S2 (on Motor Controller Board) to Power ON the ‘Wall Following Module’.</a:t>
-            </a:r>
-          </a:p>
-          <a:p>
-            <a:pPr marL="342900" marR="0" lvl="0" indent="-342900" algn="l" defTabSz="914400">
-              <a:lnSpc>
-                <a:spcPct val="100000"/>
-              </a:lnSpc>
-              <a:spcBef>
-                <a:spcPts val="0"/>
-              </a:spcBef>
-              <a:spcAft>
-                <a:spcPts val="0"/>
-              </a:spcAft>
-              <a:buClrTx/>
-              <a:buSzTx/>
-              <a:buFont typeface="+mj-lt"/>
-              <a:buAutoNum type="arabicPeriod"/>
-              <a:defRPr/>
-            </a:pPr>
-            <a:r>
-              <a:rPr lang="en-GB" sz="2000" b="1" dirty="0">
-                <a:solidFill>
-                  <a:prstClr val="white"/>
-                </a:solidFill>
-                <a:latin typeface="Calibri Light" panose="020F0302020204030204" pitchFamily="34" charset="0"/>
-                <a:ea typeface="Calibri Light" panose="020F0302020204030204" pitchFamily="34" charset="0"/>
-                <a:cs typeface="Calibri Light" panose="020F0302020204030204" pitchFamily="34" charset="0"/>
-              </a:rPr>
-              <a:t>‘Power LED’ Will be ON </a:t>
-            </a:r>
-          </a:p>
-          <a:p>
-            <a:pPr marL="342900" marR="0" lvl="0" indent="-342900" algn="l" defTabSz="914400">
-              <a:lnSpc>
-                <a:spcPct val="100000"/>
-              </a:lnSpc>
-              <a:spcBef>
-                <a:spcPts val="0"/>
-              </a:spcBef>
-              <a:spcAft>
-                <a:spcPts val="0"/>
-              </a:spcAft>
-              <a:buClrTx/>
-              <a:buSzTx/>
-              <a:buFont typeface="+mj-lt"/>
-              <a:buAutoNum type="arabicPeriod"/>
-              <a:defRPr/>
-            </a:pPr>
-            <a:r>
-              <a:rPr lang="en-GB" sz="2000" b="1" i="0" u="none" strike="noStrike" cap="none" spc="0" dirty="0">
-                <a:ln>
-                  <a:noFill/>
-                </a:ln>
-                <a:solidFill>
-                  <a:prstClr val="white"/>
-                </a:solidFill>
-                <a:latin typeface="Calibri Light" panose="020F0302020204030204" pitchFamily="34" charset="0"/>
-                <a:ea typeface="Calibri Light" panose="020F0302020204030204" pitchFamily="34" charset="0"/>
-                <a:cs typeface="Calibri Light" panose="020F0302020204030204" pitchFamily="34" charset="0"/>
-              </a:rPr>
-              <a:t>Turn all the knobs of  </a:t>
-            </a:r>
-            <a:r>
-              <a:rPr lang="en-GB" sz="2000" b="1" dirty="0">
-                <a:solidFill>
-                  <a:prstClr val="white"/>
-                </a:solidFill>
-                <a:latin typeface="Calibri Light" panose="020F0302020204030204" pitchFamily="34" charset="0"/>
-                <a:ea typeface="Calibri Light" panose="020F0302020204030204" pitchFamily="34" charset="0"/>
-                <a:cs typeface="Calibri Light" panose="020F0302020204030204" pitchFamily="34" charset="0"/>
-              </a:rPr>
-              <a:t>blue potentiometers </a:t>
-            </a:r>
-            <a:r>
-              <a:rPr lang="en-GB" sz="2000" b="1" i="0" u="none" strike="noStrike" cap="none" spc="0" dirty="0">
-                <a:ln>
-                  <a:noFill/>
-                </a:ln>
-                <a:solidFill>
-                  <a:prstClr val="white"/>
-                </a:solidFill>
-                <a:latin typeface="Calibri Light" panose="020F0302020204030204" pitchFamily="34" charset="0"/>
-                <a:ea typeface="Calibri Light" panose="020F0302020204030204" pitchFamily="34" charset="0"/>
-                <a:cs typeface="Calibri Light" panose="020F0302020204030204" pitchFamily="34" charset="0"/>
-              </a:rPr>
-              <a:t>‘clockwise’ fully</a:t>
-            </a:r>
-          </a:p>
-          <a:p>
-            <a:pPr marL="342900" marR="0" lvl="0" indent="-342900" algn="l" defTabSz="914400">
-              <a:lnSpc>
-                <a:spcPct val="100000"/>
-              </a:lnSpc>
-              <a:spcBef>
-                <a:spcPts val="0"/>
-              </a:spcBef>
-              <a:spcAft>
-                <a:spcPts val="0"/>
-              </a:spcAft>
-              <a:buClrTx/>
-              <a:buSzTx/>
-              <a:buFont typeface="+mj-lt"/>
-              <a:buAutoNum type="arabicPeriod"/>
-              <a:defRPr/>
-            </a:pPr>
-            <a:r>
-              <a:rPr lang="en-GB" sz="2000" b="1" dirty="0">
-                <a:solidFill>
-                  <a:prstClr val="white"/>
-                </a:solidFill>
-                <a:latin typeface="Calibri Light" panose="020F0302020204030204" pitchFamily="34" charset="0"/>
-                <a:ea typeface="Calibri Light" panose="020F0302020204030204" pitchFamily="34" charset="0"/>
-                <a:cs typeface="Calibri Light" panose="020F0302020204030204" pitchFamily="34" charset="0"/>
-              </a:rPr>
-              <a:t>All the LEDs (L, C1, C2, R) are all will be OFF</a:t>
-            </a:r>
-          </a:p>
-          <a:p>
-            <a:pPr marL="342900" marR="0" lvl="0" indent="-342900" algn="l" defTabSz="914400">
-              <a:lnSpc>
-                <a:spcPct val="100000"/>
-              </a:lnSpc>
-              <a:spcBef>
-                <a:spcPts val="0"/>
-              </a:spcBef>
-              <a:spcAft>
-                <a:spcPts val="0"/>
-              </a:spcAft>
-              <a:buClrTx/>
-              <a:buSzTx/>
-              <a:buFont typeface="+mj-lt"/>
-              <a:buAutoNum type="arabicPeriod"/>
-              <a:defRPr/>
-            </a:pPr>
-            <a:r>
-              <a:rPr lang="en-GB" sz="2000" b="1" dirty="0">
-                <a:solidFill>
-                  <a:prstClr val="white"/>
-                </a:solidFill>
-                <a:latin typeface="Calibri Light" panose="020F0302020204030204" pitchFamily="34" charset="0"/>
-                <a:ea typeface="Calibri Light" panose="020F0302020204030204" pitchFamily="34" charset="0"/>
-                <a:cs typeface="Calibri Light" panose="020F0302020204030204" pitchFamily="34" charset="0"/>
-              </a:rPr>
-              <a:t>All four IR modules (Left, Centre Left, Centre Right, Right)                                                                                                        have to be individually calibrated</a:t>
-            </a:r>
-          </a:p>
-          <a:p>
-            <a:pPr marL="342900" marR="0" lvl="0" indent="-342900" algn="l" defTabSz="914400">
-              <a:lnSpc>
-                <a:spcPct val="100000"/>
-              </a:lnSpc>
-              <a:spcBef>
-                <a:spcPts val="0"/>
-              </a:spcBef>
-              <a:spcAft>
-                <a:spcPts val="0"/>
-              </a:spcAft>
-              <a:buClrTx/>
-              <a:buSzTx/>
-              <a:buFont typeface="+mj-lt"/>
-              <a:buAutoNum type="arabicPeriod"/>
-              <a:defRPr/>
-            </a:pPr>
-            <a:r>
-              <a:rPr lang="en-GB" sz="2000" b="1" dirty="0">
-                <a:solidFill>
-                  <a:prstClr val="white"/>
-                </a:solidFill>
-                <a:latin typeface="Calibri Light" panose="020F0302020204030204" pitchFamily="34" charset="0"/>
-                <a:ea typeface="Calibri Light" panose="020F0302020204030204" pitchFamily="34" charset="0"/>
-                <a:cs typeface="Calibri Light" panose="020F0302020204030204" pitchFamily="34" charset="0"/>
-              </a:rPr>
-              <a:t>To calibrate one (For example: Centre Left IR Module),  keep obstruction at the ‘required’ distance and turn the appropriate blue knob (in anti-clockwise) direction until the C1 LED is just ON.</a:t>
-            </a:r>
-          </a:p>
-          <a:p>
-            <a:pPr marL="342900" marR="0" lvl="0" indent="-342900" algn="l" defTabSz="914400">
-              <a:lnSpc>
-                <a:spcPct val="100000"/>
-              </a:lnSpc>
-              <a:spcBef>
-                <a:spcPts val="0"/>
-              </a:spcBef>
-              <a:spcAft>
-                <a:spcPts val="0"/>
-              </a:spcAft>
-              <a:buClrTx/>
-              <a:buSzTx/>
-              <a:buFont typeface="+mj-lt"/>
-              <a:buAutoNum type="arabicPeriod"/>
-              <a:defRPr/>
-            </a:pPr>
-            <a:r>
-              <a:rPr lang="en-GB" sz="2000" b="1" dirty="0">
-                <a:solidFill>
-                  <a:prstClr val="white"/>
-                </a:solidFill>
-                <a:latin typeface="Calibri Light" panose="020F0302020204030204" pitchFamily="34" charset="0"/>
-                <a:ea typeface="Calibri Light" panose="020F0302020204030204" pitchFamily="34" charset="0"/>
-                <a:cs typeface="Calibri Light" panose="020F0302020204030204" pitchFamily="34" charset="0"/>
-              </a:rPr>
-              <a:t>Remove the hand. C1 LED will be off. Now Centre Left IR module is calibrated.</a:t>
-            </a:r>
-          </a:p>
-          <a:p>
-            <a:pPr marL="342900" marR="0" lvl="0" indent="-342900" algn="l" defTabSz="914400">
-              <a:lnSpc>
-                <a:spcPct val="100000"/>
-              </a:lnSpc>
-              <a:spcBef>
-                <a:spcPts val="0"/>
-              </a:spcBef>
-              <a:spcAft>
-                <a:spcPts val="0"/>
-              </a:spcAft>
-              <a:buClrTx/>
-              <a:buSzTx/>
-              <a:buFont typeface="+mj-lt"/>
-              <a:buAutoNum type="arabicPeriod"/>
-              <a:defRPr/>
-            </a:pPr>
-            <a:r>
-              <a:rPr lang="en-GB" sz="2000" b="1" dirty="0">
-                <a:solidFill>
-                  <a:prstClr val="white"/>
-                </a:solidFill>
-                <a:latin typeface="Calibri Light" panose="020F0302020204030204" pitchFamily="34" charset="0"/>
-                <a:ea typeface="Calibri Light" panose="020F0302020204030204" pitchFamily="34" charset="0"/>
-                <a:cs typeface="Calibri Light" panose="020F0302020204030204" pitchFamily="34" charset="0"/>
-              </a:rPr>
-              <a:t>Repeat the above steps to all the other IR modules to calibrate to required distance. </a:t>
-            </a:r>
-          </a:p>
-          <a:p>
-            <a:pPr marR="0" lvl="0" algn="l" defTabSz="914400">
-              <a:lnSpc>
-                <a:spcPct val="100000"/>
-              </a:lnSpc>
-              <a:spcBef>
-                <a:spcPts val="0"/>
-              </a:spcBef>
-              <a:spcAft>
-                <a:spcPts val="0"/>
-              </a:spcAft>
-              <a:buClrTx/>
-              <a:buSzTx/>
-              <a:defRPr/>
-            </a:pPr>
-            <a:endParaRPr lang="en-GB" sz="2000" b="1" dirty="0">
-              <a:solidFill>
-                <a:prstClr val="white"/>
-              </a:solidFill>
-              <a:latin typeface="Calibri Light" panose="020F0302020204030204" pitchFamily="34" charset="0"/>
-              <a:ea typeface="Calibri Light" panose="020F0302020204030204" pitchFamily="34" charset="0"/>
-              <a:cs typeface="Calibri Light" panose="020F0302020204030204" pitchFamily="34" charset="0"/>
-            </a:endParaRPr>
-          </a:p>
-          <a:p>
-            <a:pPr marL="342900" marR="0" lvl="0" indent="-342900" algn="l" defTabSz="914400">
-              <a:lnSpc>
-                <a:spcPct val="100000"/>
-              </a:lnSpc>
-              <a:spcBef>
-                <a:spcPts val="0"/>
-              </a:spcBef>
-              <a:spcAft>
-                <a:spcPts val="0"/>
-              </a:spcAft>
-              <a:buClrTx/>
-              <a:buSzTx/>
-              <a:buFont typeface="+mj-lt"/>
-              <a:buAutoNum type="arabicPeriod"/>
-              <a:defRPr/>
-            </a:pPr>
-            <a:endParaRPr lang="en-GB" sz="2000" b="1" i="0" u="none" strike="noStrike" cap="none" spc="0" dirty="0">
-              <a:ln>
-                <a:noFill/>
-              </a:ln>
-              <a:solidFill>
-                <a:prstClr val="white"/>
-              </a:solidFill>
-              <a:latin typeface="Calibri Light" panose="020F0302020204030204" pitchFamily="34" charset="0"/>
-              <a:ea typeface="Calibri Light" panose="020F0302020204030204" pitchFamily="34" charset="0"/>
-              <a:cs typeface="Calibri Light" panose="020F0302020204030204" pitchFamily="34" charset="0"/>
-            </a:endParaRPr>
-          </a:p>
-        </p:txBody>
-      </p:sp>
-      <p:pic>
-        <p:nvPicPr>
-          <p:cNvPr id="6" name="Picture 5">
-            <a:extLst>
-              <a:ext uri="{FF2B5EF4-FFF2-40B4-BE49-F238E27FC236}">
-                <a16:creationId xmlns:a16="http://schemas.microsoft.com/office/drawing/2014/main" id="{558E9CEA-DBFF-B83F-0EEA-1DC71097E15D}"/>
-              </a:ext>
-            </a:extLst>
-          </p:cNvPr>
-          <p:cNvPicPr>
-            <a:picLocks noChangeAspect="1"/>
-          </p:cNvPicPr>
-          <p:nvPr/>
-        </p:nvPicPr>
-        <p:blipFill>
-          <a:blip r:embed="rId4" cstate="print">
-            <a:extLst>
-              <a:ext uri="{28A0092B-C50C-407E-A947-70E740481C1C}">
-                <a14:useLocalDpi xmlns:a14="http://schemas.microsoft.com/office/drawing/2010/main" val="0"/>
-              </a:ext>
-            </a:extLst>
-          </a:blip>
-          <a:stretch>
-            <a:fillRect/>
-          </a:stretch>
-        </p:blipFill>
-        <p:spPr>
-          <a:xfrm rot="5400000">
-            <a:off x="7824609" y="468451"/>
-            <a:ext cx="2402805" cy="1710813"/>
-          </a:xfrm>
-          <a:prstGeom prst="rect">
-            <a:avLst/>
-          </a:prstGeom>
-        </p:spPr>
-      </p:pic>
-      <p:pic>
-        <p:nvPicPr>
-          <p:cNvPr id="8" name="Picture 7">
-            <a:extLst>
-              <a:ext uri="{FF2B5EF4-FFF2-40B4-BE49-F238E27FC236}">
-                <a16:creationId xmlns:a16="http://schemas.microsoft.com/office/drawing/2014/main" id="{03E3D71A-492B-F5DE-0F4B-4CB16B32BAF6}"/>
-              </a:ext>
-            </a:extLst>
-          </p:cNvPr>
-          <p:cNvPicPr>
-            <a:picLocks noChangeAspect="1"/>
-          </p:cNvPicPr>
-          <p:nvPr/>
-        </p:nvPicPr>
-        <p:blipFill>
-          <a:blip r:embed="rId5"/>
-          <a:stretch>
-            <a:fillRect/>
-          </a:stretch>
-        </p:blipFill>
-        <p:spPr>
-          <a:xfrm>
-            <a:off x="7619999" y="2626634"/>
-            <a:ext cx="3043084" cy="1994191"/>
-          </a:xfrm>
-          <a:prstGeom prst="rect">
-            <a:avLst/>
-          </a:prstGeom>
-        </p:spPr>
-      </p:pic>
-      <p:pic>
-        <p:nvPicPr>
-          <p:cNvPr id="10" name="Picture 9">
-            <a:extLst>
-              <a:ext uri="{FF2B5EF4-FFF2-40B4-BE49-F238E27FC236}">
-                <a16:creationId xmlns:a16="http://schemas.microsoft.com/office/drawing/2014/main" id="{13039356-81A7-9677-F43C-8A4DF426B4CB}"/>
-              </a:ext>
-            </a:extLst>
-          </p:cNvPr>
-          <p:cNvPicPr>
-            <a:picLocks noChangeAspect="1"/>
-          </p:cNvPicPr>
-          <p:nvPr/>
-        </p:nvPicPr>
-        <p:blipFill>
-          <a:blip r:embed="rId6"/>
-          <a:stretch>
-            <a:fillRect/>
-          </a:stretch>
-        </p:blipFill>
-        <p:spPr>
-          <a:xfrm>
-            <a:off x="7619999" y="4736117"/>
-            <a:ext cx="3043084" cy="2001364"/>
-          </a:xfrm>
-          <a:prstGeom prst="rect">
-            <a:avLst/>
-          </a:prstGeom>
-        </p:spPr>
-      </p:pic>
-      <p:cxnSp>
-        <p:nvCxnSpPr>
-          <p:cNvPr id="12" name="Straight Arrow Connector 11">
-            <a:extLst>
-              <a:ext uri="{FF2B5EF4-FFF2-40B4-BE49-F238E27FC236}">
-                <a16:creationId xmlns:a16="http://schemas.microsoft.com/office/drawing/2014/main" id="{98E3F388-DCEC-13F5-E0FC-A82AC2111514}"/>
-              </a:ext>
-            </a:extLst>
-          </p:cNvPr>
-          <p:cNvCxnSpPr/>
-          <p:nvPr/>
-        </p:nvCxnSpPr>
-        <p:spPr bwMode="auto">
-          <a:xfrm flipH="1">
-            <a:off x="7536423" y="1160206"/>
-            <a:ext cx="1302777" cy="0"/>
-          </a:xfrm>
-          <a:prstGeom prst="straightConnector1">
-            <a:avLst/>
-          </a:prstGeom>
-          <a:ln w="28575">
-            <a:solidFill>
-              <a:schemeClr val="accent4">
-                <a:lumMod val="75000"/>
-              </a:schemeClr>
-            </a:solidFill>
-            <a:tailEnd type="triangle"/>
-          </a:ln>
-        </p:spPr>
-        <p:style>
-          <a:lnRef idx="2">
-            <a:schemeClr val="accent1"/>
-          </a:lnRef>
-          <a:fillRef idx="0">
-            <a:schemeClr val="accent1"/>
-          </a:fillRef>
-          <a:effectRef idx="1">
-            <a:schemeClr val="accent1"/>
-          </a:effectRef>
-          <a:fontRef idx="minor">
-            <a:schemeClr val="tx1"/>
-          </a:fontRef>
-        </p:style>
-      </p:cxnSp>
-      <p:sp>
-        <p:nvSpPr>
-          <p:cNvPr id="13" name="TextBox 12">
-            <a:extLst>
-              <a:ext uri="{FF2B5EF4-FFF2-40B4-BE49-F238E27FC236}">
-                <a16:creationId xmlns:a16="http://schemas.microsoft.com/office/drawing/2014/main" id="{2E8E70D6-62AE-0FDC-0403-7D959DA81C72}"/>
-              </a:ext>
-            </a:extLst>
-          </p:cNvPr>
-          <p:cNvSpPr txBox="1"/>
-          <p:nvPr/>
-        </p:nvSpPr>
-        <p:spPr bwMode="auto">
-          <a:xfrm>
-            <a:off x="6327826" y="987288"/>
-            <a:ext cx="1308371" cy="369332"/>
-          </a:xfrm>
-          <a:prstGeom prst="rect">
-            <a:avLst/>
-          </a:prstGeom>
-          <a:noFill/>
-        </p:spPr>
-        <p:txBody>
-          <a:bodyPr wrap="none" rtlCol="0">
-            <a:spAutoFit/>
-          </a:bodyPr>
-          <a:lstStyle/>
-          <a:p>
-            <a:r>
-              <a:rPr lang="en-GB" b="1" dirty="0">
-                <a:solidFill>
-                  <a:schemeClr val="accent3">
-                    <a:lumMod val="25000"/>
-                    <a:lumOff val="75000"/>
-                  </a:schemeClr>
-                </a:solidFill>
-              </a:rPr>
-              <a:t>Power LED</a:t>
-            </a:r>
-          </a:p>
-        </p:txBody>
-      </p:sp>
-      <p:cxnSp>
-        <p:nvCxnSpPr>
-          <p:cNvPr id="14" name="Straight Arrow Connector 13">
-            <a:extLst>
-              <a:ext uri="{FF2B5EF4-FFF2-40B4-BE49-F238E27FC236}">
-                <a16:creationId xmlns:a16="http://schemas.microsoft.com/office/drawing/2014/main" id="{D4F61886-204B-AE4B-210B-0C64D5742E36}"/>
-              </a:ext>
-            </a:extLst>
-          </p:cNvPr>
-          <p:cNvCxnSpPr>
-            <a:cxnSpLocks/>
-          </p:cNvCxnSpPr>
-          <p:nvPr/>
-        </p:nvCxnSpPr>
-        <p:spPr bwMode="auto">
-          <a:xfrm>
-            <a:off x="9264446" y="5814639"/>
-            <a:ext cx="1659193" cy="173206"/>
-          </a:xfrm>
-          <a:prstGeom prst="straightConnector1">
-            <a:avLst/>
-          </a:prstGeom>
-          <a:ln w="28575">
-            <a:solidFill>
-              <a:schemeClr val="accent4">
-                <a:lumMod val="75000"/>
-              </a:schemeClr>
-            </a:solidFill>
-            <a:tailEnd type="triangle"/>
-          </a:ln>
-        </p:spPr>
-        <p:style>
-          <a:lnRef idx="2">
-            <a:schemeClr val="accent1"/>
-          </a:lnRef>
-          <a:fillRef idx="0">
-            <a:schemeClr val="accent1"/>
-          </a:fillRef>
-          <a:effectRef idx="1">
-            <a:schemeClr val="accent1"/>
-          </a:effectRef>
-          <a:fontRef idx="minor">
-            <a:schemeClr val="tx1"/>
-          </a:fontRef>
-        </p:style>
-      </p:cxnSp>
-      <p:sp>
-        <p:nvSpPr>
-          <p:cNvPr id="17" name="TextBox 16">
-            <a:extLst>
-              <a:ext uri="{FF2B5EF4-FFF2-40B4-BE49-F238E27FC236}">
-                <a16:creationId xmlns:a16="http://schemas.microsoft.com/office/drawing/2014/main" id="{1F605D26-6E3F-7712-DCF2-27EF51E64F75}"/>
-              </a:ext>
-            </a:extLst>
-          </p:cNvPr>
-          <p:cNvSpPr txBox="1"/>
-          <p:nvPr/>
-        </p:nvSpPr>
-        <p:spPr bwMode="auto">
-          <a:xfrm>
-            <a:off x="10746659" y="5993331"/>
-            <a:ext cx="1385316" cy="369332"/>
-          </a:xfrm>
-          <a:prstGeom prst="rect">
-            <a:avLst/>
-          </a:prstGeom>
-          <a:noFill/>
-        </p:spPr>
-        <p:txBody>
-          <a:bodyPr wrap="none" rtlCol="0">
-            <a:spAutoFit/>
-          </a:bodyPr>
-          <a:lstStyle/>
-          <a:p>
-            <a:r>
-              <a:rPr lang="en-GB" b="1" dirty="0">
-                <a:solidFill>
-                  <a:schemeClr val="accent3">
-                    <a:lumMod val="25000"/>
-                    <a:lumOff val="75000"/>
-                  </a:schemeClr>
-                </a:solidFill>
-              </a:rPr>
-              <a:t>Left C1 LED</a:t>
-            </a:r>
-          </a:p>
-        </p:txBody>
-      </p:sp>
-      <p:sp>
-        <p:nvSpPr>
-          <p:cNvPr id="18" name="TextBox 17">
-            <a:extLst>
-              <a:ext uri="{FF2B5EF4-FFF2-40B4-BE49-F238E27FC236}">
-                <a16:creationId xmlns:a16="http://schemas.microsoft.com/office/drawing/2014/main" id="{4AB4E983-14A0-11B6-6039-40C04E08C900}"/>
-              </a:ext>
-            </a:extLst>
-          </p:cNvPr>
-          <p:cNvSpPr txBox="1"/>
-          <p:nvPr/>
-        </p:nvSpPr>
-        <p:spPr>
-          <a:xfrm>
-            <a:off x="8642555" y="3569109"/>
-            <a:ext cx="511277" cy="215444"/>
-          </a:xfrm>
-          <a:prstGeom prst="rect">
-            <a:avLst/>
-          </a:prstGeom>
-          <a:noFill/>
-          <a:ln w="38100">
-            <a:solidFill>
-              <a:schemeClr val="accent4">
-                <a:lumMod val="75000"/>
-              </a:schemeClr>
-            </a:solidFill>
-          </a:ln>
-        </p:spPr>
-        <p:txBody>
-          <a:bodyPr wrap="square" rtlCol="0">
-            <a:spAutoFit/>
-          </a:bodyPr>
-          <a:lstStyle/>
-          <a:p>
-            <a:endParaRPr lang="en-GB" sz="800" dirty="0"/>
-          </a:p>
-        </p:txBody>
-      </p:sp>
-      <p:sp>
-        <p:nvSpPr>
-          <p:cNvPr id="19" name="Date Placeholder 18">
-            <a:extLst>
-              <a:ext uri="{FF2B5EF4-FFF2-40B4-BE49-F238E27FC236}">
-                <a16:creationId xmlns:a16="http://schemas.microsoft.com/office/drawing/2014/main" id="{02C6A295-B423-CB37-E042-2D2D589E0CE0}"/>
-              </a:ext>
-            </a:extLst>
-          </p:cNvPr>
-          <p:cNvSpPr>
-            <a:spLocks noGrp="1"/>
-          </p:cNvSpPr>
-          <p:nvPr>
-            <p:ph type="dt" sz="half" idx="10"/>
-          </p:nvPr>
-        </p:nvSpPr>
-        <p:spPr/>
-        <p:txBody>
-          <a:bodyPr/>
-          <a:lstStyle/>
-          <a:p>
-            <a:pPr>
-              <a:defRPr/>
-            </a:pPr>
-            <a:r>
-              <a:rPr lang="en-GB"/>
-              <a:t>07/12/2025</a:t>
-            </a:r>
-          </a:p>
-        </p:txBody>
-      </p:sp>
-      <p:sp>
-        <p:nvSpPr>
-          <p:cNvPr id="20" name="Slide Number Placeholder 19">
-            <a:extLst>
-              <a:ext uri="{FF2B5EF4-FFF2-40B4-BE49-F238E27FC236}">
-                <a16:creationId xmlns:a16="http://schemas.microsoft.com/office/drawing/2014/main" id="{7B217DF5-4973-BE18-2211-1E7B85B1F610}"/>
               </a:ext>
             </a:extLst>
           </p:cNvPr>
